--- a/Python for Generative AI/Presentation.pptx
+++ b/Python for Generative AI/Presentation.pptx
@@ -5,11 +5,17 @@
     <p:sldMasterId id="2147483648" r:id="rId1"/>
   </p:sldMasterIdLst>
   <p:notesMasterIdLst>
-    <p:notesMasterId r:id="rId4"/>
+    <p:notesMasterId r:id="rId10"/>
   </p:notesMasterIdLst>
   <p:sldIdLst>
-    <p:sldId id="256" r:id="rId2"/>
-    <p:sldId id="257" r:id="rId3"/>
+    <p:sldId id="258" r:id="rId2"/>
+    <p:sldId id="256" r:id="rId3"/>
+    <p:sldId id="257" r:id="rId4"/>
+    <p:sldId id="259" r:id="rId5"/>
+    <p:sldId id="260" r:id="rId6"/>
+    <p:sldId id="261" r:id="rId7"/>
+    <p:sldId id="262" r:id="rId8"/>
+    <p:sldId id="263" r:id="rId9"/>
   </p:sldIdLst>
   <p:sldSz cx="12192000" cy="6858000"/>
   <p:notesSz cx="6858000" cy="9144000"/>
@@ -108,6 +114,11 @@
       </a:defRPr>
     </a:lvl9pPr>
   </p:defaultTextStyle>
+  <p:extLst>
+    <p:ext uri="{EFAFB233-063F-42B5-8137-9DF3F51BA10A}">
+      <p15:sldGuideLst xmlns:p15="http://schemas.microsoft.com/office/powerpoint/2012/main"/>
+    </p:ext>
+  </p:extLst>
 </p:presentation>
 </file>
 
@@ -526,7 +537,7 @@
           <a:p>
             <a:fld id="{A6F285F7-750F-684C-9B39-7077A46B5CDE}" type="slidenum">
               <a:rPr lang="en-US" smtClean="0"/>
-              <a:t>1</a:t>
+              <a:t>2</a:t>
             </a:fld>
             <a:endParaRPr lang="en-US"/>
           </a:p>
@@ -589,58 +600,7 @@
           <a:bodyPr/>
           <a:lstStyle/>
           <a:p>
-            <a:r>
-              <a:rPr lang="en-US" sz="2000" dirty="0"/>
-              <a:t>Hello, my name is Deepa Narang, and I am an experienced educator with a strong commitment to learning and contributing to institutional development. I hold a diverse educational background, including a postgraduate teacher certification from the Hong Kong Council for Academic Accreditation.</a:t>
-            </a:r>
-          </a:p>
-          <a:p>
-            <a:endParaRPr lang="en-US" sz="2000" dirty="0"/>
-          </a:p>
-          <a:p>
-            <a:r>
-              <a:rPr lang="en-US" sz="2000" dirty="0"/>
-              <a:t>My teaching journey spans over 4 years and 8 months, during which I have dedicated myself to nurturing young minds and fostering a love for learning. I have had the privilege of teaching at esteemed institutions such as Sun Island Kindergarten in Hong Kong, Delhi Public School in Gurgaon, Haryana, and Vishwa Bharti Public School in Dwarka, New Delhi.</a:t>
-            </a:r>
-          </a:p>
-          <a:p>
-            <a:endParaRPr lang="en-US" sz="2000" dirty="0"/>
-          </a:p>
-          <a:p>
-            <a:r>
-              <a:rPr lang="en-US" sz="2000" dirty="0"/>
-              <a:t>Throughout my career, I have excelled in both academic and extracurricular domains. I have a proven track record of proficiency in teaching English and mathematics, which underscores my commitment to contributing my skills and expertise to any educational institution I am part of.</a:t>
-            </a:r>
-          </a:p>
-          <a:p>
-            <a:endParaRPr lang="en-US" sz="2000" dirty="0"/>
-          </a:p>
-          <a:p>
-            <a:r>
-              <a:rPr lang="en-US" sz="2000" dirty="0"/>
-              <a:t>In terms of my education, I hold an MSc. in Mathematics and a B.Ed., along with other relevant qualifications from reputed institutions in India. My academic achievements are complemented by accolades in extracurricular activities, including winning the first prize in an Inter College Physics Quiz and a writing competition.</a:t>
-            </a:r>
-          </a:p>
-          <a:p>
-            <a:endParaRPr lang="en-US" sz="2000" dirty="0"/>
-          </a:p>
-          <a:p>
-            <a:r>
-              <a:rPr lang="en-US" sz="2000" dirty="0"/>
-              <a:t>I am fluent in English and Hindi and am a permanent resident of Hong Kong, where I reside with my family. My background, skills, and dedication make me a valuable asset to any educational team.</a:t>
-            </a:r>
-          </a:p>
-          <a:p>
-            <a:endParaRPr lang="en-US" sz="2000" dirty="0"/>
-          </a:p>
-          <a:p>
-            <a:r>
-              <a:rPr lang="en-US" sz="2000" dirty="0"/>
-              <a:t>Thank you for considering my application. I look forward to the opportunity to contribute to the growth and success of your esteemed institution.</a:t>
-            </a:r>
-          </a:p>
-          <a:p>
-            <a:endParaRPr lang="en-US" sz="2000" dirty="0"/>
+            <a:endParaRPr lang="en-US" dirty="0"/>
           </a:p>
         </p:txBody>
       </p:sp>
@@ -661,7 +621,7 @@
           <a:p>
             <a:fld id="{A6F285F7-750F-684C-9B39-7077A46B5CDE}" type="slidenum">
               <a:rPr lang="en-US" smtClean="0"/>
-              <a:t>2</a:t>
+              <a:t>3</a:t>
             </a:fld>
             <a:endParaRPr lang="en-US"/>
           </a:p>
@@ -670,7 +630,343 @@
     </p:spTree>
     <p:extLst>
       <p:ext uri="{BB962C8B-B14F-4D97-AF65-F5344CB8AC3E}">
-        <p14:creationId xmlns:p14="http://schemas.microsoft.com/office/powerpoint/2010/main" val="2303394063"/>
+        <p14:creationId xmlns:p14="http://schemas.microsoft.com/office/powerpoint/2010/main" val="3106291478"/>
+      </p:ext>
+    </p:extLst>
+  </p:cSld>
+  <p:clrMapOvr>
+    <a:masterClrMapping/>
+  </p:clrMapOvr>
+</p:notes>
+</file>
+
+<file path=ppt/notesSlides/notesSlide3.xml><?xml version="1.0" encoding="utf-8"?>
+<p:notes xmlns:a="http://schemas.openxmlformats.org/drawingml/2006/main" xmlns:r="http://schemas.openxmlformats.org/officeDocument/2006/relationships" xmlns:p="http://schemas.openxmlformats.org/presentationml/2006/main">
+  <p:cSld>
+    <p:spTree>
+      <p:nvGrpSpPr>
+        <p:cNvPr id="1" name=""/>
+        <p:cNvGrpSpPr/>
+        <p:nvPr/>
+      </p:nvGrpSpPr>
+      <p:grpSpPr>
+        <a:xfrm>
+          <a:off x="0" y="0"/>
+          <a:ext cx="0" cy="0"/>
+          <a:chOff x="0" y="0"/>
+          <a:chExt cx="0" cy="0"/>
+        </a:xfrm>
+      </p:grpSpPr>
+      <p:sp>
+        <p:nvSpPr>
+          <p:cNvPr id="2" name="Slide Image Placeholder 1"/>
+          <p:cNvSpPr>
+            <a:spLocks noGrp="1" noRot="1" noChangeAspect="1"/>
+          </p:cNvSpPr>
+          <p:nvPr>
+            <p:ph type="sldImg"/>
+          </p:nvPr>
+        </p:nvSpPr>
+        <p:spPr/>
+      </p:sp>
+      <p:sp>
+        <p:nvSpPr>
+          <p:cNvPr id="3" name="Notes Placeholder 2"/>
+          <p:cNvSpPr>
+            <a:spLocks noGrp="1"/>
+          </p:cNvSpPr>
+          <p:nvPr>
+            <p:ph type="body" idx="1"/>
+          </p:nvPr>
+        </p:nvSpPr>
+        <p:spPr/>
+        <p:txBody>
+          <a:bodyPr/>
+          <a:lstStyle/>
+          <a:p>
+            <a:endParaRPr lang="en-US" dirty="0"/>
+          </a:p>
+        </p:txBody>
+      </p:sp>
+      <p:sp>
+        <p:nvSpPr>
+          <p:cNvPr id="4" name="Slide Number Placeholder 3"/>
+          <p:cNvSpPr>
+            <a:spLocks noGrp="1"/>
+          </p:cNvSpPr>
+          <p:nvPr>
+            <p:ph type="sldNum" sz="quarter" idx="5"/>
+          </p:nvPr>
+        </p:nvSpPr>
+        <p:spPr/>
+        <p:txBody>
+          <a:bodyPr/>
+          <a:lstStyle/>
+          <a:p>
+            <a:fld id="{A6F285F7-750F-684C-9B39-7077A46B5CDE}" type="slidenum">
+              <a:rPr lang="en-US" smtClean="0"/>
+              <a:t>4</a:t>
+            </a:fld>
+            <a:endParaRPr lang="en-US"/>
+          </a:p>
+        </p:txBody>
+      </p:sp>
+    </p:spTree>
+    <p:extLst>
+      <p:ext uri="{BB962C8B-B14F-4D97-AF65-F5344CB8AC3E}">
+        <p14:creationId xmlns:p14="http://schemas.microsoft.com/office/powerpoint/2010/main" val="2919763726"/>
+      </p:ext>
+    </p:extLst>
+  </p:cSld>
+  <p:clrMapOvr>
+    <a:masterClrMapping/>
+  </p:clrMapOvr>
+</p:notes>
+</file>
+
+<file path=ppt/notesSlides/notesSlide4.xml><?xml version="1.0" encoding="utf-8"?>
+<p:notes xmlns:a="http://schemas.openxmlformats.org/drawingml/2006/main" xmlns:r="http://schemas.openxmlformats.org/officeDocument/2006/relationships" xmlns:p="http://schemas.openxmlformats.org/presentationml/2006/main">
+  <p:cSld>
+    <p:spTree>
+      <p:nvGrpSpPr>
+        <p:cNvPr id="1" name=""/>
+        <p:cNvGrpSpPr/>
+        <p:nvPr/>
+      </p:nvGrpSpPr>
+      <p:grpSpPr>
+        <a:xfrm>
+          <a:off x="0" y="0"/>
+          <a:ext cx="0" cy="0"/>
+          <a:chOff x="0" y="0"/>
+          <a:chExt cx="0" cy="0"/>
+        </a:xfrm>
+      </p:grpSpPr>
+      <p:sp>
+        <p:nvSpPr>
+          <p:cNvPr id="2" name="Slide Image Placeholder 1"/>
+          <p:cNvSpPr>
+            <a:spLocks noGrp="1" noRot="1" noChangeAspect="1"/>
+          </p:cNvSpPr>
+          <p:nvPr>
+            <p:ph type="sldImg"/>
+          </p:nvPr>
+        </p:nvSpPr>
+        <p:spPr/>
+      </p:sp>
+      <p:sp>
+        <p:nvSpPr>
+          <p:cNvPr id="3" name="Notes Placeholder 2"/>
+          <p:cNvSpPr>
+            <a:spLocks noGrp="1"/>
+          </p:cNvSpPr>
+          <p:nvPr>
+            <p:ph type="body" idx="1"/>
+          </p:nvPr>
+        </p:nvSpPr>
+        <p:spPr/>
+        <p:txBody>
+          <a:bodyPr/>
+          <a:lstStyle/>
+          <a:p>
+            <a:endParaRPr lang="en-US" dirty="0"/>
+          </a:p>
+        </p:txBody>
+      </p:sp>
+      <p:sp>
+        <p:nvSpPr>
+          <p:cNvPr id="4" name="Slide Number Placeholder 3"/>
+          <p:cNvSpPr>
+            <a:spLocks noGrp="1"/>
+          </p:cNvSpPr>
+          <p:nvPr>
+            <p:ph type="sldNum" sz="quarter" idx="5"/>
+          </p:nvPr>
+        </p:nvSpPr>
+        <p:spPr/>
+        <p:txBody>
+          <a:bodyPr/>
+          <a:lstStyle/>
+          <a:p>
+            <a:fld id="{A6F285F7-750F-684C-9B39-7077A46B5CDE}" type="slidenum">
+              <a:rPr lang="en-US" smtClean="0"/>
+              <a:t>5</a:t>
+            </a:fld>
+            <a:endParaRPr lang="en-US"/>
+          </a:p>
+        </p:txBody>
+      </p:sp>
+    </p:spTree>
+    <p:extLst>
+      <p:ext uri="{BB962C8B-B14F-4D97-AF65-F5344CB8AC3E}">
+        <p14:creationId xmlns:p14="http://schemas.microsoft.com/office/powerpoint/2010/main" val="1472194962"/>
+      </p:ext>
+    </p:extLst>
+  </p:cSld>
+  <p:clrMapOvr>
+    <a:masterClrMapping/>
+  </p:clrMapOvr>
+</p:notes>
+</file>
+
+<file path=ppt/notesSlides/notesSlide5.xml><?xml version="1.0" encoding="utf-8"?>
+<p:notes xmlns:a="http://schemas.openxmlformats.org/drawingml/2006/main" xmlns:r="http://schemas.openxmlformats.org/officeDocument/2006/relationships" xmlns:p="http://schemas.openxmlformats.org/presentationml/2006/main">
+  <p:cSld>
+    <p:spTree>
+      <p:nvGrpSpPr>
+        <p:cNvPr id="1" name=""/>
+        <p:cNvGrpSpPr/>
+        <p:nvPr/>
+      </p:nvGrpSpPr>
+      <p:grpSpPr>
+        <a:xfrm>
+          <a:off x="0" y="0"/>
+          <a:ext cx="0" cy="0"/>
+          <a:chOff x="0" y="0"/>
+          <a:chExt cx="0" cy="0"/>
+        </a:xfrm>
+      </p:grpSpPr>
+      <p:sp>
+        <p:nvSpPr>
+          <p:cNvPr id="2" name="Slide Image Placeholder 1"/>
+          <p:cNvSpPr>
+            <a:spLocks noGrp="1" noRot="1" noChangeAspect="1"/>
+          </p:cNvSpPr>
+          <p:nvPr>
+            <p:ph type="sldImg"/>
+          </p:nvPr>
+        </p:nvSpPr>
+        <p:spPr/>
+      </p:sp>
+      <p:sp>
+        <p:nvSpPr>
+          <p:cNvPr id="3" name="Notes Placeholder 2"/>
+          <p:cNvSpPr>
+            <a:spLocks noGrp="1"/>
+          </p:cNvSpPr>
+          <p:nvPr>
+            <p:ph type="body" idx="1"/>
+          </p:nvPr>
+        </p:nvSpPr>
+        <p:spPr/>
+        <p:txBody>
+          <a:bodyPr/>
+          <a:lstStyle/>
+          <a:p>
+            <a:endParaRPr lang="en-US" dirty="0"/>
+          </a:p>
+        </p:txBody>
+      </p:sp>
+      <p:sp>
+        <p:nvSpPr>
+          <p:cNvPr id="4" name="Slide Number Placeholder 3"/>
+          <p:cNvSpPr>
+            <a:spLocks noGrp="1"/>
+          </p:cNvSpPr>
+          <p:nvPr>
+            <p:ph type="sldNum" sz="quarter" idx="5"/>
+          </p:nvPr>
+        </p:nvSpPr>
+        <p:spPr/>
+        <p:txBody>
+          <a:bodyPr/>
+          <a:lstStyle/>
+          <a:p>
+            <a:fld id="{A6F285F7-750F-684C-9B39-7077A46B5CDE}" type="slidenum">
+              <a:rPr lang="en-US" smtClean="0"/>
+              <a:t>6</a:t>
+            </a:fld>
+            <a:endParaRPr lang="en-US"/>
+          </a:p>
+        </p:txBody>
+      </p:sp>
+    </p:spTree>
+    <p:extLst>
+      <p:ext uri="{BB962C8B-B14F-4D97-AF65-F5344CB8AC3E}">
+        <p14:creationId xmlns:p14="http://schemas.microsoft.com/office/powerpoint/2010/main" val="2838200546"/>
+      </p:ext>
+    </p:extLst>
+  </p:cSld>
+  <p:clrMapOvr>
+    <a:masterClrMapping/>
+  </p:clrMapOvr>
+</p:notes>
+</file>
+
+<file path=ppt/notesSlides/notesSlide6.xml><?xml version="1.0" encoding="utf-8"?>
+<p:notes xmlns:a="http://schemas.openxmlformats.org/drawingml/2006/main" xmlns:r="http://schemas.openxmlformats.org/officeDocument/2006/relationships" xmlns:p="http://schemas.openxmlformats.org/presentationml/2006/main">
+  <p:cSld>
+    <p:spTree>
+      <p:nvGrpSpPr>
+        <p:cNvPr id="1" name=""/>
+        <p:cNvGrpSpPr/>
+        <p:nvPr/>
+      </p:nvGrpSpPr>
+      <p:grpSpPr>
+        <a:xfrm>
+          <a:off x="0" y="0"/>
+          <a:ext cx="0" cy="0"/>
+          <a:chOff x="0" y="0"/>
+          <a:chExt cx="0" cy="0"/>
+        </a:xfrm>
+      </p:grpSpPr>
+      <p:sp>
+        <p:nvSpPr>
+          <p:cNvPr id="2" name="Slide Image Placeholder 1"/>
+          <p:cNvSpPr>
+            <a:spLocks noGrp="1" noRot="1" noChangeAspect="1"/>
+          </p:cNvSpPr>
+          <p:nvPr>
+            <p:ph type="sldImg"/>
+          </p:nvPr>
+        </p:nvSpPr>
+        <p:spPr/>
+      </p:sp>
+      <p:sp>
+        <p:nvSpPr>
+          <p:cNvPr id="3" name="Notes Placeholder 2"/>
+          <p:cNvSpPr>
+            <a:spLocks noGrp="1"/>
+          </p:cNvSpPr>
+          <p:nvPr>
+            <p:ph type="body" idx="1"/>
+          </p:nvPr>
+        </p:nvSpPr>
+        <p:spPr/>
+        <p:txBody>
+          <a:bodyPr/>
+          <a:lstStyle/>
+          <a:p>
+            <a:endParaRPr lang="en-US" dirty="0"/>
+          </a:p>
+        </p:txBody>
+      </p:sp>
+      <p:sp>
+        <p:nvSpPr>
+          <p:cNvPr id="4" name="Slide Number Placeholder 3"/>
+          <p:cNvSpPr>
+            <a:spLocks noGrp="1"/>
+          </p:cNvSpPr>
+          <p:nvPr>
+            <p:ph type="sldNum" sz="quarter" idx="5"/>
+          </p:nvPr>
+        </p:nvSpPr>
+        <p:spPr/>
+        <p:txBody>
+          <a:bodyPr/>
+          <a:lstStyle/>
+          <a:p>
+            <a:fld id="{A6F285F7-750F-684C-9B39-7077A46B5CDE}" type="slidenum">
+              <a:rPr lang="en-US" smtClean="0"/>
+              <a:t>7</a:t>
+            </a:fld>
+            <a:endParaRPr lang="en-US"/>
+          </a:p>
+        </p:txBody>
+      </p:sp>
+    </p:spTree>
+    <p:extLst>
+      <p:ext uri="{BB962C8B-B14F-4D97-AF65-F5344CB8AC3E}">
+        <p14:creationId xmlns:p14="http://schemas.microsoft.com/office/powerpoint/2010/main" val="560275163"/>
       </p:ext>
     </p:extLst>
   </p:cSld>
@@ -3901,6 +4197,17 @@
 <file path=ppt/slides/slide1.xml><?xml version="1.0" encoding="utf-8"?>
 <p:sld xmlns:a="http://schemas.openxmlformats.org/drawingml/2006/main" xmlns:r="http://schemas.openxmlformats.org/officeDocument/2006/relationships" xmlns:p="http://schemas.openxmlformats.org/presentationml/2006/main">
   <p:cSld>
+    <p:bg>
+      <p:bgPr>
+        <a:solidFill>
+          <a:schemeClr val="bg1">
+            <a:tint val="95000"/>
+            <a:satMod val="170000"/>
+          </a:schemeClr>
+        </a:solidFill>
+        <a:effectLst/>
+      </p:bgPr>
+    </p:bg>
     <p:spTree>
       <p:nvGrpSpPr>
         <p:cNvPr id="1" name=""/>
@@ -3917,6 +4224,654 @@
       </p:grpSpPr>
       <p:sp>
         <p:nvSpPr>
+          <p:cNvPr id="7" name="Freeform: Shape 6">
+            <a:extLst>
+              <a:ext uri="{FF2B5EF4-FFF2-40B4-BE49-F238E27FC236}">
+                <a16:creationId xmlns:a16="http://schemas.microsoft.com/office/drawing/2014/main" id="{66B332A4-D438-4773-A77F-5ED49A448D9D}"/>
+              </a:ext>
+              <a:ext uri="{C183D7F6-B498-43B3-948B-1728B52AA6E4}">
+                <adec:decorative xmlns:adec="http://schemas.microsoft.com/office/drawing/2017/decorative" val="1"/>
+              </a:ext>
+            </a:extLst>
+          </p:cNvPr>
+          <p:cNvSpPr>
+            <a:spLocks noGrp="1" noRot="1" noChangeAspect="1" noMove="1" noResize="1" noEditPoints="1" noAdjustHandles="1" noChangeArrowheads="1" noChangeShapeType="1" noTextEdit="1"/>
+          </p:cNvSpPr>
+          <p:nvPr>
+            <p:extLst>
+              <p:ext uri="{386F3935-93C4-4BCD-93E2-E3B085C9AB24}">
+                <p16:designElem xmlns:p16="http://schemas.microsoft.com/office/powerpoint/2015/main" val="1"/>
+              </p:ext>
+            </p:extLst>
+          </p:nvPr>
+        </p:nvSpPr>
+        <p:spPr>
+          <a:xfrm>
+            <a:off x="1953768" y="0"/>
+            <a:ext cx="8284464" cy="6858000"/>
+          </a:xfrm>
+          <a:custGeom>
+            <a:avLst/>
+            <a:gdLst>
+              <a:gd name="connsiteX0" fmla="*/ 1818109 w 8284464"/>
+              <a:gd name="connsiteY0" fmla="*/ 0 h 6858000"/>
+              <a:gd name="connsiteX1" fmla="*/ 6466355 w 8284464"/>
+              <a:gd name="connsiteY1" fmla="*/ 0 h 6858000"/>
+              <a:gd name="connsiteX2" fmla="*/ 6620596 w 8284464"/>
+              <a:gd name="connsiteY2" fmla="*/ 109683 h 6858000"/>
+              <a:gd name="connsiteX3" fmla="*/ 8284464 w 8284464"/>
+              <a:gd name="connsiteY3" fmla="*/ 3429000 h 6858000"/>
+              <a:gd name="connsiteX4" fmla="*/ 6620596 w 8284464"/>
+              <a:gd name="connsiteY4" fmla="*/ 6748318 h 6858000"/>
+              <a:gd name="connsiteX5" fmla="*/ 6466355 w 8284464"/>
+              <a:gd name="connsiteY5" fmla="*/ 6858000 h 6858000"/>
+              <a:gd name="connsiteX6" fmla="*/ 1818109 w 8284464"/>
+              <a:gd name="connsiteY6" fmla="*/ 6858000 h 6858000"/>
+              <a:gd name="connsiteX7" fmla="*/ 1663869 w 8284464"/>
+              <a:gd name="connsiteY7" fmla="*/ 6748318 h 6858000"/>
+              <a:gd name="connsiteX8" fmla="*/ 0 w 8284464"/>
+              <a:gd name="connsiteY8" fmla="*/ 3429000 h 6858000"/>
+              <a:gd name="connsiteX9" fmla="*/ 1663869 w 8284464"/>
+              <a:gd name="connsiteY9" fmla="*/ 109683 h 6858000"/>
+            </a:gdLst>
+            <a:ahLst/>
+            <a:cxnLst>
+              <a:cxn ang="0">
+                <a:pos x="connsiteX0" y="connsiteY0"/>
+              </a:cxn>
+              <a:cxn ang="0">
+                <a:pos x="connsiteX1" y="connsiteY1"/>
+              </a:cxn>
+              <a:cxn ang="0">
+                <a:pos x="connsiteX2" y="connsiteY2"/>
+              </a:cxn>
+              <a:cxn ang="0">
+                <a:pos x="connsiteX3" y="connsiteY3"/>
+              </a:cxn>
+              <a:cxn ang="0">
+                <a:pos x="connsiteX4" y="connsiteY4"/>
+              </a:cxn>
+              <a:cxn ang="0">
+                <a:pos x="connsiteX5" y="connsiteY5"/>
+              </a:cxn>
+              <a:cxn ang="0">
+                <a:pos x="connsiteX6" y="connsiteY6"/>
+              </a:cxn>
+              <a:cxn ang="0">
+                <a:pos x="connsiteX7" y="connsiteY7"/>
+              </a:cxn>
+              <a:cxn ang="0">
+                <a:pos x="connsiteX8" y="connsiteY8"/>
+              </a:cxn>
+              <a:cxn ang="0">
+                <a:pos x="connsiteX9" y="connsiteY9"/>
+              </a:cxn>
+            </a:cxnLst>
+            <a:rect l="l" t="t" r="r" b="b"/>
+            <a:pathLst>
+              <a:path w="8284464" h="6858000">
+                <a:moveTo>
+                  <a:pt x="1818109" y="0"/>
+                </a:moveTo>
+                <a:lnTo>
+                  <a:pt x="6466355" y="0"/>
+                </a:lnTo>
+                <a:lnTo>
+                  <a:pt x="6620596" y="109683"/>
+                </a:lnTo>
+                <a:cubicBezTo>
+                  <a:pt x="7630666" y="865069"/>
+                  <a:pt x="8284464" y="2070683"/>
+                  <a:pt x="8284464" y="3429000"/>
+                </a:cubicBezTo>
+                <a:cubicBezTo>
+                  <a:pt x="8284464" y="4787317"/>
+                  <a:pt x="7630666" y="5992931"/>
+                  <a:pt x="6620596" y="6748318"/>
+                </a:cubicBezTo>
+                <a:lnTo>
+                  <a:pt x="6466355" y="6858000"/>
+                </a:lnTo>
+                <a:lnTo>
+                  <a:pt x="1818109" y="6858000"/>
+                </a:lnTo>
+                <a:lnTo>
+                  <a:pt x="1663869" y="6748318"/>
+                </a:lnTo>
+                <a:cubicBezTo>
+                  <a:pt x="653798" y="5992931"/>
+                  <a:pt x="0" y="4787317"/>
+                  <a:pt x="0" y="3429000"/>
+                </a:cubicBezTo>
+                <a:cubicBezTo>
+                  <a:pt x="0" y="2070683"/>
+                  <a:pt x="653798" y="865069"/>
+                  <a:pt x="1663869" y="109683"/>
+                </a:cubicBezTo>
+                <a:close/>
+              </a:path>
+            </a:pathLst>
+          </a:custGeom>
+          <a:solidFill>
+            <a:srgbClr val="FFFFFF">
+              <a:alpha val="80000"/>
+            </a:srgbClr>
+          </a:solidFill>
+          <a:ln>
+            <a:noFill/>
+          </a:ln>
+        </p:spPr>
+        <p:style>
+          <a:lnRef idx="2">
+            <a:schemeClr val="accent1">
+              <a:shade val="50000"/>
+            </a:schemeClr>
+          </a:lnRef>
+          <a:fillRef idx="1">
+            <a:schemeClr val="accent1"/>
+          </a:fillRef>
+          <a:effectRef idx="0">
+            <a:schemeClr val="accent1"/>
+          </a:effectRef>
+          <a:fontRef idx="minor">
+            <a:schemeClr val="lt1"/>
+          </a:fontRef>
+        </p:style>
+        <p:txBody>
+          <a:bodyPr wrap="square" rtlCol="0" anchor="ctr">
+            <a:noAutofit/>
+          </a:bodyPr>
+          <a:lstStyle/>
+          <a:p>
+            <a:pPr algn="ctr"/>
+            <a:endParaRPr lang="en-US"/>
+          </a:p>
+        </p:txBody>
+      </p:sp>
+      <p:sp>
+        <p:nvSpPr>
+          <p:cNvPr id="9" name="Freeform: Shape 8">
+            <a:extLst>
+              <a:ext uri="{FF2B5EF4-FFF2-40B4-BE49-F238E27FC236}">
+                <a16:creationId xmlns:a16="http://schemas.microsoft.com/office/drawing/2014/main" id="{DF9AD32D-FF05-44F4-BD4D-9CEE89B71EB9}"/>
+              </a:ext>
+              <a:ext uri="{C183D7F6-B498-43B3-948B-1728B52AA6E4}">
+                <adec:decorative xmlns:adec="http://schemas.microsoft.com/office/drawing/2017/decorative" val="1"/>
+              </a:ext>
+            </a:extLst>
+          </p:cNvPr>
+          <p:cNvSpPr>
+            <a:spLocks noGrp="1" noRot="1" noChangeAspect="1" noMove="1" noResize="1" noEditPoints="1" noAdjustHandles="1" noChangeArrowheads="1" noChangeShapeType="1" noTextEdit="1"/>
+          </p:cNvSpPr>
+          <p:nvPr>
+            <p:extLst>
+              <p:ext uri="{386F3935-93C4-4BCD-93E2-E3B085C9AB24}">
+                <p16:designElem xmlns:p16="http://schemas.microsoft.com/office/powerpoint/2015/main" val="1"/>
+              </p:ext>
+            </p:extLst>
+          </p:nvPr>
+        </p:nvSpPr>
+        <p:spPr>
+          <a:xfrm>
+            <a:off x="2118360" y="0"/>
+            <a:ext cx="7955280" cy="6858000"/>
+          </a:xfrm>
+          <a:custGeom>
+            <a:avLst/>
+            <a:gdLst>
+              <a:gd name="connsiteX0" fmla="*/ 1962423 w 7955280"/>
+              <a:gd name="connsiteY0" fmla="*/ 0 h 6858000"/>
+              <a:gd name="connsiteX1" fmla="*/ 5992858 w 7955280"/>
+              <a:gd name="connsiteY1" fmla="*/ 0 h 6858000"/>
+              <a:gd name="connsiteX2" fmla="*/ 6040191 w 7955280"/>
+              <a:gd name="connsiteY2" fmla="*/ 27216 h 6858000"/>
+              <a:gd name="connsiteX3" fmla="*/ 7955280 w 7955280"/>
+              <a:gd name="connsiteY3" fmla="*/ 3429000 h 6858000"/>
+              <a:gd name="connsiteX4" fmla="*/ 6040191 w 7955280"/>
+              <a:gd name="connsiteY4" fmla="*/ 6830784 h 6858000"/>
+              <a:gd name="connsiteX5" fmla="*/ 5992858 w 7955280"/>
+              <a:gd name="connsiteY5" fmla="*/ 6858000 h 6858000"/>
+              <a:gd name="connsiteX6" fmla="*/ 1962423 w 7955280"/>
+              <a:gd name="connsiteY6" fmla="*/ 6858000 h 6858000"/>
+              <a:gd name="connsiteX7" fmla="*/ 1915089 w 7955280"/>
+              <a:gd name="connsiteY7" fmla="*/ 6830784 h 6858000"/>
+              <a:gd name="connsiteX8" fmla="*/ 0 w 7955280"/>
+              <a:gd name="connsiteY8" fmla="*/ 3429000 h 6858000"/>
+              <a:gd name="connsiteX9" fmla="*/ 1915089 w 7955280"/>
+              <a:gd name="connsiteY9" fmla="*/ 27216 h 6858000"/>
+            </a:gdLst>
+            <a:ahLst/>
+            <a:cxnLst>
+              <a:cxn ang="0">
+                <a:pos x="connsiteX0" y="connsiteY0"/>
+              </a:cxn>
+              <a:cxn ang="0">
+                <a:pos x="connsiteX1" y="connsiteY1"/>
+              </a:cxn>
+              <a:cxn ang="0">
+                <a:pos x="connsiteX2" y="connsiteY2"/>
+              </a:cxn>
+              <a:cxn ang="0">
+                <a:pos x="connsiteX3" y="connsiteY3"/>
+              </a:cxn>
+              <a:cxn ang="0">
+                <a:pos x="connsiteX4" y="connsiteY4"/>
+              </a:cxn>
+              <a:cxn ang="0">
+                <a:pos x="connsiteX5" y="connsiteY5"/>
+              </a:cxn>
+              <a:cxn ang="0">
+                <a:pos x="connsiteX6" y="connsiteY6"/>
+              </a:cxn>
+              <a:cxn ang="0">
+                <a:pos x="connsiteX7" y="connsiteY7"/>
+              </a:cxn>
+              <a:cxn ang="0">
+                <a:pos x="connsiteX8" y="connsiteY8"/>
+              </a:cxn>
+              <a:cxn ang="0">
+                <a:pos x="connsiteX9" y="connsiteY9"/>
+              </a:cxn>
+            </a:cxnLst>
+            <a:rect l="l" t="t" r="r" b="b"/>
+            <a:pathLst>
+              <a:path w="7955280" h="6858000">
+                <a:moveTo>
+                  <a:pt x="1962423" y="0"/>
+                </a:moveTo>
+                <a:lnTo>
+                  <a:pt x="5992858" y="0"/>
+                </a:lnTo>
+                <a:lnTo>
+                  <a:pt x="6040191" y="27216"/>
+                </a:lnTo>
+                <a:cubicBezTo>
+                  <a:pt x="7188332" y="724844"/>
+                  <a:pt x="7955280" y="1987357"/>
+                  <a:pt x="7955280" y="3429000"/>
+                </a:cubicBezTo>
+                <a:cubicBezTo>
+                  <a:pt x="7955280" y="4870644"/>
+                  <a:pt x="7188332" y="6133157"/>
+                  <a:pt x="6040191" y="6830784"/>
+                </a:cubicBezTo>
+                <a:lnTo>
+                  <a:pt x="5992858" y="6858000"/>
+                </a:lnTo>
+                <a:lnTo>
+                  <a:pt x="1962423" y="6858000"/>
+                </a:lnTo>
+                <a:lnTo>
+                  <a:pt x="1915089" y="6830784"/>
+                </a:lnTo>
+                <a:cubicBezTo>
+                  <a:pt x="766948" y="6133157"/>
+                  <a:pt x="0" y="4870644"/>
+                  <a:pt x="0" y="3429000"/>
+                </a:cubicBezTo>
+                <a:cubicBezTo>
+                  <a:pt x="0" y="1987357"/>
+                  <a:pt x="766948" y="724844"/>
+                  <a:pt x="1915089" y="27216"/>
+                </a:cubicBezTo>
+                <a:close/>
+              </a:path>
+            </a:pathLst>
+          </a:custGeom>
+          <a:solidFill>
+            <a:schemeClr val="tx1"/>
+          </a:solidFill>
+          <a:ln>
+            <a:noFill/>
+          </a:ln>
+        </p:spPr>
+        <p:style>
+          <a:lnRef idx="2">
+            <a:schemeClr val="accent1">
+              <a:shade val="50000"/>
+            </a:schemeClr>
+          </a:lnRef>
+          <a:fillRef idx="1">
+            <a:schemeClr val="accent1"/>
+          </a:fillRef>
+          <a:effectRef idx="0">
+            <a:schemeClr val="accent1"/>
+          </a:effectRef>
+          <a:fontRef idx="minor">
+            <a:schemeClr val="lt1"/>
+          </a:fontRef>
+        </p:style>
+        <p:txBody>
+          <a:bodyPr wrap="square" rtlCol="0" anchor="ctr">
+            <a:noAutofit/>
+          </a:bodyPr>
+          <a:lstStyle/>
+          <a:p>
+            <a:pPr algn="ctr"/>
+            <a:endParaRPr lang="en-US"/>
+          </a:p>
+        </p:txBody>
+      </p:sp>
+      <p:sp>
+        <p:nvSpPr>
+          <p:cNvPr id="2" name="Title 1">
+            <a:extLst>
+              <a:ext uri="{FF2B5EF4-FFF2-40B4-BE49-F238E27FC236}">
+                <a16:creationId xmlns:a16="http://schemas.microsoft.com/office/drawing/2014/main" id="{81217EBE-27DA-894F-C58D-4254770B94F6}"/>
+              </a:ext>
+            </a:extLst>
+          </p:cNvPr>
+          <p:cNvSpPr>
+            <a:spLocks noGrp="1"/>
+          </p:cNvSpPr>
+          <p:nvPr>
+            <p:ph type="title"/>
+          </p:nvPr>
+        </p:nvSpPr>
+        <p:spPr>
+          <a:xfrm>
+            <a:off x="2555631" y="1441938"/>
+            <a:ext cx="7080738" cy="3974124"/>
+          </a:xfrm>
+        </p:spPr>
+        <p:txBody>
+          <a:bodyPr vert="horz" lIns="91440" tIns="45720" rIns="91440" bIns="45720" rtlCol="0" anchor="ctr">
+            <a:normAutofit/>
+          </a:bodyPr>
+          <a:lstStyle/>
+          <a:p>
+            <a:pPr algn="ctr"/>
+            <a:r>
+              <a:rPr lang="en-US" sz="5400">
+                <a:solidFill>
+                  <a:schemeClr val="bg1">
+                    <a:lumMod val="95000"/>
+                    <a:lumOff val="5000"/>
+                  </a:schemeClr>
+                </a:solidFill>
+                <a:effectLst/>
+                <a:highlight>
+                  <a:srgbClr val="FFFFFF"/>
+                </a:highlight>
+              </a:rPr>
+              <a:t>Generative AI - An Introduction</a:t>
+            </a:r>
+            <a:endParaRPr lang="en-US" sz="5400">
+              <a:solidFill>
+                <a:schemeClr val="bg1">
+                  <a:lumMod val="95000"/>
+                  <a:lumOff val="5000"/>
+                </a:schemeClr>
+              </a:solidFill>
+            </a:endParaRPr>
+          </a:p>
+        </p:txBody>
+      </p:sp>
+    </p:spTree>
+    <p:extLst>
+      <p:ext uri="{BB962C8B-B14F-4D97-AF65-F5344CB8AC3E}">
+        <p14:creationId xmlns:p14="http://schemas.microsoft.com/office/powerpoint/2010/main" val="3924936662"/>
+      </p:ext>
+    </p:extLst>
+  </p:cSld>
+  <p:clrMapOvr>
+    <a:overrideClrMapping bg1="dk1" tx1="lt1" bg2="dk2" tx2="lt2" accent1="accent1" accent2="accent2" accent3="accent3" accent4="accent4" accent5="accent5" accent6="accent6" hlink="hlink" folHlink="folHlink"/>
+  </p:clrMapOvr>
+  <p:timing>
+    <p:tnLst>
+      <p:par>
+        <p:cTn id="1" dur="indefinite" restart="never" nodeType="tmRoot">
+          <p:childTnLst>
+            <p:seq concurrent="1" nextAc="seek">
+              <p:cTn id="2" dur="indefinite" nodeType="mainSeq">
+                <p:childTnLst>
+                  <p:par>
+                    <p:cTn id="3" fill="hold">
+                      <p:stCondLst>
+                        <p:cond delay="indefinite"/>
+                        <p:cond evt="onBegin" delay="0">
+                          <p:tn val="2"/>
+                        </p:cond>
+                      </p:stCondLst>
+                      <p:childTnLst>
+                        <p:par>
+                          <p:cTn id="4" fill="hold">
+                            <p:stCondLst>
+                              <p:cond delay="0"/>
+                            </p:stCondLst>
+                            <p:childTnLst>
+                              <p:par>
+                                <p:cTn id="5" presetID="10" presetClass="entr" presetSubtype="0" fill="hold" grpId="0" nodeType="withEffect">
+                                  <p:stCondLst>
+                                    <p:cond delay="500"/>
+                                  </p:stCondLst>
+                                  <p:iterate type="lt">
+                                    <p:tmPct val="10000"/>
+                                  </p:iterate>
+                                  <p:childTnLst>
+                                    <p:set>
+                                      <p:cBhvr>
+                                        <p:cTn id="6" dur="1" fill="hold">
+                                          <p:stCondLst>
+                                            <p:cond delay="0"/>
+                                          </p:stCondLst>
+                                        </p:cTn>
+                                        <p:tgtEl>
+                                          <p:spTgt spid="2"/>
+                                        </p:tgtEl>
+                                        <p:attrNameLst>
+                                          <p:attrName>style.visibility</p:attrName>
+                                        </p:attrNameLst>
+                                      </p:cBhvr>
+                                      <p:to>
+                                        <p:strVal val="visible"/>
+                                      </p:to>
+                                    </p:set>
+                                    <p:animEffect transition="in" filter="fade">
+                                      <p:cBhvr>
+                                        <p:cTn id="7" dur="400"/>
+                                        <p:tgtEl>
+                                          <p:spTgt spid="2"/>
+                                        </p:tgtEl>
+                                      </p:cBhvr>
+                                    </p:animEffect>
+                                  </p:childTnLst>
+                                </p:cTn>
+                              </p:par>
+                            </p:childTnLst>
+                          </p:cTn>
+                        </p:par>
+                      </p:childTnLst>
+                    </p:cTn>
+                  </p:par>
+                </p:childTnLst>
+              </p:cTn>
+              <p:prevCondLst>
+                <p:cond evt="onPrev" delay="0">
+                  <p:tgtEl>
+                    <p:sldTgt/>
+                  </p:tgtEl>
+                </p:cond>
+              </p:prevCondLst>
+              <p:nextCondLst>
+                <p:cond evt="onNext" delay="0">
+                  <p:tgtEl>
+                    <p:sldTgt/>
+                  </p:tgtEl>
+                </p:cond>
+              </p:nextCondLst>
+            </p:seq>
+          </p:childTnLst>
+        </p:cTn>
+      </p:par>
+    </p:tnLst>
+    <p:bldLst>
+      <p:bldP spid="2" grpId="0"/>
+    </p:bldLst>
+  </p:timing>
+</p:sld>
+</file>
+
+<file path=ppt/slides/slide2.xml><?xml version="1.0" encoding="utf-8"?>
+<p:sld xmlns:a="http://schemas.openxmlformats.org/drawingml/2006/main" xmlns:r="http://schemas.openxmlformats.org/officeDocument/2006/relationships" xmlns:p="http://schemas.openxmlformats.org/presentationml/2006/main">
+  <p:cSld>
+    <p:bg>
+      <p:bgPr>
+        <a:solidFill>
+          <a:schemeClr val="bg1"/>
+        </a:solidFill>
+        <a:effectLst/>
+      </p:bgPr>
+    </p:bg>
+    <p:spTree>
+      <p:nvGrpSpPr>
+        <p:cNvPr id="1" name=""/>
+        <p:cNvGrpSpPr/>
+        <p:nvPr/>
+      </p:nvGrpSpPr>
+      <p:grpSpPr>
+        <a:xfrm>
+          <a:off x="0" y="0"/>
+          <a:ext cx="0" cy="0"/>
+          <a:chOff x="0" y="0"/>
+          <a:chExt cx="0" cy="0"/>
+        </a:xfrm>
+      </p:grpSpPr>
+      <p:sp>
+        <p:nvSpPr>
+          <p:cNvPr id="42" name="Rectangle 41">
+            <a:extLst>
+              <a:ext uri="{FF2B5EF4-FFF2-40B4-BE49-F238E27FC236}">
+                <a16:creationId xmlns:a16="http://schemas.microsoft.com/office/drawing/2014/main" id="{01D0AF59-99C3-4251-AB9A-C966C6AD4400}"/>
+              </a:ext>
+              <a:ext uri="{C183D7F6-B498-43B3-948B-1728B52AA6E4}">
+                <adec:decorative xmlns:adec="http://schemas.microsoft.com/office/drawing/2017/decorative" val="1"/>
+              </a:ext>
+            </a:extLst>
+          </p:cNvPr>
+          <p:cNvSpPr>
+            <a:spLocks noGrp="1" noRot="1" noChangeAspect="1" noMove="1" noResize="1" noEditPoints="1" noAdjustHandles="1" noChangeArrowheads="1" noChangeShapeType="1" noTextEdit="1"/>
+          </p:cNvSpPr>
+          <p:nvPr>
+            <p:extLst>
+              <p:ext uri="{386F3935-93C4-4BCD-93E2-E3B085C9AB24}">
+                <p16:designElem xmlns:p16="http://schemas.microsoft.com/office/powerpoint/2015/main" val="1"/>
+              </p:ext>
+            </p:extLst>
+          </p:nvPr>
+        </p:nvSpPr>
+        <p:spPr>
+          <a:xfrm>
+            <a:off x="0" y="0"/>
+            <a:ext cx="12192000" cy="6858000"/>
+          </a:xfrm>
+          <a:prstGeom prst="rect">
+            <a:avLst/>
+          </a:prstGeom>
+          <a:solidFill>
+            <a:schemeClr val="bg2"/>
+          </a:solidFill>
+          <a:ln>
+            <a:noFill/>
+          </a:ln>
+        </p:spPr>
+        <p:style>
+          <a:lnRef idx="2">
+            <a:schemeClr val="accent1">
+              <a:shade val="50000"/>
+            </a:schemeClr>
+          </a:lnRef>
+          <a:fillRef idx="1">
+            <a:schemeClr val="accent1"/>
+          </a:fillRef>
+          <a:effectRef idx="0">
+            <a:schemeClr val="accent1"/>
+          </a:effectRef>
+          <a:fontRef idx="minor">
+            <a:schemeClr val="lt1"/>
+          </a:fontRef>
+        </p:style>
+        <p:txBody>
+          <a:bodyPr rtlCol="0" anchor="ctr"/>
+          <a:lstStyle/>
+          <a:p>
+            <a:pPr algn="ctr"/>
+            <a:endParaRPr lang="en-US"/>
+          </a:p>
+        </p:txBody>
+      </p:sp>
+      <p:sp>
+        <p:nvSpPr>
+          <p:cNvPr id="44" name="Rectangle 43">
+            <a:extLst>
+              <a:ext uri="{FF2B5EF4-FFF2-40B4-BE49-F238E27FC236}">
+                <a16:creationId xmlns:a16="http://schemas.microsoft.com/office/drawing/2014/main" id="{1855405F-37A2-4869-9154-F8BE3BECE6C3}"/>
+              </a:ext>
+              <a:ext uri="{C183D7F6-B498-43B3-948B-1728B52AA6E4}">
+                <adec:decorative xmlns:adec="http://schemas.microsoft.com/office/drawing/2017/decorative" val="1"/>
+              </a:ext>
+            </a:extLst>
+          </p:cNvPr>
+          <p:cNvSpPr>
+            <a:spLocks noGrp="1" noRot="1" noChangeAspect="1" noMove="1" noResize="1" noEditPoints="1" noAdjustHandles="1" noChangeArrowheads="1" noChangeShapeType="1" noTextEdit="1"/>
+          </p:cNvSpPr>
+          <p:nvPr>
+            <p:extLst>
+              <p:ext uri="{386F3935-93C4-4BCD-93E2-E3B085C9AB24}">
+                <p16:designElem xmlns:p16="http://schemas.microsoft.com/office/powerpoint/2015/main" val="1"/>
+              </p:ext>
+            </p:extLst>
+          </p:nvPr>
+        </p:nvSpPr>
+        <p:spPr>
+          <a:xfrm>
+            <a:off x="477012" y="480060"/>
+            <a:ext cx="11237976" cy="5897880"/>
+          </a:xfrm>
+          <a:prstGeom prst="rect">
+            <a:avLst/>
+          </a:prstGeom>
+          <a:solidFill>
+            <a:srgbClr val="FFFFFF"/>
+          </a:solidFill>
+          <a:ln w="9525">
+            <a:noFill/>
+          </a:ln>
+          <a:effectLst>
+            <a:outerShdw blurRad="63500" dist="17780" dir="5400000" algn="t" rotWithShape="0">
+              <a:prstClr val="black">
+                <a:alpha val="43000"/>
+              </a:prstClr>
+            </a:outerShdw>
+          </a:effectLst>
+        </p:spPr>
+        <p:style>
+          <a:lnRef idx="2">
+            <a:schemeClr val="accent1">
+              <a:shade val="50000"/>
+            </a:schemeClr>
+          </a:lnRef>
+          <a:fillRef idx="1">
+            <a:schemeClr val="accent1"/>
+          </a:fillRef>
+          <a:effectRef idx="0">
+            <a:schemeClr val="accent1"/>
+          </a:effectRef>
+          <a:fontRef idx="minor">
+            <a:schemeClr val="lt1"/>
+          </a:fontRef>
+        </p:style>
+        <p:txBody>
+          <a:bodyPr rtlCol="0" anchor="ctr"/>
+          <a:lstStyle/>
+          <a:p>
+            <a:pPr algn="ctr"/>
+            <a:endParaRPr lang="en-US"/>
+          </a:p>
+        </p:txBody>
+      </p:sp>
+      <p:sp>
+        <p:nvSpPr>
           <p:cNvPr id="4" name="Oval 3">
             <a:extLst>
               <a:ext uri="{FF2B5EF4-FFF2-40B4-BE49-F238E27FC236}">
@@ -3929,8 +4884,8 @@
         </p:nvSpPr>
         <p:spPr>
           <a:xfrm>
-            <a:off x="250841" y="-5299"/>
-            <a:ext cx="5258419" cy="6863299"/>
+            <a:off x="1388679" y="643467"/>
+            <a:ext cx="4268355" cy="5571066"/>
           </a:xfrm>
           <a:prstGeom prst="ellipse">
             <a:avLst/>
@@ -3975,8 +4930,8 @@
         </p:nvSpPr>
         <p:spPr>
           <a:xfrm>
-            <a:off x="561818" y="1032669"/>
-            <a:ext cx="4596735" cy="5677051"/>
+            <a:off x="1641105" y="1486005"/>
+            <a:ext cx="3731254" cy="4608167"/>
           </a:xfrm>
           <a:prstGeom prst="ellipse">
             <a:avLst/>
@@ -4021,8 +4976,8 @@
         </p:nvSpPr>
         <p:spPr>
           <a:xfrm>
-            <a:off x="843965" y="2904718"/>
-            <a:ext cx="3943815" cy="3537564"/>
+            <a:off x="1870129" y="3005581"/>
+            <a:ext cx="3201267" cy="2871506"/>
           </a:xfrm>
           <a:prstGeom prst="ellipse">
             <a:avLst/>
@@ -4067,8 +5022,8 @@
         </p:nvSpPr>
         <p:spPr>
           <a:xfrm>
-            <a:off x="1467131" y="4762679"/>
-            <a:ext cx="2697481" cy="1543842"/>
+            <a:off x="2375964" y="4513722"/>
+            <a:ext cx="2189595" cy="1253165"/>
           </a:xfrm>
           <a:prstGeom prst="ellipse">
             <a:avLst/>
@@ -4118,8 +5073,8 @@
         </p:nvSpPr>
         <p:spPr>
           <a:xfrm>
-            <a:off x="1762499" y="260468"/>
-            <a:ext cx="2797314" cy="369332"/>
+            <a:off x="2615720" y="859195"/>
+            <a:ext cx="2270631" cy="316690"/>
           </a:xfrm>
           <a:prstGeom prst="rect">
             <a:avLst/>
@@ -4132,14 +5087,27 @@
           </a:bodyPr>
           <a:lstStyle/>
           <a:p>
-            <a:r>
-              <a:rPr lang="en-US" b="1" dirty="0">
-                <a:solidFill>
-                  <a:schemeClr val="bg1"/>
-                </a:solidFill>
+            <a:pPr defTabSz="740664">
+              <a:spcAft>
+                <a:spcPts val="600"/>
+              </a:spcAft>
+            </a:pPr>
+            <a:r>
+              <a:rPr lang="en-US" sz="1458" b="1" kern="1200">
+                <a:solidFill>
+                  <a:srgbClr val="555555"/>
+                </a:solidFill>
+                <a:latin typeface="+mn-lt"/>
+                <a:ea typeface="+mn-ea"/>
+                <a:cs typeface="+mn-cs"/>
               </a:rPr>
               <a:t>Artificial Intelligence </a:t>
             </a:r>
+            <a:endParaRPr lang="en-US" b="1">
+              <a:solidFill>
+                <a:schemeClr val="bg1"/>
+              </a:solidFill>
+            </a:endParaRPr>
           </a:p>
         </p:txBody>
       </p:sp>
@@ -4157,8 +5125,8 @@
         </p:nvSpPr>
         <p:spPr>
           <a:xfrm>
-            <a:off x="1762499" y="1904409"/>
-            <a:ext cx="2106743" cy="369332"/>
+            <a:off x="2615720" y="2193612"/>
+            <a:ext cx="1710082" cy="316690"/>
           </a:xfrm>
           <a:prstGeom prst="rect">
             <a:avLst/>
@@ -4171,14 +5139,27 @@
           </a:bodyPr>
           <a:lstStyle/>
           <a:p>
-            <a:r>
-              <a:rPr lang="en-US" b="1" dirty="0">
-                <a:solidFill>
-                  <a:schemeClr val="bg1"/>
-                </a:solidFill>
+            <a:pPr defTabSz="740664">
+              <a:spcAft>
+                <a:spcPts val="600"/>
+              </a:spcAft>
+            </a:pPr>
+            <a:r>
+              <a:rPr lang="en-US" sz="1458" b="1" kern="1200">
+                <a:solidFill>
+                  <a:srgbClr val="555555"/>
+                </a:solidFill>
+                <a:latin typeface="+mn-lt"/>
+                <a:ea typeface="+mn-ea"/>
+                <a:cs typeface="+mn-cs"/>
               </a:rPr>
               <a:t>Machine Learning</a:t>
             </a:r>
+            <a:endParaRPr lang="en-US" b="1">
+              <a:solidFill>
+                <a:schemeClr val="bg1"/>
+              </a:solidFill>
+            </a:endParaRPr>
           </a:p>
         </p:txBody>
       </p:sp>
@@ -4196,8 +5177,8 @@
         </p:nvSpPr>
         <p:spPr>
           <a:xfrm>
-            <a:off x="1947887" y="3501862"/>
-            <a:ext cx="1735970" cy="369332"/>
+            <a:off x="2766202" y="3490294"/>
+            <a:ext cx="1409119" cy="316690"/>
           </a:xfrm>
           <a:prstGeom prst="rect">
             <a:avLst/>
@@ -4221,10 +5202,23 @@
             </a:lvl1pPr>
           </a:lstStyle>
           <a:p>
-            <a:r>
-              <a:rPr lang="en-HK" dirty="0"/>
+            <a:pPr defTabSz="740664">
+              <a:spcAft>
+                <a:spcPts val="600"/>
+              </a:spcAft>
+            </a:pPr>
+            <a:r>
+              <a:rPr lang="en-HK" sz="1458" b="1" kern="1200">
+                <a:solidFill>
+                  <a:srgbClr val="555555"/>
+                </a:solidFill>
+                <a:latin typeface="+mn-lt"/>
+                <a:ea typeface="+mn-ea"/>
+                <a:cs typeface="+mn-cs"/>
+              </a:rPr>
               <a:t>Deep Learning </a:t>
             </a:r>
+            <a:endParaRPr lang="en-HK"/>
           </a:p>
         </p:txBody>
       </p:sp>
@@ -4242,8 +5236,8 @@
         </p:nvSpPr>
         <p:spPr>
           <a:xfrm>
-            <a:off x="2001350" y="5404541"/>
-            <a:ext cx="1597094" cy="369332"/>
+            <a:off x="2809599" y="5034734"/>
+            <a:ext cx="1296391" cy="541046"/>
           </a:xfrm>
           <a:prstGeom prst="rect">
             <a:avLst/>
@@ -4267,10 +5261,23 @@
             </a:lvl1pPr>
           </a:lstStyle>
           <a:p>
-            <a:r>
-              <a:rPr lang="en-HK" dirty="0"/>
+            <a:pPr defTabSz="740664">
+              <a:spcAft>
+                <a:spcPts val="600"/>
+              </a:spcAft>
+            </a:pPr>
+            <a:r>
+              <a:rPr lang="en-HK" sz="1458" b="1" kern="1200">
+                <a:solidFill>
+                  <a:srgbClr val="555555"/>
+                </a:solidFill>
+                <a:latin typeface="+mn-lt"/>
+                <a:ea typeface="+mn-ea"/>
+                <a:cs typeface="+mn-cs"/>
+              </a:rPr>
               <a:t>Generative AI </a:t>
             </a:r>
+            <a:endParaRPr lang="en-HK"/>
           </a:p>
         </p:txBody>
       </p:sp>
@@ -4288,8 +5295,8 @@
         </p:nvSpPr>
         <p:spPr>
           <a:xfrm>
-            <a:off x="5745629" y="497109"/>
-            <a:ext cx="6103620" cy="646331"/>
+            <a:off x="5848899" y="1051281"/>
+            <a:ext cx="4954421" cy="541046"/>
           </a:xfrm>
           <a:prstGeom prst="rect">
             <a:avLst/>
@@ -4313,14 +5320,27 @@
             </a:lvl1pPr>
           </a:lstStyle>
           <a:p>
-            <a:r>
-              <a:rPr lang="en-HK" dirty="0">
+            <a:pPr defTabSz="740664">
+              <a:spcAft>
+                <a:spcPts val="600"/>
+              </a:spcAft>
+            </a:pPr>
+            <a:r>
+              <a:rPr lang="en-HK" sz="1458" b="1" kern="1200">
                 <a:solidFill>
                   <a:schemeClr val="tx1"/>
                 </a:solidFill>
+                <a:latin typeface="+mn-lt"/>
+                <a:ea typeface="+mn-ea"/>
+                <a:cs typeface="+mn-cs"/>
               </a:rPr>
               <a:t>Design and implement computer programs that can reason, learn and act in complex environments. </a:t>
             </a:r>
+            <a:endParaRPr lang="en-HK">
+              <a:solidFill>
+                <a:schemeClr val="tx1"/>
+              </a:solidFill>
+            </a:endParaRPr>
           </a:p>
         </p:txBody>
       </p:sp>
@@ -4338,8 +5358,8 @@
         </p:nvSpPr>
         <p:spPr>
           <a:xfrm>
-            <a:off x="5745629" y="1904409"/>
-            <a:ext cx="6103620" cy="646331"/>
+            <a:off x="5848899" y="2193612"/>
+            <a:ext cx="4954421" cy="541046"/>
           </a:xfrm>
           <a:prstGeom prst="rect">
             <a:avLst/>
@@ -4359,10 +5379,23 @@
             </a:lvl1pPr>
           </a:lstStyle>
           <a:p>
-            <a:r>
-              <a:rPr lang="en-HK" dirty="0"/>
+            <a:pPr defTabSz="740664">
+              <a:spcAft>
+                <a:spcPts val="600"/>
+              </a:spcAft>
+            </a:pPr>
+            <a:r>
+              <a:rPr lang="en-HK" sz="1458" b="1" kern="1200">
+                <a:solidFill>
+                  <a:schemeClr val="tx1"/>
+                </a:solidFill>
+                <a:latin typeface="+mn-lt"/>
+                <a:ea typeface="+mn-ea"/>
+                <a:cs typeface="+mn-cs"/>
+              </a:rPr>
               <a:t>Design of algorithms that enable computer systems to learn from data efficiently. </a:t>
             </a:r>
+            <a:endParaRPr lang="en-HK"/>
           </a:p>
         </p:txBody>
       </p:sp>
@@ -4380,8 +5413,8 @@
         </p:nvSpPr>
         <p:spPr>
           <a:xfrm>
-            <a:off x="5745629" y="3501862"/>
-            <a:ext cx="6103620" cy="646331"/>
+            <a:off x="5848899" y="3490294"/>
+            <a:ext cx="4954421" cy="541046"/>
           </a:xfrm>
           <a:prstGeom prst="rect">
             <a:avLst/>
@@ -4401,10 +5434,23 @@
             </a:lvl1pPr>
           </a:lstStyle>
           <a:p>
-            <a:r>
-              <a:rPr lang="en-HK" dirty="0"/>
+            <a:pPr defTabSz="740664">
+              <a:spcAft>
+                <a:spcPts val="600"/>
+              </a:spcAft>
+            </a:pPr>
+            <a:r>
+              <a:rPr lang="en-HK" sz="1458" b="1" kern="1200">
+                <a:solidFill>
+                  <a:schemeClr val="tx1"/>
+                </a:solidFill>
+                <a:latin typeface="+mn-lt"/>
+                <a:ea typeface="+mn-ea"/>
+                <a:cs typeface="+mn-cs"/>
+              </a:rPr>
               <a:t>A subset of ML that uses neural network algorithms for predictive applications. </a:t>
             </a:r>
+            <a:endParaRPr lang="en-HK"/>
           </a:p>
         </p:txBody>
       </p:sp>
@@ -4422,8 +5468,8 @@
         </p:nvSpPr>
         <p:spPr>
           <a:xfrm>
-            <a:off x="5745629" y="5404541"/>
-            <a:ext cx="6103620" cy="923330"/>
+            <a:off x="5848899" y="5034734"/>
+            <a:ext cx="4954421" cy="765402"/>
           </a:xfrm>
           <a:prstGeom prst="rect">
             <a:avLst/>
@@ -4443,10 +5489,23 @@
             </a:lvl1pPr>
           </a:lstStyle>
           <a:p>
-            <a:r>
-              <a:rPr lang="en-HK" dirty="0"/>
+            <a:pPr defTabSz="740664">
+              <a:spcAft>
+                <a:spcPts val="600"/>
+              </a:spcAft>
+            </a:pPr>
+            <a:r>
+              <a:rPr lang="en-HK" sz="1458" b="1" kern="1200">
+                <a:solidFill>
+                  <a:schemeClr val="tx1"/>
+                </a:solidFill>
+                <a:latin typeface="+mn-lt"/>
+                <a:ea typeface="+mn-ea"/>
+                <a:cs typeface="+mn-cs"/>
+              </a:rPr>
               <a:t>Algorithms that generate original content, such as images, text, voice, or music, by learning patterns from a dataset. </a:t>
             </a:r>
+            <a:endParaRPr lang="en-HK"/>
           </a:p>
         </p:txBody>
       </p:sp>
@@ -4464,8 +5523,8 @@
         </p:nvSpPr>
         <p:spPr>
           <a:xfrm>
-            <a:off x="2090109" y="699723"/>
-            <a:ext cx="1451522" cy="369332"/>
+            <a:off x="2881647" y="1215746"/>
+            <a:ext cx="1178227" cy="316690"/>
           </a:xfrm>
           <a:prstGeom prst="rect">
             <a:avLst/>
@@ -4489,10 +5548,23 @@
             </a:lvl1pPr>
           </a:lstStyle>
           <a:p>
-            <a:r>
-              <a:rPr lang="en-HK" dirty="0"/>
+            <a:pPr defTabSz="740664">
+              <a:spcAft>
+                <a:spcPts val="600"/>
+              </a:spcAft>
+            </a:pPr>
+            <a:r>
+              <a:rPr lang="en-HK" sz="1458" b="1" kern="1200">
+                <a:solidFill>
+                  <a:srgbClr val="555555"/>
+                </a:solidFill>
+                <a:latin typeface="+mn-lt"/>
+                <a:ea typeface="+mn-ea"/>
+                <a:cs typeface="+mn-cs"/>
+              </a:rPr>
               <a:t>Superset of </a:t>
             </a:r>
+            <a:endParaRPr lang="en-HK"/>
           </a:p>
         </p:txBody>
       </p:sp>
@@ -4513,8 +5585,8 @@
         </p:nvCxnSpPr>
         <p:spPr>
           <a:xfrm>
-            <a:off x="2815870" y="962746"/>
-            <a:ext cx="1" cy="941663"/>
+            <a:off x="3470760" y="1429247"/>
+            <a:ext cx="1" cy="764365"/>
           </a:xfrm>
           <a:prstGeom prst="straightConnector1">
             <a:avLst/>
@@ -4562,8 +5634,8 @@
         </p:nvCxnSpPr>
         <p:spPr>
           <a:xfrm>
-            <a:off x="2815871" y="2273741"/>
-            <a:ext cx="1" cy="1228121"/>
+            <a:off x="3470761" y="2493406"/>
+            <a:ext cx="1" cy="996888"/>
           </a:xfrm>
           <a:prstGeom prst="straightConnector1">
             <a:avLst/>
@@ -4611,8 +5683,8 @@
         </p:nvCxnSpPr>
         <p:spPr>
           <a:xfrm flipH="1">
-            <a:off x="2799897" y="3871194"/>
-            <a:ext cx="15975" cy="1533347"/>
+            <a:off x="3457795" y="3790088"/>
+            <a:ext cx="12967" cy="1244646"/>
           </a:xfrm>
           <a:prstGeom prst="straightConnector1">
             <a:avLst/>
@@ -4655,7 +5727,5363 @@
 </p:sld>
 </file>
 
-<file path=ppt/slides/slide2.xml><?xml version="1.0" encoding="utf-8"?>
+<file path=ppt/slides/slide3.xml><?xml version="1.0" encoding="utf-8"?>
+<p:sld xmlns:a="http://schemas.openxmlformats.org/drawingml/2006/main" xmlns:r="http://schemas.openxmlformats.org/officeDocument/2006/relationships" xmlns:p="http://schemas.openxmlformats.org/presentationml/2006/main">
+  <p:cSld>
+    <p:bg>
+      <p:bgPr>
+        <a:solidFill>
+          <a:schemeClr val="bg1"/>
+        </a:solidFill>
+        <a:effectLst/>
+      </p:bgPr>
+    </p:bg>
+    <p:spTree>
+      <p:nvGrpSpPr>
+        <p:cNvPr id="1" name=""/>
+        <p:cNvGrpSpPr/>
+        <p:nvPr/>
+      </p:nvGrpSpPr>
+      <p:grpSpPr>
+        <a:xfrm>
+          <a:off x="0" y="0"/>
+          <a:ext cx="0" cy="0"/>
+          <a:chOff x="0" y="0"/>
+          <a:chExt cx="0" cy="0"/>
+        </a:xfrm>
+      </p:grpSpPr>
+      <p:sp useBgFill="1">
+        <p:nvSpPr>
+          <p:cNvPr id="21" name="Rectangle 20">
+            <a:extLst>
+              <a:ext uri="{FF2B5EF4-FFF2-40B4-BE49-F238E27FC236}">
+                <a16:creationId xmlns:a16="http://schemas.microsoft.com/office/drawing/2014/main" id="{AA474011-A49D-4C7A-BF41-0ACD0A2693B3}"/>
+              </a:ext>
+              <a:ext uri="{C183D7F6-B498-43B3-948B-1728B52AA6E4}">
+                <adec:decorative xmlns:adec="http://schemas.microsoft.com/office/drawing/2017/decorative" val="1"/>
+              </a:ext>
+            </a:extLst>
+          </p:cNvPr>
+          <p:cNvSpPr>
+            <a:spLocks noGrp="1" noRot="1" noChangeAspect="1" noMove="1" noResize="1" noEditPoints="1" noAdjustHandles="1" noChangeArrowheads="1" noChangeShapeType="1" noTextEdit="1"/>
+          </p:cNvSpPr>
+          <p:nvPr>
+            <p:extLst>
+              <p:ext uri="{386F3935-93C4-4BCD-93E2-E3B085C9AB24}">
+                <p16:designElem xmlns:p16="http://schemas.microsoft.com/office/powerpoint/2015/main" val="1"/>
+              </p:ext>
+            </p:extLst>
+          </p:nvPr>
+        </p:nvSpPr>
+        <p:spPr>
+          <a:xfrm>
+            <a:off x="0" y="0"/>
+            <a:ext cx="12192000" cy="6858000"/>
+          </a:xfrm>
+          <a:prstGeom prst="rect">
+            <a:avLst/>
+          </a:prstGeom>
+          <a:ln>
+            <a:noFill/>
+          </a:ln>
+        </p:spPr>
+        <p:style>
+          <a:lnRef idx="2">
+            <a:schemeClr val="accent1">
+              <a:shade val="50000"/>
+            </a:schemeClr>
+          </a:lnRef>
+          <a:fillRef idx="1">
+            <a:schemeClr val="accent1"/>
+          </a:fillRef>
+          <a:effectRef idx="0">
+            <a:schemeClr val="accent1"/>
+          </a:effectRef>
+          <a:fontRef idx="minor">
+            <a:schemeClr val="lt1"/>
+          </a:fontRef>
+        </p:style>
+        <p:txBody>
+          <a:bodyPr rtlCol="0" anchor="ctr"/>
+          <a:lstStyle/>
+          <a:p>
+            <a:pPr algn="ctr"/>
+            <a:endParaRPr lang="en-US"/>
+          </a:p>
+        </p:txBody>
+      </p:sp>
+      <p:sp useBgFill="1">
+        <p:nvSpPr>
+          <p:cNvPr id="23" name="Rectangle 22">
+            <a:extLst>
+              <a:ext uri="{FF2B5EF4-FFF2-40B4-BE49-F238E27FC236}">
+                <a16:creationId xmlns:a16="http://schemas.microsoft.com/office/drawing/2014/main" id="{6D72081E-AD41-4FBB-B02B-698A68DBCA5E}"/>
+              </a:ext>
+              <a:ext uri="{C183D7F6-B498-43B3-948B-1728B52AA6E4}">
+                <adec:decorative xmlns:adec="http://schemas.microsoft.com/office/drawing/2017/decorative" val="1"/>
+              </a:ext>
+            </a:extLst>
+          </p:cNvPr>
+          <p:cNvSpPr>
+            <a:spLocks noGrp="1" noRot="1" noChangeAspect="1" noMove="1" noResize="1" noEditPoints="1" noAdjustHandles="1" noChangeArrowheads="1" noChangeShapeType="1" noTextEdit="1"/>
+          </p:cNvSpPr>
+          <p:nvPr>
+            <p:extLst>
+              <p:ext uri="{386F3935-93C4-4BCD-93E2-E3B085C9AB24}">
+                <p16:designElem xmlns:p16="http://schemas.microsoft.com/office/powerpoint/2015/main" val="1"/>
+              </p:ext>
+            </p:extLst>
+          </p:nvPr>
+        </p:nvSpPr>
+        <p:spPr>
+          <a:xfrm>
+            <a:off x="554416" y="4218905"/>
+            <a:ext cx="11167447" cy="2089317"/>
+          </a:xfrm>
+          <a:prstGeom prst="rect">
+            <a:avLst/>
+          </a:prstGeom>
+          <a:ln w="12700">
+            <a:solidFill>
+              <a:srgbClr val="DEDEDE"/>
+            </a:solidFill>
+          </a:ln>
+          <a:effectLst>
+            <a:outerShdw blurRad="50800" dist="38100" dir="2700000" algn="tl" rotWithShape="0">
+              <a:schemeClr val="bg2">
+                <a:lumMod val="85000"/>
+                <a:alpha val="50000"/>
+              </a:schemeClr>
+            </a:outerShdw>
+          </a:effectLst>
+        </p:spPr>
+        <p:style>
+          <a:lnRef idx="2">
+            <a:schemeClr val="accent1">
+              <a:shade val="50000"/>
+            </a:schemeClr>
+          </a:lnRef>
+          <a:fillRef idx="1">
+            <a:schemeClr val="accent1"/>
+          </a:fillRef>
+          <a:effectRef idx="0">
+            <a:schemeClr val="accent1"/>
+          </a:effectRef>
+          <a:fontRef idx="minor">
+            <a:schemeClr val="lt1"/>
+          </a:fontRef>
+        </p:style>
+        <p:txBody>
+          <a:bodyPr rtlCol="0" anchor="ctr"/>
+          <a:lstStyle/>
+          <a:p>
+            <a:pPr marL="0" marR="0" lvl="0" indent="0" algn="ctr" defTabSz="914400" rtl="0" eaLnBrk="1" fontAlgn="auto" latinLnBrk="0" hangingPunct="1">
+              <a:lnSpc>
+                <a:spcPct val="100000"/>
+              </a:lnSpc>
+              <a:spcBef>
+                <a:spcPts val="0"/>
+              </a:spcBef>
+              <a:spcAft>
+                <a:spcPts val="0"/>
+              </a:spcAft>
+              <a:buClrTx/>
+              <a:buSzTx/>
+              <a:buFontTx/>
+              <a:buNone/>
+              <a:tabLst/>
+              <a:defRPr/>
+            </a:pPr>
+            <a:endParaRPr kumimoji="0" lang="en-US" sz="1800" b="0" i="0" u="none" strike="noStrike" kern="1200" cap="none" spc="0" normalizeH="0" baseline="0" noProof="0">
+              <a:ln>
+                <a:noFill/>
+              </a:ln>
+              <a:solidFill>
+                <a:prstClr val="white"/>
+              </a:solidFill>
+              <a:effectLst/>
+              <a:uLnTx/>
+              <a:uFillTx/>
+              <a:latin typeface="Calibri" panose="020F0502020204030204"/>
+              <a:ea typeface="+mn-ea"/>
+              <a:cs typeface="+mn-cs"/>
+            </a:endParaRPr>
+          </a:p>
+        </p:txBody>
+      </p:sp>
+      <p:sp>
+        <p:nvSpPr>
+          <p:cNvPr id="4" name="Rounded Rectangle 3">
+            <a:extLst>
+              <a:ext uri="{FF2B5EF4-FFF2-40B4-BE49-F238E27FC236}">
+                <a16:creationId xmlns:a16="http://schemas.microsoft.com/office/drawing/2014/main" id="{41D4D471-7F5E-B873-A2F7-0E83E9616952}"/>
+              </a:ext>
+            </a:extLst>
+          </p:cNvPr>
+          <p:cNvSpPr/>
+          <p:nvPr/>
+        </p:nvSpPr>
+        <p:spPr>
+          <a:xfrm>
+            <a:off x="1051560" y="4444332"/>
+            <a:ext cx="3558466" cy="1645920"/>
+          </a:xfrm>
+          <a:prstGeom prst="roundRect">
+            <a:avLst/>
+          </a:prstGeom>
+        </p:spPr>
+        <p:txBody>
+          <a:bodyPr vert="horz" lIns="91440" tIns="45720" rIns="91440" bIns="45720" rtlCol="0" anchor="ctr">
+            <a:normAutofit/>
+          </a:bodyPr>
+          <a:lstStyle/>
+          <a:p>
+            <a:pPr>
+              <a:lnSpc>
+                <a:spcPct val="90000"/>
+              </a:lnSpc>
+              <a:spcBef>
+                <a:spcPct val="0"/>
+              </a:spcBef>
+              <a:spcAft>
+                <a:spcPts val="600"/>
+              </a:spcAft>
+            </a:pPr>
+            <a:r>
+              <a:rPr lang="en-US" sz="3200" kern="1200">
+                <a:solidFill>
+                  <a:schemeClr val="tx1"/>
+                </a:solidFill>
+                <a:highlight>
+                  <a:srgbClr val="FFFFFF"/>
+                </a:highlight>
+                <a:latin typeface="+mj-lt"/>
+                <a:ea typeface="+mj-ea"/>
+                <a:cs typeface="+mj-cs"/>
+              </a:rPr>
+              <a:t>Generative AI</a:t>
+            </a:r>
+          </a:p>
+        </p:txBody>
+      </p:sp>
+      <p:sp>
+        <p:nvSpPr>
+          <p:cNvPr id="25" name="Rectangle 24">
+            <a:extLst>
+              <a:ext uri="{FF2B5EF4-FFF2-40B4-BE49-F238E27FC236}">
+                <a16:creationId xmlns:a16="http://schemas.microsoft.com/office/drawing/2014/main" id="{716248AD-805F-41BF-9B57-FC53E5B32F98}"/>
+              </a:ext>
+              <a:ext uri="{C183D7F6-B498-43B3-948B-1728B52AA6E4}">
+                <adec:decorative xmlns:adec="http://schemas.microsoft.com/office/drawing/2017/decorative" val="1"/>
+              </a:ext>
+            </a:extLst>
+          </p:cNvPr>
+          <p:cNvSpPr>
+            <a:spLocks noGrp="1" noRot="1" noChangeAspect="1" noMove="1" noResize="1" noEditPoints="1" noAdjustHandles="1" noChangeArrowheads="1" noChangeShapeType="1" noTextEdit="1"/>
+          </p:cNvSpPr>
+          <p:nvPr>
+            <p:extLst>
+              <p:ext uri="{386F3935-93C4-4BCD-93E2-E3B085C9AB24}">
+                <p16:designElem xmlns:p16="http://schemas.microsoft.com/office/powerpoint/2015/main" val="1"/>
+              </p:ext>
+            </p:extLst>
+          </p:nvPr>
+        </p:nvSpPr>
+        <p:spPr>
+          <a:xfrm>
+            <a:off x="490408" y="4911518"/>
+            <a:ext cx="128016" cy="704088"/>
+          </a:xfrm>
+          <a:prstGeom prst="rect">
+            <a:avLst/>
+          </a:prstGeom>
+          <a:solidFill>
+            <a:schemeClr val="accent2"/>
+          </a:solidFill>
+          <a:ln>
+            <a:noFill/>
+          </a:ln>
+        </p:spPr>
+        <p:style>
+          <a:lnRef idx="2">
+            <a:schemeClr val="accent1">
+              <a:shade val="50000"/>
+            </a:schemeClr>
+          </a:lnRef>
+          <a:fillRef idx="1">
+            <a:schemeClr val="accent1"/>
+          </a:fillRef>
+          <a:effectRef idx="0">
+            <a:schemeClr val="accent1"/>
+          </a:effectRef>
+          <a:fontRef idx="minor">
+            <a:schemeClr val="lt1"/>
+          </a:fontRef>
+        </p:style>
+        <p:txBody>
+          <a:bodyPr rtlCol="0" anchor="ctr"/>
+          <a:lstStyle/>
+          <a:p>
+            <a:pPr algn="ctr"/>
+            <a:endParaRPr lang="en-US" dirty="0">
+              <a:solidFill>
+                <a:prstClr val="white"/>
+              </a:solidFill>
+              <a:latin typeface="Calibri" panose="020F0502020204030204"/>
+            </a:endParaRPr>
+          </a:p>
+        </p:txBody>
+      </p:sp>
+      <p:sp>
+        <p:nvSpPr>
+          <p:cNvPr id="27" name="Rectangle 26">
+            <a:extLst>
+              <a:ext uri="{FF2B5EF4-FFF2-40B4-BE49-F238E27FC236}">
+                <a16:creationId xmlns:a16="http://schemas.microsoft.com/office/drawing/2014/main" id="{1F82758F-B2B3-4F0A-BB90-4BFFEDD166D6}"/>
+              </a:ext>
+              <a:ext uri="{C183D7F6-B498-43B3-948B-1728B52AA6E4}">
+                <adec:decorative xmlns:adec="http://schemas.microsoft.com/office/drawing/2017/decorative" val="1"/>
+              </a:ext>
+            </a:extLst>
+          </p:cNvPr>
+          <p:cNvSpPr>
+            <a:spLocks noGrp="1" noRot="1" noChangeAspect="1" noMove="1" noResize="1" noEditPoints="1" noAdjustHandles="1" noChangeArrowheads="1" noChangeShapeType="1" noTextEdit="1"/>
+          </p:cNvSpPr>
+          <p:nvPr>
+            <p:extLst>
+              <p:ext uri="{386F3935-93C4-4BCD-93E2-E3B085C9AB24}">
+                <p16:designElem xmlns:p16="http://schemas.microsoft.com/office/powerpoint/2015/main" val="1"/>
+              </p:ext>
+            </p:extLst>
+          </p:nvPr>
+        </p:nvSpPr>
+        <p:spPr>
+          <a:xfrm rot="5400000">
+            <a:off x="4243541" y="5254418"/>
+            <a:ext cx="1463040" cy="18288"/>
+          </a:xfrm>
+          <a:prstGeom prst="rect">
+            <a:avLst/>
+          </a:prstGeom>
+          <a:solidFill>
+            <a:srgbClr val="D5D5D5"/>
+          </a:solidFill>
+          <a:ln w="3175">
+            <a:noFill/>
+          </a:ln>
+          <a:effectLst/>
+        </p:spPr>
+        <p:style>
+          <a:lnRef idx="2">
+            <a:schemeClr val="accent1">
+              <a:shade val="50000"/>
+            </a:schemeClr>
+          </a:lnRef>
+          <a:fillRef idx="1">
+            <a:schemeClr val="accent1"/>
+          </a:fillRef>
+          <a:effectRef idx="0">
+            <a:schemeClr val="accent1"/>
+          </a:effectRef>
+          <a:fontRef idx="minor">
+            <a:schemeClr val="lt1"/>
+          </a:fontRef>
+        </p:style>
+        <p:txBody>
+          <a:bodyPr rtlCol="0" anchor="ctr"/>
+          <a:lstStyle/>
+          <a:p>
+            <a:pPr algn="ctr"/>
+            <a:endParaRPr lang="en-US">
+              <a:solidFill>
+                <a:prstClr val="white"/>
+              </a:solidFill>
+              <a:latin typeface="Calibri" panose="020F0502020204030204"/>
+            </a:endParaRPr>
+          </a:p>
+        </p:txBody>
+      </p:sp>
+      <p:sp>
+        <p:nvSpPr>
+          <p:cNvPr id="7" name="Rounded Rectangle 6">
+            <a:extLst>
+              <a:ext uri="{FF2B5EF4-FFF2-40B4-BE49-F238E27FC236}">
+                <a16:creationId xmlns:a16="http://schemas.microsoft.com/office/drawing/2014/main" id="{0853A395-F7F3-49F1-13FF-070DF65E9015}"/>
+              </a:ext>
+            </a:extLst>
+          </p:cNvPr>
+          <p:cNvSpPr/>
+          <p:nvPr/>
+        </p:nvSpPr>
+        <p:spPr>
+          <a:xfrm>
+            <a:off x="1974832" y="374904"/>
+            <a:ext cx="4072798" cy="3609664"/>
+          </a:xfrm>
+          <a:prstGeom prst="roundRect">
+            <a:avLst/>
+          </a:prstGeom>
+          <a:solidFill>
+            <a:schemeClr val="tx2">
+              <a:lumMod val="75000"/>
+              <a:lumOff val="25000"/>
+            </a:schemeClr>
+          </a:solidFill>
+        </p:spPr>
+        <p:style>
+          <a:lnRef idx="2">
+            <a:schemeClr val="accent1">
+              <a:shade val="15000"/>
+            </a:schemeClr>
+          </a:lnRef>
+          <a:fillRef idx="1">
+            <a:schemeClr val="accent1"/>
+          </a:fillRef>
+          <a:effectRef idx="0">
+            <a:schemeClr val="accent1"/>
+          </a:effectRef>
+          <a:fontRef idx="minor">
+            <a:schemeClr val="lt1"/>
+          </a:fontRef>
+        </p:style>
+        <p:txBody>
+          <a:bodyPr rtlCol="0" anchor="ctr"/>
+          <a:lstStyle/>
+          <a:p>
+            <a:pPr algn="ctr"/>
+            <a:endParaRPr lang="en-HK" dirty="0"/>
+          </a:p>
+        </p:txBody>
+      </p:sp>
+      <p:sp>
+        <p:nvSpPr>
+          <p:cNvPr id="8" name="Rounded Rectangle 7">
+            <a:extLst>
+              <a:ext uri="{FF2B5EF4-FFF2-40B4-BE49-F238E27FC236}">
+                <a16:creationId xmlns:a16="http://schemas.microsoft.com/office/drawing/2014/main" id="{78929B06-8189-F715-7DD0-348B90F5174A}"/>
+              </a:ext>
+            </a:extLst>
+          </p:cNvPr>
+          <p:cNvSpPr/>
+          <p:nvPr/>
+        </p:nvSpPr>
+        <p:spPr>
+          <a:xfrm>
+            <a:off x="6076981" y="374905"/>
+            <a:ext cx="4228579" cy="3609663"/>
+          </a:xfrm>
+          <a:prstGeom prst="roundRect">
+            <a:avLst/>
+          </a:prstGeom>
+          <a:solidFill>
+            <a:schemeClr val="accent5">
+              <a:lumMod val="75000"/>
+            </a:schemeClr>
+          </a:solidFill>
+        </p:spPr>
+        <p:style>
+          <a:lnRef idx="2">
+            <a:schemeClr val="accent1">
+              <a:shade val="15000"/>
+            </a:schemeClr>
+          </a:lnRef>
+          <a:fillRef idx="1">
+            <a:schemeClr val="accent1"/>
+          </a:fillRef>
+          <a:effectRef idx="0">
+            <a:schemeClr val="accent1"/>
+          </a:effectRef>
+          <a:fontRef idx="minor">
+            <a:schemeClr val="lt1"/>
+          </a:fontRef>
+        </p:style>
+        <p:txBody>
+          <a:bodyPr rtlCol="0" anchor="ctr"/>
+          <a:lstStyle/>
+          <a:p>
+            <a:pPr algn="ctr"/>
+            <a:endParaRPr lang="en-HK" dirty="0"/>
+          </a:p>
+        </p:txBody>
+      </p:sp>
+      <p:sp>
+        <p:nvSpPr>
+          <p:cNvPr id="10" name="TextBox 9">
+            <a:extLst>
+              <a:ext uri="{FF2B5EF4-FFF2-40B4-BE49-F238E27FC236}">
+                <a16:creationId xmlns:a16="http://schemas.microsoft.com/office/drawing/2014/main" id="{16CED592-3399-299C-05FD-7FD4CE967247}"/>
+              </a:ext>
+            </a:extLst>
+          </p:cNvPr>
+          <p:cNvSpPr txBox="1"/>
+          <p:nvPr/>
+        </p:nvSpPr>
+        <p:spPr>
+          <a:xfrm>
+            <a:off x="2266068" y="1252973"/>
+            <a:ext cx="3490327" cy="2556110"/>
+          </a:xfrm>
+          <a:prstGeom prst="rect">
+            <a:avLst/>
+          </a:prstGeom>
+          <a:noFill/>
+        </p:spPr>
+        <p:txBody>
+          <a:bodyPr wrap="square">
+            <a:spAutoFit/>
+          </a:bodyPr>
+          <a:lstStyle/>
+          <a:p>
+            <a:pPr algn="just" defTabSz="658368">
+              <a:spcAft>
+                <a:spcPts val="600"/>
+              </a:spcAft>
+            </a:pPr>
+            <a:r>
+              <a:rPr lang="en-HK" sz="2016" kern="1200">
+                <a:solidFill>
+                  <a:srgbClr val="7C7C7C"/>
+                </a:solidFill>
+                <a:highlight>
+                  <a:srgbClr val="FFFFFF"/>
+                </a:highlight>
+                <a:latin typeface="69"/>
+                <a:ea typeface="+mn-ea"/>
+                <a:cs typeface="+mn-cs"/>
+              </a:rPr>
+              <a:t>LLMs are trained using language modelling, which involves predicting the next word in a sentence. They have excellent reasoning capabilities and can be used for several natural language tasks (e.g., summarisation). </a:t>
+            </a:r>
+            <a:endParaRPr lang="en-HK" sz="2800">
+              <a:effectLst/>
+              <a:highlight>
+                <a:srgbClr val="FFFFFF"/>
+              </a:highlight>
+            </a:endParaRPr>
+          </a:p>
+        </p:txBody>
+      </p:sp>
+      <p:sp>
+        <p:nvSpPr>
+          <p:cNvPr id="12" name="TextBox 11">
+            <a:extLst>
+              <a:ext uri="{FF2B5EF4-FFF2-40B4-BE49-F238E27FC236}">
+                <a16:creationId xmlns:a16="http://schemas.microsoft.com/office/drawing/2014/main" id="{D82C8324-4AFE-B15E-FDA0-C5A13E2CD3BC}"/>
+              </a:ext>
+            </a:extLst>
+          </p:cNvPr>
+          <p:cNvSpPr txBox="1"/>
+          <p:nvPr/>
+        </p:nvSpPr>
+        <p:spPr>
+          <a:xfrm>
+            <a:off x="6354672" y="1252973"/>
+            <a:ext cx="3673196" cy="2244932"/>
+          </a:xfrm>
+          <a:prstGeom prst="rect">
+            <a:avLst/>
+          </a:prstGeom>
+          <a:noFill/>
+        </p:spPr>
+        <p:txBody>
+          <a:bodyPr wrap="square">
+            <a:spAutoFit/>
+          </a:bodyPr>
+          <a:lstStyle>
+            <a:defPPr>
+              <a:defRPr lang="en-US"/>
+            </a:defPPr>
+            <a:lvl1pPr algn="just">
+              <a:defRPr sz="2800">
+                <a:solidFill>
+                  <a:srgbClr val="7C7C7C"/>
+                </a:solidFill>
+                <a:effectLst/>
+                <a:highlight>
+                  <a:srgbClr val="FFFFFF"/>
+                </a:highlight>
+                <a:latin typeface="69"/>
+              </a:defRPr>
+            </a:lvl1pPr>
+          </a:lstStyle>
+          <a:p>
+            <a:pPr defTabSz="658368">
+              <a:spcAft>
+                <a:spcPts val="600"/>
+              </a:spcAft>
+            </a:pPr>
+            <a:r>
+              <a:rPr lang="en-HK" sz="2016" kern="1200">
+                <a:solidFill>
+                  <a:srgbClr val="7C7C7C"/>
+                </a:solidFill>
+                <a:effectLst/>
+                <a:highlight>
+                  <a:srgbClr val="FFFFFF"/>
+                </a:highlight>
+                <a:latin typeface="69"/>
+                <a:ea typeface="+mn-ea"/>
+                <a:cs typeface="+mn-cs"/>
+              </a:rPr>
+              <a:t>Trained using a mixture of images, video and text. LMMs demonstrate a nuanced understanding of multimodal inputs and can be used for several mixed-input tasks (e.g., video summarization) </a:t>
+            </a:r>
+            <a:endParaRPr lang="en-HK"/>
+          </a:p>
+        </p:txBody>
+      </p:sp>
+      <p:sp>
+        <p:nvSpPr>
+          <p:cNvPr id="14" name="TextBox 13">
+            <a:extLst>
+              <a:ext uri="{FF2B5EF4-FFF2-40B4-BE49-F238E27FC236}">
+                <a16:creationId xmlns:a16="http://schemas.microsoft.com/office/drawing/2014/main" id="{C557E871-E2B5-F35B-FC7F-0F4F27A3E489}"/>
+              </a:ext>
+            </a:extLst>
+          </p:cNvPr>
+          <p:cNvSpPr txBox="1"/>
+          <p:nvPr/>
+        </p:nvSpPr>
+        <p:spPr>
+          <a:xfrm>
+            <a:off x="6507065" y="454811"/>
+            <a:ext cx="3363602" cy="712759"/>
+          </a:xfrm>
+          <a:prstGeom prst="rect">
+            <a:avLst/>
+          </a:prstGeom>
+          <a:noFill/>
+        </p:spPr>
+        <p:txBody>
+          <a:bodyPr wrap="square">
+            <a:spAutoFit/>
+          </a:bodyPr>
+          <a:lstStyle/>
+          <a:p>
+            <a:pPr algn="ctr" defTabSz="658368">
+              <a:spcAft>
+                <a:spcPts val="600"/>
+              </a:spcAft>
+            </a:pPr>
+            <a:r>
+              <a:rPr lang="en-HK" sz="2016" kern="1200">
+                <a:solidFill>
+                  <a:schemeClr val="bg1"/>
+                </a:solidFill>
+                <a:latin typeface="+mn-lt"/>
+                <a:ea typeface="+mn-ea"/>
+                <a:cs typeface="+mn-cs"/>
+              </a:rPr>
+              <a:t>Large Multimodal Models (LMMs) </a:t>
+            </a:r>
+            <a:endParaRPr lang="en-HK" sz="2800">
+              <a:solidFill>
+                <a:schemeClr val="bg1"/>
+              </a:solidFill>
+            </a:endParaRPr>
+          </a:p>
+        </p:txBody>
+      </p:sp>
+      <p:sp>
+        <p:nvSpPr>
+          <p:cNvPr id="16" name="TextBox 15">
+            <a:extLst>
+              <a:ext uri="{FF2B5EF4-FFF2-40B4-BE49-F238E27FC236}">
+                <a16:creationId xmlns:a16="http://schemas.microsoft.com/office/drawing/2014/main" id="{EF8F66FD-23D2-BD51-AA5B-4395D1401937}"/>
+              </a:ext>
+            </a:extLst>
+          </p:cNvPr>
+          <p:cNvSpPr txBox="1"/>
+          <p:nvPr/>
+        </p:nvSpPr>
+        <p:spPr>
+          <a:xfrm>
+            <a:off x="2273414" y="445497"/>
+            <a:ext cx="3140956" cy="712759"/>
+          </a:xfrm>
+          <a:prstGeom prst="rect">
+            <a:avLst/>
+          </a:prstGeom>
+          <a:noFill/>
+        </p:spPr>
+        <p:txBody>
+          <a:bodyPr wrap="square">
+            <a:spAutoFit/>
+          </a:bodyPr>
+          <a:lstStyle/>
+          <a:p>
+            <a:pPr algn="ctr" defTabSz="658368">
+              <a:spcAft>
+                <a:spcPts val="600"/>
+              </a:spcAft>
+            </a:pPr>
+            <a:r>
+              <a:rPr lang="en-HK" sz="2016" kern="1200">
+                <a:solidFill>
+                  <a:schemeClr val="bg1"/>
+                </a:solidFill>
+                <a:latin typeface="+mn-lt"/>
+                <a:ea typeface="+mn-ea"/>
+                <a:cs typeface="+mn-cs"/>
+              </a:rPr>
+              <a:t>Large Language Models (LLMs) </a:t>
+            </a:r>
+            <a:endParaRPr lang="en-HK" sz="2800">
+              <a:solidFill>
+                <a:schemeClr val="bg1"/>
+              </a:solidFill>
+            </a:endParaRPr>
+          </a:p>
+        </p:txBody>
+      </p:sp>
+    </p:spTree>
+    <p:extLst>
+      <p:ext uri="{BB962C8B-B14F-4D97-AF65-F5344CB8AC3E}">
+        <p14:creationId xmlns:p14="http://schemas.microsoft.com/office/powerpoint/2010/main" val="1032827648"/>
+      </p:ext>
+    </p:extLst>
+  </p:cSld>
+  <p:clrMapOvr>
+    <a:masterClrMapping/>
+  </p:clrMapOvr>
+</p:sld>
+</file>
+
+<file path=ppt/slides/slide4.xml><?xml version="1.0" encoding="utf-8"?>
+<p:sld xmlns:a="http://schemas.openxmlformats.org/drawingml/2006/main" xmlns:r="http://schemas.openxmlformats.org/officeDocument/2006/relationships" xmlns:p="http://schemas.openxmlformats.org/presentationml/2006/main">
+  <p:cSld>
+    <p:bg>
+      <p:bgPr>
+        <a:solidFill>
+          <a:schemeClr val="bg1"/>
+        </a:solidFill>
+        <a:effectLst/>
+      </p:bgPr>
+    </p:bg>
+    <p:spTree>
+      <p:nvGrpSpPr>
+        <p:cNvPr id="1" name=""/>
+        <p:cNvGrpSpPr/>
+        <p:nvPr/>
+      </p:nvGrpSpPr>
+      <p:grpSpPr>
+        <a:xfrm>
+          <a:off x="0" y="0"/>
+          <a:ext cx="0" cy="0"/>
+          <a:chOff x="0" y="0"/>
+          <a:chExt cx="0" cy="0"/>
+        </a:xfrm>
+      </p:grpSpPr>
+      <p:sp useBgFill="1">
+        <p:nvSpPr>
+          <p:cNvPr id="12" name="Rectangle 11">
+            <a:extLst>
+              <a:ext uri="{FF2B5EF4-FFF2-40B4-BE49-F238E27FC236}">
+                <a16:creationId xmlns:a16="http://schemas.microsoft.com/office/drawing/2014/main" id="{BACC6370-2D7E-4714-9D71-7542949D7D5D}"/>
+              </a:ext>
+              <a:ext uri="{C183D7F6-B498-43B3-948B-1728B52AA6E4}">
+                <adec:decorative xmlns:adec="http://schemas.microsoft.com/office/drawing/2017/decorative" val="1"/>
+              </a:ext>
+            </a:extLst>
+          </p:cNvPr>
+          <p:cNvSpPr>
+            <a:spLocks noGrp="1" noRot="1" noChangeAspect="1" noMove="1" noResize="1" noEditPoints="1" noAdjustHandles="1" noChangeArrowheads="1" noChangeShapeType="1" noTextEdit="1"/>
+          </p:cNvSpPr>
+          <p:nvPr>
+            <p:extLst>
+              <p:ext uri="{386F3935-93C4-4BCD-93E2-E3B085C9AB24}">
+                <p16:designElem xmlns:p16="http://schemas.microsoft.com/office/powerpoint/2015/main" val="1"/>
+              </p:ext>
+            </p:extLst>
+          </p:nvPr>
+        </p:nvSpPr>
+        <p:spPr>
+          <a:xfrm>
+            <a:off x="0" y="0"/>
+            <a:ext cx="12192000" cy="6858000"/>
+          </a:xfrm>
+          <a:prstGeom prst="rect">
+            <a:avLst/>
+          </a:prstGeom>
+          <a:ln w="12700" cap="flat" cmpd="sng" algn="ctr">
+            <a:noFill/>
+            <a:prstDash val="solid"/>
+            <a:miter lim="800000"/>
+          </a:ln>
+          <a:effectLst/>
+          <a:extLst>
+            <a:ext uri="{91240B29-F687-4F45-9708-019B960494DF}">
+              <a14:hiddenLine xmlns:a14="http://schemas.microsoft.com/office/drawing/2010/main" w="12700" cap="flat" cmpd="sng" algn="ctr">
+                <a:solidFill>
+                  <a:schemeClr val="accent1">
+                    <a:shade val="50000"/>
+                  </a:schemeClr>
+                </a:solidFill>
+                <a:prstDash val="solid"/>
+                <a:miter lim="800000"/>
+              </a14:hiddenLine>
+            </a:ext>
+          </a:extLst>
+        </p:spPr>
+        <p:style>
+          <a:lnRef idx="2">
+            <a:schemeClr val="accent1">
+              <a:shade val="50000"/>
+            </a:schemeClr>
+          </a:lnRef>
+          <a:fillRef idx="1">
+            <a:schemeClr val="accent1"/>
+          </a:fillRef>
+          <a:effectRef idx="0">
+            <a:schemeClr val="accent1"/>
+          </a:effectRef>
+          <a:fontRef idx="minor">
+            <a:schemeClr val="lt1"/>
+          </a:fontRef>
+        </p:style>
+        <p:txBody>
+          <a:bodyPr rtlCol="0" anchor="ctr"/>
+          <a:lstStyle/>
+          <a:p>
+            <a:pPr algn="ctr"/>
+            <a:endParaRPr lang="en-US"/>
+          </a:p>
+        </p:txBody>
+      </p:sp>
+      <p:sp>
+        <p:nvSpPr>
+          <p:cNvPr id="14" name="Rectangle 13">
+            <a:extLst>
+              <a:ext uri="{FF2B5EF4-FFF2-40B4-BE49-F238E27FC236}">
+                <a16:creationId xmlns:a16="http://schemas.microsoft.com/office/drawing/2014/main" id="{F68B3F68-107C-434F-AA38-110D5EA91B85}"/>
+              </a:ext>
+              <a:ext uri="{C183D7F6-B498-43B3-948B-1728B52AA6E4}">
+                <adec:decorative xmlns:adec="http://schemas.microsoft.com/office/drawing/2017/decorative" val="1"/>
+              </a:ext>
+            </a:extLst>
+          </p:cNvPr>
+          <p:cNvSpPr>
+            <a:spLocks noGrp="1" noRot="1" noChangeAspect="1" noMove="1" noResize="1" noEditPoints="1" noAdjustHandles="1" noChangeArrowheads="1" noChangeShapeType="1" noTextEdit="1"/>
+          </p:cNvSpPr>
+          <p:nvPr>
+            <p:extLst>
+              <p:ext uri="{386F3935-93C4-4BCD-93E2-E3B085C9AB24}">
+                <p16:designElem xmlns:p16="http://schemas.microsoft.com/office/powerpoint/2015/main" val="1"/>
+              </p:ext>
+            </p:extLst>
+          </p:nvPr>
+        </p:nvSpPr>
+        <p:spPr>
+          <a:xfrm flipH="1">
+            <a:off x="2" y="0"/>
+            <a:ext cx="12191998" cy="1575955"/>
+          </a:xfrm>
+          <a:prstGeom prst="rect">
+            <a:avLst/>
+          </a:prstGeom>
+          <a:gradFill>
+            <a:gsLst>
+              <a:gs pos="0">
+                <a:srgbClr val="000000">
+                  <a:alpha val="96000"/>
+                </a:srgbClr>
+              </a:gs>
+              <a:gs pos="100000">
+                <a:schemeClr val="accent1">
+                  <a:lumMod val="75000"/>
+                </a:schemeClr>
+              </a:gs>
+            </a:gsLst>
+            <a:lin ang="8400000" scaled="0"/>
+          </a:gradFill>
+          <a:ln>
+            <a:noFill/>
+          </a:ln>
+        </p:spPr>
+        <p:style>
+          <a:lnRef idx="2">
+            <a:schemeClr val="accent1">
+              <a:shade val="50000"/>
+            </a:schemeClr>
+          </a:lnRef>
+          <a:fillRef idx="1">
+            <a:schemeClr val="accent1"/>
+          </a:fillRef>
+          <a:effectRef idx="0">
+            <a:schemeClr val="accent1"/>
+          </a:effectRef>
+          <a:fontRef idx="minor">
+            <a:schemeClr val="lt1"/>
+          </a:fontRef>
+        </p:style>
+        <p:txBody>
+          <a:bodyPr rtlCol="0" anchor="ctr"/>
+          <a:lstStyle/>
+          <a:p>
+            <a:pPr algn="ctr"/>
+            <a:endParaRPr lang="en-US"/>
+          </a:p>
+        </p:txBody>
+      </p:sp>
+      <p:sp>
+        <p:nvSpPr>
+          <p:cNvPr id="16" name="Rectangle 15">
+            <a:extLst>
+              <a:ext uri="{FF2B5EF4-FFF2-40B4-BE49-F238E27FC236}">
+                <a16:creationId xmlns:a16="http://schemas.microsoft.com/office/drawing/2014/main" id="{AAD0DBB9-1A4B-4391-81D4-CB19F9AB918A}"/>
+              </a:ext>
+              <a:ext uri="{C183D7F6-B498-43B3-948B-1728B52AA6E4}">
+                <adec:decorative xmlns:adec="http://schemas.microsoft.com/office/drawing/2017/decorative" val="1"/>
+              </a:ext>
+            </a:extLst>
+          </p:cNvPr>
+          <p:cNvSpPr>
+            <a:spLocks noGrp="1" noRot="1" noChangeAspect="1" noMove="1" noResize="1" noEditPoints="1" noAdjustHandles="1" noChangeArrowheads="1" noChangeShapeType="1" noTextEdit="1"/>
+          </p:cNvSpPr>
+          <p:nvPr>
+            <p:extLst>
+              <p:ext uri="{386F3935-93C4-4BCD-93E2-E3B085C9AB24}">
+                <p16:designElem xmlns:p16="http://schemas.microsoft.com/office/powerpoint/2015/main" val="1"/>
+              </p:ext>
+            </p:extLst>
+          </p:nvPr>
+        </p:nvSpPr>
+        <p:spPr>
+          <a:xfrm rot="10800000" flipH="1">
+            <a:off x="8128857" y="0"/>
+            <a:ext cx="4063143" cy="1576412"/>
+          </a:xfrm>
+          <a:prstGeom prst="rect">
+            <a:avLst/>
+          </a:prstGeom>
+          <a:gradFill>
+            <a:gsLst>
+              <a:gs pos="19000">
+                <a:schemeClr val="accent1">
+                  <a:lumMod val="50000"/>
+                  <a:alpha val="68000"/>
+                </a:schemeClr>
+              </a:gs>
+              <a:gs pos="100000">
+                <a:schemeClr val="accent1">
+                  <a:alpha val="79000"/>
+                </a:schemeClr>
+              </a:gs>
+            </a:gsLst>
+            <a:lin ang="19200000" scaled="0"/>
+          </a:gradFill>
+          <a:ln>
+            <a:noFill/>
+          </a:ln>
+        </p:spPr>
+        <p:style>
+          <a:lnRef idx="2">
+            <a:schemeClr val="accent1">
+              <a:shade val="50000"/>
+            </a:schemeClr>
+          </a:lnRef>
+          <a:fillRef idx="1">
+            <a:schemeClr val="accent1"/>
+          </a:fillRef>
+          <a:effectRef idx="0">
+            <a:schemeClr val="accent1"/>
+          </a:effectRef>
+          <a:fontRef idx="minor">
+            <a:schemeClr val="lt1"/>
+          </a:fontRef>
+        </p:style>
+        <p:txBody>
+          <a:bodyPr rtlCol="0" anchor="ctr"/>
+          <a:lstStyle/>
+          <a:p>
+            <a:pPr algn="ctr"/>
+            <a:endParaRPr lang="en-US"/>
+          </a:p>
+        </p:txBody>
+      </p:sp>
+      <p:sp>
+        <p:nvSpPr>
+          <p:cNvPr id="18" name="Rectangle 17">
+            <a:extLst>
+              <a:ext uri="{FF2B5EF4-FFF2-40B4-BE49-F238E27FC236}">
+                <a16:creationId xmlns:a16="http://schemas.microsoft.com/office/drawing/2014/main" id="{063BBA22-50EA-4C4D-BE05-F1CE4E63AA56}"/>
+              </a:ext>
+              <a:ext uri="{C183D7F6-B498-43B3-948B-1728B52AA6E4}">
+                <adec:decorative xmlns:adec="http://schemas.microsoft.com/office/drawing/2017/decorative" val="1"/>
+              </a:ext>
+            </a:extLst>
+          </p:cNvPr>
+          <p:cNvSpPr>
+            <a:spLocks noGrp="1" noRot="1" noChangeAspect="1" noMove="1" noResize="1" noEditPoints="1" noAdjustHandles="1" noChangeArrowheads="1" noChangeShapeType="1" noTextEdit="1"/>
+          </p:cNvSpPr>
+          <p:nvPr>
+            <p:extLst>
+              <p:ext uri="{386F3935-93C4-4BCD-93E2-E3B085C9AB24}">
+                <p16:designElem xmlns:p16="http://schemas.microsoft.com/office/powerpoint/2015/main" val="1"/>
+              </p:ext>
+            </p:extLst>
+          </p:nvPr>
+        </p:nvSpPr>
+        <p:spPr>
+          <a:xfrm rot="5400000">
+            <a:off x="5307777" y="-5307778"/>
+            <a:ext cx="1576446" cy="12192002"/>
+          </a:xfrm>
+          <a:prstGeom prst="rect">
+            <a:avLst/>
+          </a:prstGeom>
+          <a:gradFill>
+            <a:gsLst>
+              <a:gs pos="23000">
+                <a:schemeClr val="accent1">
+                  <a:alpha val="0"/>
+                </a:schemeClr>
+              </a:gs>
+              <a:gs pos="99000">
+                <a:srgbClr val="000000">
+                  <a:alpha val="74000"/>
+                </a:srgbClr>
+              </a:gs>
+            </a:gsLst>
+            <a:lin ang="20400000" scaled="0"/>
+          </a:gradFill>
+          <a:ln>
+            <a:noFill/>
+          </a:ln>
+        </p:spPr>
+        <p:style>
+          <a:lnRef idx="2">
+            <a:schemeClr val="accent1">
+              <a:shade val="50000"/>
+            </a:schemeClr>
+          </a:lnRef>
+          <a:fillRef idx="1">
+            <a:schemeClr val="accent1"/>
+          </a:fillRef>
+          <a:effectRef idx="0">
+            <a:schemeClr val="accent1"/>
+          </a:effectRef>
+          <a:fontRef idx="minor">
+            <a:schemeClr val="lt1"/>
+          </a:fontRef>
+        </p:style>
+        <p:txBody>
+          <a:bodyPr rtlCol="0" anchor="ctr"/>
+          <a:lstStyle/>
+          <a:p>
+            <a:pPr algn="ctr"/>
+            <a:endParaRPr lang="en-US" dirty="0"/>
+          </a:p>
+        </p:txBody>
+      </p:sp>
+      <p:sp>
+        <p:nvSpPr>
+          <p:cNvPr id="2" name="Title 1">
+            <a:extLst>
+              <a:ext uri="{FF2B5EF4-FFF2-40B4-BE49-F238E27FC236}">
+                <a16:creationId xmlns:a16="http://schemas.microsoft.com/office/drawing/2014/main" id="{1C35ABEA-854D-83DE-51F2-DADF3C02FAC8}"/>
+              </a:ext>
+            </a:extLst>
+          </p:cNvPr>
+          <p:cNvSpPr>
+            <a:spLocks noGrp="1"/>
+          </p:cNvSpPr>
+          <p:nvPr>
+            <p:ph type="title"/>
+          </p:nvPr>
+        </p:nvSpPr>
+        <p:spPr>
+          <a:xfrm>
+            <a:off x="1371597" y="348865"/>
+            <a:ext cx="10044023" cy="877729"/>
+          </a:xfrm>
+        </p:spPr>
+        <p:txBody>
+          <a:bodyPr anchor="ctr">
+            <a:normAutofit/>
+          </a:bodyPr>
+          <a:lstStyle/>
+          <a:p>
+            <a:r>
+              <a:rPr lang="en-US" sz="4000">
+                <a:solidFill>
+                  <a:srgbClr val="FFFFFF"/>
+                </a:solidFill>
+              </a:rPr>
+              <a:t>Large Language Models (LLMs)</a:t>
+            </a:r>
+          </a:p>
+        </p:txBody>
+      </p:sp>
+      <p:sp>
+        <p:nvSpPr>
+          <p:cNvPr id="3" name="Content Placeholder 2">
+            <a:extLst>
+              <a:ext uri="{FF2B5EF4-FFF2-40B4-BE49-F238E27FC236}">
+                <a16:creationId xmlns:a16="http://schemas.microsoft.com/office/drawing/2014/main" id="{77422B09-F0B6-BAF6-E73F-245F9AE54F58}"/>
+              </a:ext>
+            </a:extLst>
+          </p:cNvPr>
+          <p:cNvSpPr>
+            <a:spLocks/>
+          </p:cNvSpPr>
+          <p:nvPr/>
+        </p:nvSpPr>
+        <p:spPr>
+          <a:xfrm>
+            <a:off x="644056" y="2202171"/>
+            <a:ext cx="10762778" cy="859869"/>
+          </a:xfrm>
+          <a:prstGeom prst="rect">
+            <a:avLst/>
+          </a:prstGeom>
+        </p:spPr>
+        <p:txBody>
+          <a:bodyPr>
+            <a:normAutofit/>
+          </a:bodyPr>
+          <a:lstStyle/>
+          <a:p>
+            <a:pPr defTabSz="932688">
+              <a:spcAft>
+                <a:spcPts val="600"/>
+              </a:spcAft>
+            </a:pPr>
+            <a:r>
+              <a:rPr lang="en-HK" sz="2448" kern="1200">
+                <a:solidFill>
+                  <a:schemeClr val="tx1"/>
+                </a:solidFill>
+                <a:highlight>
+                  <a:srgbClr val="FFFFFF"/>
+                </a:highlight>
+                <a:latin typeface="75,Italic"/>
+                <a:ea typeface="+mn-ea"/>
+                <a:cs typeface="+mn-cs"/>
+              </a:rPr>
+              <a:t>LLMs are trained using language modeling, that is, predicting the next word in a sequence. They do so by assigning probabilities to a fixed vocabulary. </a:t>
+            </a:r>
+            <a:endParaRPr lang="en-HK" sz="2400">
+              <a:effectLst/>
+              <a:highlight>
+                <a:srgbClr val="FFFFFF"/>
+              </a:highlight>
+            </a:endParaRPr>
+          </a:p>
+        </p:txBody>
+      </p:sp>
+      <p:sp>
+        <p:nvSpPr>
+          <p:cNvPr id="6" name="Content Placeholder 2">
+            <a:extLst>
+              <a:ext uri="{FF2B5EF4-FFF2-40B4-BE49-F238E27FC236}">
+                <a16:creationId xmlns:a16="http://schemas.microsoft.com/office/drawing/2014/main" id="{82BB36AA-E65B-27A0-DD1F-E047CD3635B7}"/>
+              </a:ext>
+            </a:extLst>
+          </p:cNvPr>
+          <p:cNvSpPr txBox="1">
+            <a:spLocks/>
+          </p:cNvSpPr>
+          <p:nvPr/>
+        </p:nvSpPr>
+        <p:spPr>
+          <a:xfrm>
+            <a:off x="644056" y="3988826"/>
+            <a:ext cx="7220339" cy="1659237"/>
+          </a:xfrm>
+          <a:prstGeom prst="rect">
+            <a:avLst/>
+          </a:prstGeom>
+        </p:spPr>
+        <p:txBody>
+          <a:bodyPr vert="horz" lIns="91440" tIns="45720" rIns="91440" bIns="45720" rtlCol="0">
+            <a:noAutofit/>
+          </a:bodyPr>
+          <a:lstStyle>
+            <a:lvl1pPr marL="228600" indent="-228600" algn="l" defTabSz="914400" rtl="0" eaLnBrk="1" latinLnBrk="0" hangingPunct="1">
+              <a:lnSpc>
+                <a:spcPct val="90000"/>
+              </a:lnSpc>
+              <a:spcBef>
+                <a:spcPts val="1000"/>
+              </a:spcBef>
+              <a:buFont typeface="Arial" panose="020B0604020202020204" pitchFamily="34" charset="0"/>
+              <a:buChar char="•"/>
+              <a:defRPr sz="2800" kern="1200">
+                <a:solidFill>
+                  <a:schemeClr val="tx1"/>
+                </a:solidFill>
+                <a:latin typeface="+mn-lt"/>
+                <a:ea typeface="+mn-ea"/>
+                <a:cs typeface="+mn-cs"/>
+              </a:defRPr>
+            </a:lvl1pPr>
+            <a:lvl2pPr marL="685800" indent="-228600" algn="l" defTabSz="914400" rtl="0" eaLnBrk="1" latinLnBrk="0" hangingPunct="1">
+              <a:lnSpc>
+                <a:spcPct val="90000"/>
+              </a:lnSpc>
+              <a:spcBef>
+                <a:spcPts val="500"/>
+              </a:spcBef>
+              <a:buFont typeface="Arial" panose="020B0604020202020204" pitchFamily="34" charset="0"/>
+              <a:buChar char="•"/>
+              <a:defRPr sz="2400" kern="1200">
+                <a:solidFill>
+                  <a:schemeClr val="tx1"/>
+                </a:solidFill>
+                <a:latin typeface="+mn-lt"/>
+                <a:ea typeface="+mn-ea"/>
+                <a:cs typeface="+mn-cs"/>
+              </a:defRPr>
+            </a:lvl2pPr>
+            <a:lvl3pPr marL="1143000" indent="-228600" algn="l" defTabSz="914400" rtl="0" eaLnBrk="1" latinLnBrk="0" hangingPunct="1">
+              <a:lnSpc>
+                <a:spcPct val="90000"/>
+              </a:lnSpc>
+              <a:spcBef>
+                <a:spcPts val="500"/>
+              </a:spcBef>
+              <a:buFont typeface="Arial" panose="020B0604020202020204" pitchFamily="34" charset="0"/>
+              <a:buChar char="•"/>
+              <a:defRPr sz="2000" kern="1200">
+                <a:solidFill>
+                  <a:schemeClr val="tx1"/>
+                </a:solidFill>
+                <a:latin typeface="+mn-lt"/>
+                <a:ea typeface="+mn-ea"/>
+                <a:cs typeface="+mn-cs"/>
+              </a:defRPr>
+            </a:lvl3pPr>
+            <a:lvl4pPr marL="1600200" indent="-228600" algn="l" defTabSz="914400" rtl="0" eaLnBrk="1" latinLnBrk="0" hangingPunct="1">
+              <a:lnSpc>
+                <a:spcPct val="90000"/>
+              </a:lnSpc>
+              <a:spcBef>
+                <a:spcPts val="500"/>
+              </a:spcBef>
+              <a:buFont typeface="Arial" panose="020B0604020202020204" pitchFamily="34" charset="0"/>
+              <a:buChar char="•"/>
+              <a:defRPr sz="1800" kern="1200">
+                <a:solidFill>
+                  <a:schemeClr val="tx1"/>
+                </a:solidFill>
+                <a:latin typeface="+mn-lt"/>
+                <a:ea typeface="+mn-ea"/>
+                <a:cs typeface="+mn-cs"/>
+              </a:defRPr>
+            </a:lvl4pPr>
+            <a:lvl5pPr marL="2057400" indent="-228600" algn="l" defTabSz="914400" rtl="0" eaLnBrk="1" latinLnBrk="0" hangingPunct="1">
+              <a:lnSpc>
+                <a:spcPct val="90000"/>
+              </a:lnSpc>
+              <a:spcBef>
+                <a:spcPts val="500"/>
+              </a:spcBef>
+              <a:buFont typeface="Arial" panose="020B0604020202020204" pitchFamily="34" charset="0"/>
+              <a:buChar char="•"/>
+              <a:defRPr sz="1800" kern="1200">
+                <a:solidFill>
+                  <a:schemeClr val="tx1"/>
+                </a:solidFill>
+                <a:latin typeface="+mn-lt"/>
+                <a:ea typeface="+mn-ea"/>
+                <a:cs typeface="+mn-cs"/>
+              </a:defRPr>
+            </a:lvl5pPr>
+            <a:lvl6pPr marL="2514600" indent="-228600" algn="l" defTabSz="914400" rtl="0" eaLnBrk="1" latinLnBrk="0" hangingPunct="1">
+              <a:lnSpc>
+                <a:spcPct val="90000"/>
+              </a:lnSpc>
+              <a:spcBef>
+                <a:spcPts val="500"/>
+              </a:spcBef>
+              <a:buFont typeface="Arial" panose="020B0604020202020204" pitchFamily="34" charset="0"/>
+              <a:buChar char="•"/>
+              <a:defRPr sz="1800" kern="1200">
+                <a:solidFill>
+                  <a:schemeClr val="tx1"/>
+                </a:solidFill>
+                <a:latin typeface="+mn-lt"/>
+                <a:ea typeface="+mn-ea"/>
+                <a:cs typeface="+mn-cs"/>
+              </a:defRPr>
+            </a:lvl6pPr>
+            <a:lvl7pPr marL="2971800" indent="-228600" algn="l" defTabSz="914400" rtl="0" eaLnBrk="1" latinLnBrk="0" hangingPunct="1">
+              <a:lnSpc>
+                <a:spcPct val="90000"/>
+              </a:lnSpc>
+              <a:spcBef>
+                <a:spcPts val="500"/>
+              </a:spcBef>
+              <a:buFont typeface="Arial" panose="020B0604020202020204" pitchFamily="34" charset="0"/>
+              <a:buChar char="•"/>
+              <a:defRPr sz="1800" kern="1200">
+                <a:solidFill>
+                  <a:schemeClr val="tx1"/>
+                </a:solidFill>
+                <a:latin typeface="+mn-lt"/>
+                <a:ea typeface="+mn-ea"/>
+                <a:cs typeface="+mn-cs"/>
+              </a:defRPr>
+            </a:lvl7pPr>
+            <a:lvl8pPr marL="3429000" indent="-228600" algn="l" defTabSz="914400" rtl="0" eaLnBrk="1" latinLnBrk="0" hangingPunct="1">
+              <a:lnSpc>
+                <a:spcPct val="90000"/>
+              </a:lnSpc>
+              <a:spcBef>
+                <a:spcPts val="500"/>
+              </a:spcBef>
+              <a:buFont typeface="Arial" panose="020B0604020202020204" pitchFamily="34" charset="0"/>
+              <a:buChar char="•"/>
+              <a:defRPr sz="1800" kern="1200">
+                <a:solidFill>
+                  <a:schemeClr val="tx1"/>
+                </a:solidFill>
+                <a:latin typeface="+mn-lt"/>
+                <a:ea typeface="+mn-ea"/>
+                <a:cs typeface="+mn-cs"/>
+              </a:defRPr>
+            </a:lvl8pPr>
+            <a:lvl9pPr marL="3886200" indent="-228600" algn="l" defTabSz="914400" rtl="0" eaLnBrk="1" latinLnBrk="0" hangingPunct="1">
+              <a:lnSpc>
+                <a:spcPct val="90000"/>
+              </a:lnSpc>
+              <a:spcBef>
+                <a:spcPts val="500"/>
+              </a:spcBef>
+              <a:buFont typeface="Arial" panose="020B0604020202020204" pitchFamily="34" charset="0"/>
+              <a:buChar char="•"/>
+              <a:defRPr sz="1800" kern="1200">
+                <a:solidFill>
+                  <a:schemeClr val="tx1"/>
+                </a:solidFill>
+                <a:latin typeface="+mn-lt"/>
+                <a:ea typeface="+mn-ea"/>
+                <a:cs typeface="+mn-cs"/>
+              </a:defRPr>
+            </a:lvl9pPr>
+          </a:lstStyle>
+          <a:p>
+            <a:pPr marL="0" indent="0" defTabSz="932688">
+              <a:spcBef>
+                <a:spcPts val="1020"/>
+              </a:spcBef>
+              <a:buNone/>
+            </a:pPr>
+            <a:r>
+              <a:rPr lang="en-HK" sz="2448" kern="1200" dirty="0">
+                <a:solidFill>
+                  <a:schemeClr val="tx1"/>
+                </a:solidFill>
+                <a:highlight>
+                  <a:srgbClr val="FFFFFF"/>
+                </a:highlight>
+                <a:latin typeface="75,Italic"/>
+                <a:ea typeface="+mn-ea"/>
+                <a:cs typeface="+mn-cs"/>
+              </a:rPr>
+              <a:t>The movie is a </a:t>
+            </a:r>
+            <a:r>
+              <a:rPr lang="en-HK" sz="2448" kern="1200" dirty="0">
+                <a:solidFill>
+                  <a:schemeClr val="tx1"/>
+                </a:solidFill>
+                <a:highlight>
+                  <a:srgbClr val="FFFF00"/>
+                </a:highlight>
+                <a:latin typeface="75,Italic"/>
+                <a:ea typeface="+mn-ea"/>
+                <a:cs typeface="+mn-cs"/>
+              </a:rPr>
+              <a:t>visually</a:t>
+            </a:r>
+            <a:r>
+              <a:rPr lang="en-HK" sz="2448" kern="1200" dirty="0">
+                <a:solidFill>
+                  <a:schemeClr val="tx1"/>
+                </a:solidFill>
+                <a:highlight>
+                  <a:srgbClr val="FFFFFF"/>
+                </a:highlight>
+                <a:latin typeface="75,Italic"/>
+                <a:ea typeface="+mn-ea"/>
+                <a:cs typeface="+mn-cs"/>
+              </a:rPr>
+              <a:t> </a:t>
+            </a:r>
+            <a:r>
+              <a:rPr lang="en-HK" sz="2448" kern="1200" dirty="0">
+                <a:solidFill>
+                  <a:schemeClr val="tx1"/>
+                </a:solidFill>
+                <a:highlight>
+                  <a:srgbClr val="FFFF00"/>
+                </a:highlight>
+                <a:latin typeface="75,Italic"/>
+                <a:ea typeface="+mn-ea"/>
+                <a:cs typeface="+mn-cs"/>
+              </a:rPr>
+              <a:t>stunning</a:t>
+            </a:r>
+            <a:r>
+              <a:rPr lang="en-HK" sz="2448" kern="1200" dirty="0">
+                <a:solidFill>
+                  <a:schemeClr val="tx1"/>
+                </a:solidFill>
+                <a:highlight>
+                  <a:srgbClr val="FFFFFF"/>
+                </a:highlight>
+                <a:latin typeface="75,Italic"/>
+                <a:ea typeface="+mn-ea"/>
+                <a:cs typeface="+mn-cs"/>
+              </a:rPr>
+              <a:t>, action-packed, and </a:t>
+            </a:r>
+            <a:r>
+              <a:rPr lang="en-HK" sz="2448" kern="1200" dirty="0">
+                <a:solidFill>
+                  <a:schemeClr val="tx1"/>
+                </a:solidFill>
+                <a:highlight>
+                  <a:srgbClr val="FFFF00"/>
+                </a:highlight>
+                <a:latin typeface="75,Italic"/>
+                <a:ea typeface="+mn-ea"/>
+                <a:cs typeface="+mn-cs"/>
+              </a:rPr>
+              <a:t>emotionally</a:t>
+            </a:r>
+            <a:r>
+              <a:rPr lang="en-HK" sz="2448" kern="1200" dirty="0">
+                <a:solidFill>
+                  <a:schemeClr val="tx1"/>
+                </a:solidFill>
+                <a:highlight>
+                  <a:srgbClr val="FFFFFF"/>
+                </a:highlight>
+                <a:latin typeface="75,Italic"/>
+                <a:ea typeface="+mn-ea"/>
+                <a:cs typeface="+mn-cs"/>
+              </a:rPr>
+              <a:t> resonant </a:t>
+            </a:r>
+            <a:r>
+              <a:rPr lang="en-HK" sz="2448" kern="1200" dirty="0">
+                <a:solidFill>
+                  <a:schemeClr val="tx1"/>
+                </a:solidFill>
+                <a:highlight>
+                  <a:srgbClr val="FFFF00"/>
+                </a:highlight>
+                <a:latin typeface="75,Italic"/>
+                <a:ea typeface="+mn-ea"/>
+                <a:cs typeface="+mn-cs"/>
+              </a:rPr>
+              <a:t>thrill ride </a:t>
+            </a:r>
+            <a:r>
+              <a:rPr lang="en-HK" sz="2448" kern="1200" dirty="0">
+                <a:solidFill>
+                  <a:schemeClr val="tx1"/>
+                </a:solidFill>
+                <a:highlight>
+                  <a:srgbClr val="FFFFFF"/>
+                </a:highlight>
+                <a:latin typeface="75,Italic"/>
+                <a:ea typeface="+mn-ea"/>
+                <a:cs typeface="+mn-cs"/>
+              </a:rPr>
+              <a:t>that will leave you on the </a:t>
+            </a:r>
+            <a:r>
+              <a:rPr lang="en-HK" sz="2448" kern="1200" dirty="0">
+                <a:solidFill>
+                  <a:schemeClr val="tx1"/>
+                </a:solidFill>
+                <a:highlight>
+                  <a:srgbClr val="FFFF00"/>
+                </a:highlight>
+                <a:latin typeface="75,Italic"/>
+                <a:ea typeface="+mn-ea"/>
+                <a:cs typeface="+mn-cs"/>
+              </a:rPr>
+              <a:t>edge of your seat </a:t>
+            </a:r>
+            <a:r>
+              <a:rPr lang="en-HK" sz="2448" kern="1200" dirty="0">
+                <a:solidFill>
+                  <a:schemeClr val="tx1"/>
+                </a:solidFill>
+                <a:highlight>
+                  <a:srgbClr val="FFFFFF"/>
+                </a:highlight>
+                <a:latin typeface="75,Italic"/>
+                <a:ea typeface="+mn-ea"/>
+                <a:cs typeface="+mn-cs"/>
+              </a:rPr>
+              <a:t>from beginning to end. Overall, the experience was </a:t>
+            </a:r>
+            <a:r>
+              <a:rPr lang="en-HK" sz="2448" kern="1200" dirty="0">
+                <a:solidFill>
+                  <a:schemeClr val="bg1">
+                    <a:lumMod val="95000"/>
+                  </a:schemeClr>
+                </a:solidFill>
+                <a:highlight>
+                  <a:srgbClr val="FFFFFF"/>
+                </a:highlight>
+                <a:latin typeface="75,Italic"/>
+                <a:ea typeface="+mn-ea"/>
+                <a:cs typeface="+mn-cs"/>
+              </a:rPr>
+              <a:t>magical</a:t>
+            </a:r>
+            <a:r>
+              <a:rPr lang="en-HK" sz="2448" kern="1200" dirty="0">
+                <a:solidFill>
+                  <a:srgbClr val="555555"/>
+                </a:solidFill>
+                <a:highlight>
+                  <a:srgbClr val="FFFFFF"/>
+                </a:highlight>
+                <a:latin typeface="75,Italic"/>
+                <a:ea typeface="+mn-ea"/>
+                <a:cs typeface="+mn-cs"/>
+              </a:rPr>
+              <a:t>.</a:t>
+            </a:r>
+            <a:endParaRPr lang="en-HK" sz="2400" dirty="0">
+              <a:solidFill>
+                <a:schemeClr val="bg1">
+                  <a:lumMod val="95000"/>
+                </a:schemeClr>
+              </a:solidFill>
+              <a:highlight>
+                <a:srgbClr val="FFFFFF"/>
+              </a:highlight>
+            </a:endParaRPr>
+          </a:p>
+        </p:txBody>
+      </p:sp>
+      <p:graphicFrame>
+        <p:nvGraphicFramePr>
+          <p:cNvPr id="7" name="Table 6">
+            <a:extLst>
+              <a:ext uri="{FF2B5EF4-FFF2-40B4-BE49-F238E27FC236}">
+                <a16:creationId xmlns:a16="http://schemas.microsoft.com/office/drawing/2014/main" id="{8F3498E3-BC59-0F1A-B562-95BD4AA5C3AC}"/>
+              </a:ext>
+            </a:extLst>
+          </p:cNvPr>
+          <p:cNvGraphicFramePr>
+            <a:graphicFrameLocks noGrp="1"/>
+          </p:cNvGraphicFramePr>
+          <p:nvPr>
+            <p:extLst>
+              <p:ext uri="{D42A27DB-BD31-4B8C-83A1-F6EECF244321}">
+                <p14:modId xmlns:p14="http://schemas.microsoft.com/office/powerpoint/2010/main" val="2960848465"/>
+              </p:ext>
+            </p:extLst>
+          </p:nvPr>
+        </p:nvGraphicFramePr>
+        <p:xfrm>
+          <a:off x="8513907" y="3558893"/>
+          <a:ext cx="2987748" cy="2595880"/>
+        </p:xfrm>
+        <a:graphic>
+          <a:graphicData uri="http://schemas.openxmlformats.org/drawingml/2006/table">
+            <a:tbl>
+              <a:tblPr firstRow="1" bandRow="1">
+                <a:tableStyleId>{2D5ABB26-0587-4C30-8999-92F81FD0307C}</a:tableStyleId>
+              </a:tblPr>
+              <a:tblGrid>
+                <a:gridCol w="1493874">
+                  <a:extLst>
+                    <a:ext uri="{9D8B030D-6E8A-4147-A177-3AD203B41FA5}">
+                      <a16:colId xmlns:a16="http://schemas.microsoft.com/office/drawing/2014/main" val="1416294304"/>
+                    </a:ext>
+                  </a:extLst>
+                </a:gridCol>
+                <a:gridCol w="1493874">
+                  <a:extLst>
+                    <a:ext uri="{9D8B030D-6E8A-4147-A177-3AD203B41FA5}">
+                      <a16:colId xmlns:a16="http://schemas.microsoft.com/office/drawing/2014/main" val="1070209701"/>
+                    </a:ext>
+                  </a:extLst>
+                </a:gridCol>
+              </a:tblGrid>
+              <a:tr h="370840">
+                <a:tc>
+                  <a:txBody>
+                    <a:bodyPr/>
+                    <a:lstStyle/>
+                    <a:p>
+                      <a:r>
+                        <a:rPr lang="en-US" dirty="0"/>
+                        <a:t>Vocabulary</a:t>
+                      </a:r>
+                    </a:p>
+                  </a:txBody>
+                  <a:tcPr/>
+                </a:tc>
+                <a:tc>
+                  <a:txBody>
+                    <a:bodyPr/>
+                    <a:lstStyle/>
+                    <a:p>
+                      <a:endParaRPr lang="en-US" dirty="0"/>
+                    </a:p>
+                  </a:txBody>
+                  <a:tcPr/>
+                </a:tc>
+                <a:extLst>
+                  <a:ext uri="{0D108BD9-81ED-4DB2-BD59-A6C34878D82A}">
+                    <a16:rowId xmlns:a16="http://schemas.microsoft.com/office/drawing/2014/main" val="3690308509"/>
+                  </a:ext>
+                </a:extLst>
+              </a:tr>
+              <a:tr h="370840">
+                <a:tc>
+                  <a:txBody>
+                    <a:bodyPr/>
+                    <a:lstStyle/>
+                    <a:p>
+                      <a:pPr algn="ctr"/>
+                      <a:r>
+                        <a:rPr lang="en-US" dirty="0">
+                          <a:highlight>
+                            <a:srgbClr val="00FFFF"/>
+                          </a:highlight>
+                        </a:rPr>
+                        <a:t>positive</a:t>
+                      </a:r>
+                    </a:p>
+                  </a:txBody>
+                  <a:tcPr/>
+                </a:tc>
+                <a:tc>
+                  <a:txBody>
+                    <a:bodyPr/>
+                    <a:lstStyle/>
+                    <a:p>
+                      <a:r>
+                        <a:rPr lang="en-US" dirty="0"/>
+                        <a:t>p = .03</a:t>
+                      </a:r>
+                    </a:p>
+                  </a:txBody>
+                  <a:tcPr/>
+                </a:tc>
+                <a:extLst>
+                  <a:ext uri="{0D108BD9-81ED-4DB2-BD59-A6C34878D82A}">
+                    <a16:rowId xmlns:a16="http://schemas.microsoft.com/office/drawing/2014/main" val="4241478950"/>
+                  </a:ext>
+                </a:extLst>
+              </a:tr>
+              <a:tr h="370840">
+                <a:tc>
+                  <a:txBody>
+                    <a:bodyPr/>
+                    <a:lstStyle/>
+                    <a:p>
+                      <a:pPr algn="ctr"/>
+                      <a:r>
+                        <a:rPr lang="en-US" sz="1800" kern="1200" dirty="0">
+                          <a:solidFill>
+                            <a:schemeClr val="dk1"/>
+                          </a:solidFill>
+                          <a:highlight>
+                            <a:srgbClr val="FF00FF"/>
+                          </a:highlight>
+                        </a:rPr>
+                        <a:t>negative</a:t>
+                      </a:r>
+                      <a:endParaRPr lang="en-US" sz="1800" kern="1200" dirty="0">
+                        <a:solidFill>
+                          <a:schemeClr val="dk1"/>
+                        </a:solidFill>
+                        <a:highlight>
+                          <a:srgbClr val="FF00FF"/>
+                        </a:highlight>
+                        <a:latin typeface="+mn-lt"/>
+                        <a:ea typeface="+mn-ea"/>
+                        <a:cs typeface="+mn-cs"/>
+                      </a:endParaRPr>
+                    </a:p>
+                  </a:txBody>
+                  <a:tcPr/>
+                </a:tc>
+                <a:tc>
+                  <a:txBody>
+                    <a:bodyPr/>
+                    <a:lstStyle/>
+                    <a:p>
+                      <a:r>
+                        <a:rPr lang="en-US" dirty="0"/>
+                        <a:t>p = .00001</a:t>
+                      </a:r>
+                    </a:p>
+                  </a:txBody>
+                  <a:tcPr/>
+                </a:tc>
+                <a:extLst>
+                  <a:ext uri="{0D108BD9-81ED-4DB2-BD59-A6C34878D82A}">
+                    <a16:rowId xmlns:a16="http://schemas.microsoft.com/office/drawing/2014/main" val="3687603311"/>
+                  </a:ext>
+                </a:extLst>
+              </a:tr>
+              <a:tr h="370840">
+                <a:tc>
+                  <a:txBody>
+                    <a:bodyPr/>
+                    <a:lstStyle/>
+                    <a:p>
+                      <a:pPr algn="ctr"/>
+                      <a:endParaRPr lang="en-US" dirty="0"/>
+                    </a:p>
+                  </a:txBody>
+                  <a:tcPr/>
+                </a:tc>
+                <a:tc>
+                  <a:txBody>
+                    <a:bodyPr/>
+                    <a:lstStyle/>
+                    <a:p>
+                      <a:endParaRPr lang="en-US" dirty="0"/>
+                    </a:p>
+                  </a:txBody>
+                  <a:tcPr/>
+                </a:tc>
+                <a:extLst>
+                  <a:ext uri="{0D108BD9-81ED-4DB2-BD59-A6C34878D82A}">
+                    <a16:rowId xmlns:a16="http://schemas.microsoft.com/office/drawing/2014/main" val="1675224907"/>
+                  </a:ext>
+                </a:extLst>
+              </a:tr>
+              <a:tr h="370840">
+                <a:tc>
+                  <a:txBody>
+                    <a:bodyPr/>
+                    <a:lstStyle/>
+                    <a:p>
+                      <a:pPr algn="ctr"/>
+                      <a:r>
+                        <a:rPr lang="en-US" dirty="0"/>
+                        <a:t>…</a:t>
+                      </a:r>
+                    </a:p>
+                  </a:txBody>
+                  <a:tcPr/>
+                </a:tc>
+                <a:tc>
+                  <a:txBody>
+                    <a:bodyPr/>
+                    <a:lstStyle/>
+                    <a:p>
+                      <a:endParaRPr lang="en-US" dirty="0"/>
+                    </a:p>
+                  </a:txBody>
+                  <a:tcPr/>
+                </a:tc>
+                <a:extLst>
+                  <a:ext uri="{0D108BD9-81ED-4DB2-BD59-A6C34878D82A}">
+                    <a16:rowId xmlns:a16="http://schemas.microsoft.com/office/drawing/2014/main" val="3046032757"/>
+                  </a:ext>
+                </a:extLst>
+              </a:tr>
+              <a:tr h="370840">
+                <a:tc>
+                  <a:txBody>
+                    <a:bodyPr/>
+                    <a:lstStyle/>
+                    <a:p>
+                      <a:pPr algn="ctr"/>
+                      <a:endParaRPr lang="en-US" dirty="0"/>
+                    </a:p>
+                  </a:txBody>
+                  <a:tcPr/>
+                </a:tc>
+                <a:tc>
+                  <a:txBody>
+                    <a:bodyPr/>
+                    <a:lstStyle/>
+                    <a:p>
+                      <a:endParaRPr lang="en-US" dirty="0"/>
+                    </a:p>
+                  </a:txBody>
+                  <a:tcPr/>
+                </a:tc>
+                <a:extLst>
+                  <a:ext uri="{0D108BD9-81ED-4DB2-BD59-A6C34878D82A}">
+                    <a16:rowId xmlns:a16="http://schemas.microsoft.com/office/drawing/2014/main" val="304901379"/>
+                  </a:ext>
+                </a:extLst>
+              </a:tr>
+              <a:tr h="370840">
+                <a:tc>
+                  <a:txBody>
+                    <a:bodyPr/>
+                    <a:lstStyle/>
+                    <a:p>
+                      <a:pPr algn="ctr"/>
+                      <a:r>
+                        <a:rPr lang="en-US" dirty="0">
+                          <a:highlight>
+                            <a:srgbClr val="00FF00"/>
+                          </a:highlight>
+                        </a:rPr>
+                        <a:t>magical</a:t>
+                      </a:r>
+                    </a:p>
+                  </a:txBody>
+                  <a:tcPr/>
+                </a:tc>
+                <a:tc>
+                  <a:txBody>
+                    <a:bodyPr/>
+                    <a:lstStyle/>
+                    <a:p>
+                      <a:r>
+                        <a:rPr lang="en-US" dirty="0"/>
+                        <a:t>p = .83</a:t>
+                      </a:r>
+                    </a:p>
+                  </a:txBody>
+                  <a:tcPr/>
+                </a:tc>
+                <a:extLst>
+                  <a:ext uri="{0D108BD9-81ED-4DB2-BD59-A6C34878D82A}">
+                    <a16:rowId xmlns:a16="http://schemas.microsoft.com/office/drawing/2014/main" val="3080986445"/>
+                  </a:ext>
+                </a:extLst>
+              </a:tr>
+            </a:tbl>
+          </a:graphicData>
+        </a:graphic>
+      </p:graphicFrame>
+    </p:spTree>
+    <p:extLst>
+      <p:ext uri="{BB962C8B-B14F-4D97-AF65-F5344CB8AC3E}">
+        <p14:creationId xmlns:p14="http://schemas.microsoft.com/office/powerpoint/2010/main" val="1816992404"/>
+      </p:ext>
+    </p:extLst>
+  </p:cSld>
+  <p:clrMapOvr>
+    <a:masterClrMapping/>
+  </p:clrMapOvr>
+</p:sld>
+</file>
+
+<file path=ppt/slides/slide5.xml><?xml version="1.0" encoding="utf-8"?>
+<p:sld xmlns:a="http://schemas.openxmlformats.org/drawingml/2006/main" xmlns:r="http://schemas.openxmlformats.org/officeDocument/2006/relationships" xmlns:p="http://schemas.openxmlformats.org/presentationml/2006/main">
+  <p:cSld>
+    <p:bg>
+      <p:bgPr>
+        <a:solidFill>
+          <a:schemeClr val="bg1"/>
+        </a:solidFill>
+        <a:effectLst/>
+      </p:bgPr>
+    </p:bg>
+    <p:spTree>
+      <p:nvGrpSpPr>
+        <p:cNvPr id="1" name=""/>
+        <p:cNvGrpSpPr/>
+        <p:nvPr/>
+      </p:nvGrpSpPr>
+      <p:grpSpPr>
+        <a:xfrm>
+          <a:off x="0" y="0"/>
+          <a:ext cx="0" cy="0"/>
+          <a:chOff x="0" y="0"/>
+          <a:chExt cx="0" cy="0"/>
+        </a:xfrm>
+      </p:grpSpPr>
+      <p:sp useBgFill="1">
+        <p:nvSpPr>
+          <p:cNvPr id="14" name="Rectangle 13">
+            <a:extLst>
+              <a:ext uri="{FF2B5EF4-FFF2-40B4-BE49-F238E27FC236}">
+                <a16:creationId xmlns:a16="http://schemas.microsoft.com/office/drawing/2014/main" id="{BACC6370-2D7E-4714-9D71-7542949D7D5D}"/>
+              </a:ext>
+              <a:ext uri="{C183D7F6-B498-43B3-948B-1728B52AA6E4}">
+                <adec:decorative xmlns:adec="http://schemas.microsoft.com/office/drawing/2017/decorative" val="1"/>
+              </a:ext>
+            </a:extLst>
+          </p:cNvPr>
+          <p:cNvSpPr>
+            <a:spLocks noGrp="1" noRot="1" noChangeAspect="1" noMove="1" noResize="1" noEditPoints="1" noAdjustHandles="1" noChangeArrowheads="1" noChangeShapeType="1" noTextEdit="1"/>
+          </p:cNvSpPr>
+          <p:nvPr>
+            <p:extLst>
+              <p:ext uri="{386F3935-93C4-4BCD-93E2-E3B085C9AB24}">
+                <p16:designElem xmlns:p16="http://schemas.microsoft.com/office/powerpoint/2015/main" val="1"/>
+              </p:ext>
+            </p:extLst>
+          </p:nvPr>
+        </p:nvSpPr>
+        <p:spPr>
+          <a:xfrm>
+            <a:off x="0" y="0"/>
+            <a:ext cx="12192000" cy="6858000"/>
+          </a:xfrm>
+          <a:prstGeom prst="rect">
+            <a:avLst/>
+          </a:prstGeom>
+          <a:ln w="12700" cap="flat" cmpd="sng" algn="ctr">
+            <a:noFill/>
+            <a:prstDash val="solid"/>
+            <a:miter lim="800000"/>
+          </a:ln>
+          <a:effectLst/>
+          <a:extLst>
+            <a:ext uri="{91240B29-F687-4F45-9708-019B960494DF}">
+              <a14:hiddenLine xmlns:a14="http://schemas.microsoft.com/office/drawing/2010/main" w="12700" cap="flat" cmpd="sng" algn="ctr">
+                <a:solidFill>
+                  <a:schemeClr val="accent1">
+                    <a:shade val="50000"/>
+                  </a:schemeClr>
+                </a:solidFill>
+                <a:prstDash val="solid"/>
+                <a:miter lim="800000"/>
+              </a14:hiddenLine>
+            </a:ext>
+          </a:extLst>
+        </p:spPr>
+        <p:style>
+          <a:lnRef idx="2">
+            <a:schemeClr val="accent1">
+              <a:shade val="50000"/>
+            </a:schemeClr>
+          </a:lnRef>
+          <a:fillRef idx="1">
+            <a:schemeClr val="accent1"/>
+          </a:fillRef>
+          <a:effectRef idx="0">
+            <a:schemeClr val="accent1"/>
+          </a:effectRef>
+          <a:fontRef idx="minor">
+            <a:schemeClr val="lt1"/>
+          </a:fontRef>
+        </p:style>
+        <p:txBody>
+          <a:bodyPr rtlCol="0" anchor="ctr"/>
+          <a:lstStyle/>
+          <a:p>
+            <a:pPr algn="ctr"/>
+            <a:endParaRPr lang="en-US"/>
+          </a:p>
+        </p:txBody>
+      </p:sp>
+      <p:sp>
+        <p:nvSpPr>
+          <p:cNvPr id="16" name="Rectangle 15">
+            <a:extLst>
+              <a:ext uri="{FF2B5EF4-FFF2-40B4-BE49-F238E27FC236}">
+                <a16:creationId xmlns:a16="http://schemas.microsoft.com/office/drawing/2014/main" id="{F68B3F68-107C-434F-AA38-110D5EA91B85}"/>
+              </a:ext>
+              <a:ext uri="{C183D7F6-B498-43B3-948B-1728B52AA6E4}">
+                <adec:decorative xmlns:adec="http://schemas.microsoft.com/office/drawing/2017/decorative" val="1"/>
+              </a:ext>
+            </a:extLst>
+          </p:cNvPr>
+          <p:cNvSpPr>
+            <a:spLocks noGrp="1" noRot="1" noChangeAspect="1" noMove="1" noResize="1" noEditPoints="1" noAdjustHandles="1" noChangeArrowheads="1" noChangeShapeType="1" noTextEdit="1"/>
+          </p:cNvSpPr>
+          <p:nvPr>
+            <p:extLst>
+              <p:ext uri="{386F3935-93C4-4BCD-93E2-E3B085C9AB24}">
+                <p16:designElem xmlns:p16="http://schemas.microsoft.com/office/powerpoint/2015/main" val="1"/>
+              </p:ext>
+            </p:extLst>
+          </p:nvPr>
+        </p:nvSpPr>
+        <p:spPr>
+          <a:xfrm flipH="1">
+            <a:off x="2" y="0"/>
+            <a:ext cx="12191998" cy="1575955"/>
+          </a:xfrm>
+          <a:prstGeom prst="rect">
+            <a:avLst/>
+          </a:prstGeom>
+          <a:gradFill>
+            <a:gsLst>
+              <a:gs pos="0">
+                <a:srgbClr val="000000">
+                  <a:alpha val="96000"/>
+                </a:srgbClr>
+              </a:gs>
+              <a:gs pos="100000">
+                <a:schemeClr val="accent1">
+                  <a:lumMod val="75000"/>
+                </a:schemeClr>
+              </a:gs>
+            </a:gsLst>
+            <a:lin ang="8400000" scaled="0"/>
+          </a:gradFill>
+          <a:ln>
+            <a:noFill/>
+          </a:ln>
+        </p:spPr>
+        <p:style>
+          <a:lnRef idx="2">
+            <a:schemeClr val="accent1">
+              <a:shade val="50000"/>
+            </a:schemeClr>
+          </a:lnRef>
+          <a:fillRef idx="1">
+            <a:schemeClr val="accent1"/>
+          </a:fillRef>
+          <a:effectRef idx="0">
+            <a:schemeClr val="accent1"/>
+          </a:effectRef>
+          <a:fontRef idx="minor">
+            <a:schemeClr val="lt1"/>
+          </a:fontRef>
+        </p:style>
+        <p:txBody>
+          <a:bodyPr rtlCol="0" anchor="ctr"/>
+          <a:lstStyle/>
+          <a:p>
+            <a:pPr algn="ctr"/>
+            <a:endParaRPr lang="en-US"/>
+          </a:p>
+        </p:txBody>
+      </p:sp>
+      <p:sp>
+        <p:nvSpPr>
+          <p:cNvPr id="18" name="Rectangle 17">
+            <a:extLst>
+              <a:ext uri="{FF2B5EF4-FFF2-40B4-BE49-F238E27FC236}">
+                <a16:creationId xmlns:a16="http://schemas.microsoft.com/office/drawing/2014/main" id="{AAD0DBB9-1A4B-4391-81D4-CB19F9AB918A}"/>
+              </a:ext>
+              <a:ext uri="{C183D7F6-B498-43B3-948B-1728B52AA6E4}">
+                <adec:decorative xmlns:adec="http://schemas.microsoft.com/office/drawing/2017/decorative" val="1"/>
+              </a:ext>
+            </a:extLst>
+          </p:cNvPr>
+          <p:cNvSpPr>
+            <a:spLocks noGrp="1" noRot="1" noChangeAspect="1" noMove="1" noResize="1" noEditPoints="1" noAdjustHandles="1" noChangeArrowheads="1" noChangeShapeType="1" noTextEdit="1"/>
+          </p:cNvSpPr>
+          <p:nvPr>
+            <p:extLst>
+              <p:ext uri="{386F3935-93C4-4BCD-93E2-E3B085C9AB24}">
+                <p16:designElem xmlns:p16="http://schemas.microsoft.com/office/powerpoint/2015/main" val="1"/>
+              </p:ext>
+            </p:extLst>
+          </p:nvPr>
+        </p:nvSpPr>
+        <p:spPr>
+          <a:xfrm rot="10800000" flipH="1">
+            <a:off x="8128857" y="0"/>
+            <a:ext cx="4063143" cy="1576412"/>
+          </a:xfrm>
+          <a:prstGeom prst="rect">
+            <a:avLst/>
+          </a:prstGeom>
+          <a:gradFill>
+            <a:gsLst>
+              <a:gs pos="19000">
+                <a:schemeClr val="accent1">
+                  <a:lumMod val="50000"/>
+                  <a:alpha val="68000"/>
+                </a:schemeClr>
+              </a:gs>
+              <a:gs pos="100000">
+                <a:schemeClr val="accent1">
+                  <a:alpha val="79000"/>
+                </a:schemeClr>
+              </a:gs>
+            </a:gsLst>
+            <a:lin ang="19200000" scaled="0"/>
+          </a:gradFill>
+          <a:ln>
+            <a:noFill/>
+          </a:ln>
+        </p:spPr>
+        <p:style>
+          <a:lnRef idx="2">
+            <a:schemeClr val="accent1">
+              <a:shade val="50000"/>
+            </a:schemeClr>
+          </a:lnRef>
+          <a:fillRef idx="1">
+            <a:schemeClr val="accent1"/>
+          </a:fillRef>
+          <a:effectRef idx="0">
+            <a:schemeClr val="accent1"/>
+          </a:effectRef>
+          <a:fontRef idx="minor">
+            <a:schemeClr val="lt1"/>
+          </a:fontRef>
+        </p:style>
+        <p:txBody>
+          <a:bodyPr rtlCol="0" anchor="ctr"/>
+          <a:lstStyle/>
+          <a:p>
+            <a:pPr algn="ctr"/>
+            <a:endParaRPr lang="en-US"/>
+          </a:p>
+        </p:txBody>
+      </p:sp>
+      <p:sp>
+        <p:nvSpPr>
+          <p:cNvPr id="20" name="Rectangle 19">
+            <a:extLst>
+              <a:ext uri="{FF2B5EF4-FFF2-40B4-BE49-F238E27FC236}">
+                <a16:creationId xmlns:a16="http://schemas.microsoft.com/office/drawing/2014/main" id="{063BBA22-50EA-4C4D-BE05-F1CE4E63AA56}"/>
+              </a:ext>
+              <a:ext uri="{C183D7F6-B498-43B3-948B-1728B52AA6E4}">
+                <adec:decorative xmlns:adec="http://schemas.microsoft.com/office/drawing/2017/decorative" val="1"/>
+              </a:ext>
+            </a:extLst>
+          </p:cNvPr>
+          <p:cNvSpPr>
+            <a:spLocks noGrp="1" noRot="1" noChangeAspect="1" noMove="1" noResize="1" noEditPoints="1" noAdjustHandles="1" noChangeArrowheads="1" noChangeShapeType="1" noTextEdit="1"/>
+          </p:cNvSpPr>
+          <p:nvPr>
+            <p:extLst>
+              <p:ext uri="{386F3935-93C4-4BCD-93E2-E3B085C9AB24}">
+                <p16:designElem xmlns:p16="http://schemas.microsoft.com/office/powerpoint/2015/main" val="1"/>
+              </p:ext>
+            </p:extLst>
+          </p:nvPr>
+        </p:nvSpPr>
+        <p:spPr>
+          <a:xfrm rot="5400000">
+            <a:off x="5307777" y="-5307778"/>
+            <a:ext cx="1576446" cy="12192002"/>
+          </a:xfrm>
+          <a:prstGeom prst="rect">
+            <a:avLst/>
+          </a:prstGeom>
+          <a:gradFill>
+            <a:gsLst>
+              <a:gs pos="23000">
+                <a:schemeClr val="accent1">
+                  <a:alpha val="0"/>
+                </a:schemeClr>
+              </a:gs>
+              <a:gs pos="99000">
+                <a:srgbClr val="000000">
+                  <a:alpha val="74000"/>
+                </a:srgbClr>
+              </a:gs>
+            </a:gsLst>
+            <a:lin ang="20400000" scaled="0"/>
+          </a:gradFill>
+          <a:ln>
+            <a:noFill/>
+          </a:ln>
+        </p:spPr>
+        <p:style>
+          <a:lnRef idx="2">
+            <a:schemeClr val="accent1">
+              <a:shade val="50000"/>
+            </a:schemeClr>
+          </a:lnRef>
+          <a:fillRef idx="1">
+            <a:schemeClr val="accent1"/>
+          </a:fillRef>
+          <a:effectRef idx="0">
+            <a:schemeClr val="accent1"/>
+          </a:effectRef>
+          <a:fontRef idx="minor">
+            <a:schemeClr val="lt1"/>
+          </a:fontRef>
+        </p:style>
+        <p:txBody>
+          <a:bodyPr rtlCol="0" anchor="ctr"/>
+          <a:lstStyle/>
+          <a:p>
+            <a:pPr algn="ctr"/>
+            <a:endParaRPr lang="en-US" dirty="0"/>
+          </a:p>
+        </p:txBody>
+      </p:sp>
+      <p:sp>
+        <p:nvSpPr>
+          <p:cNvPr id="2" name="Title 1">
+            <a:extLst>
+              <a:ext uri="{FF2B5EF4-FFF2-40B4-BE49-F238E27FC236}">
+                <a16:creationId xmlns:a16="http://schemas.microsoft.com/office/drawing/2014/main" id="{1C35ABEA-854D-83DE-51F2-DADF3C02FAC8}"/>
+              </a:ext>
+            </a:extLst>
+          </p:cNvPr>
+          <p:cNvSpPr>
+            <a:spLocks noGrp="1"/>
+          </p:cNvSpPr>
+          <p:nvPr>
+            <p:ph type="title"/>
+          </p:nvPr>
+        </p:nvSpPr>
+        <p:spPr>
+          <a:xfrm>
+            <a:off x="1371597" y="348865"/>
+            <a:ext cx="10044023" cy="877729"/>
+          </a:xfrm>
+        </p:spPr>
+        <p:txBody>
+          <a:bodyPr anchor="ctr">
+            <a:normAutofit/>
+          </a:bodyPr>
+          <a:lstStyle/>
+          <a:p>
+            <a:r>
+              <a:rPr lang="en-US" sz="4000">
+                <a:solidFill>
+                  <a:srgbClr val="FFFFFF"/>
+                </a:solidFill>
+              </a:rPr>
+              <a:t>Large Language Models (LLMs)</a:t>
+            </a:r>
+          </a:p>
+        </p:txBody>
+      </p:sp>
+      <p:sp>
+        <p:nvSpPr>
+          <p:cNvPr id="3" name="Content Placeholder 2">
+            <a:extLst>
+              <a:ext uri="{FF2B5EF4-FFF2-40B4-BE49-F238E27FC236}">
+                <a16:creationId xmlns:a16="http://schemas.microsoft.com/office/drawing/2014/main" id="{77422B09-F0B6-BAF6-E73F-245F9AE54F58}"/>
+              </a:ext>
+            </a:extLst>
+          </p:cNvPr>
+          <p:cNvSpPr>
+            <a:spLocks/>
+          </p:cNvSpPr>
+          <p:nvPr/>
+        </p:nvSpPr>
+        <p:spPr>
+          <a:xfrm>
+            <a:off x="644056" y="2157976"/>
+            <a:ext cx="10762778" cy="859869"/>
+          </a:xfrm>
+          <a:prstGeom prst="rect">
+            <a:avLst/>
+          </a:prstGeom>
+        </p:spPr>
+        <p:txBody>
+          <a:bodyPr>
+            <a:normAutofit/>
+          </a:bodyPr>
+          <a:lstStyle/>
+          <a:p>
+            <a:pPr defTabSz="932688">
+              <a:spcAft>
+                <a:spcPts val="600"/>
+              </a:spcAft>
+            </a:pPr>
+            <a:r>
+              <a:rPr lang="en-HK" sz="2448" kern="1200">
+                <a:solidFill>
+                  <a:schemeClr val="tx1"/>
+                </a:solidFill>
+                <a:highlight>
+                  <a:srgbClr val="FFFFFF"/>
+                </a:highlight>
+                <a:latin typeface="75,Italic"/>
+                <a:ea typeface="+mn-ea"/>
+                <a:cs typeface="+mn-cs"/>
+              </a:rPr>
+              <a:t>LLMs are trained using language </a:t>
+            </a:r>
+            <a:r>
+              <a:rPr lang="en-HK" sz="2448" kern="1200" err="1">
+                <a:solidFill>
+                  <a:schemeClr val="tx1"/>
+                </a:solidFill>
+                <a:highlight>
+                  <a:srgbClr val="FFFFFF"/>
+                </a:highlight>
+                <a:latin typeface="75,Italic"/>
+                <a:ea typeface="+mn-ea"/>
+                <a:cs typeface="+mn-cs"/>
+              </a:rPr>
+              <a:t>modeling</a:t>
+            </a:r>
+            <a:r>
+              <a:rPr lang="en-HK" sz="2448" kern="1200">
+                <a:solidFill>
+                  <a:schemeClr val="tx1"/>
+                </a:solidFill>
+                <a:highlight>
+                  <a:srgbClr val="FFFFFF"/>
+                </a:highlight>
+                <a:latin typeface="75,Italic"/>
+                <a:ea typeface="+mn-ea"/>
+                <a:cs typeface="+mn-cs"/>
+              </a:rPr>
+              <a:t>, that is, predicting the next word in a sequence. They do so by assigning probabilities to a fixed vocabulary. </a:t>
+            </a:r>
+            <a:endParaRPr lang="en-HK" sz="2400">
+              <a:effectLst/>
+              <a:highlight>
+                <a:srgbClr val="FFFFFF"/>
+              </a:highlight>
+            </a:endParaRPr>
+          </a:p>
+        </p:txBody>
+      </p:sp>
+      <p:sp>
+        <p:nvSpPr>
+          <p:cNvPr id="6" name="Content Placeholder 2">
+            <a:extLst>
+              <a:ext uri="{FF2B5EF4-FFF2-40B4-BE49-F238E27FC236}">
+                <a16:creationId xmlns:a16="http://schemas.microsoft.com/office/drawing/2014/main" id="{82BB36AA-E65B-27A0-DD1F-E047CD3635B7}"/>
+              </a:ext>
+            </a:extLst>
+          </p:cNvPr>
+          <p:cNvSpPr txBox="1">
+            <a:spLocks/>
+          </p:cNvSpPr>
+          <p:nvPr/>
+        </p:nvSpPr>
+        <p:spPr>
+          <a:xfrm>
+            <a:off x="644056" y="3944631"/>
+            <a:ext cx="7220339" cy="1659237"/>
+          </a:xfrm>
+          <a:prstGeom prst="rect">
+            <a:avLst/>
+          </a:prstGeom>
+        </p:spPr>
+        <p:txBody>
+          <a:bodyPr vert="horz" lIns="91440" tIns="45720" rIns="91440" bIns="45720" rtlCol="0">
+            <a:noAutofit/>
+          </a:bodyPr>
+          <a:lstStyle>
+            <a:lvl1pPr marL="228600" indent="-228600" algn="l" defTabSz="914400" rtl="0" eaLnBrk="1" latinLnBrk="0" hangingPunct="1">
+              <a:lnSpc>
+                <a:spcPct val="90000"/>
+              </a:lnSpc>
+              <a:spcBef>
+                <a:spcPts val="1000"/>
+              </a:spcBef>
+              <a:buFont typeface="Arial" panose="020B0604020202020204" pitchFamily="34" charset="0"/>
+              <a:buChar char="•"/>
+              <a:defRPr sz="2800" kern="1200">
+                <a:solidFill>
+                  <a:schemeClr val="tx1"/>
+                </a:solidFill>
+                <a:latin typeface="+mn-lt"/>
+                <a:ea typeface="+mn-ea"/>
+                <a:cs typeface="+mn-cs"/>
+              </a:defRPr>
+            </a:lvl1pPr>
+            <a:lvl2pPr marL="685800" indent="-228600" algn="l" defTabSz="914400" rtl="0" eaLnBrk="1" latinLnBrk="0" hangingPunct="1">
+              <a:lnSpc>
+                <a:spcPct val="90000"/>
+              </a:lnSpc>
+              <a:spcBef>
+                <a:spcPts val="500"/>
+              </a:spcBef>
+              <a:buFont typeface="Arial" panose="020B0604020202020204" pitchFamily="34" charset="0"/>
+              <a:buChar char="•"/>
+              <a:defRPr sz="2400" kern="1200">
+                <a:solidFill>
+                  <a:schemeClr val="tx1"/>
+                </a:solidFill>
+                <a:latin typeface="+mn-lt"/>
+                <a:ea typeface="+mn-ea"/>
+                <a:cs typeface="+mn-cs"/>
+              </a:defRPr>
+            </a:lvl2pPr>
+            <a:lvl3pPr marL="1143000" indent="-228600" algn="l" defTabSz="914400" rtl="0" eaLnBrk="1" latinLnBrk="0" hangingPunct="1">
+              <a:lnSpc>
+                <a:spcPct val="90000"/>
+              </a:lnSpc>
+              <a:spcBef>
+                <a:spcPts val="500"/>
+              </a:spcBef>
+              <a:buFont typeface="Arial" panose="020B0604020202020204" pitchFamily="34" charset="0"/>
+              <a:buChar char="•"/>
+              <a:defRPr sz="2000" kern="1200">
+                <a:solidFill>
+                  <a:schemeClr val="tx1"/>
+                </a:solidFill>
+                <a:latin typeface="+mn-lt"/>
+                <a:ea typeface="+mn-ea"/>
+                <a:cs typeface="+mn-cs"/>
+              </a:defRPr>
+            </a:lvl3pPr>
+            <a:lvl4pPr marL="1600200" indent="-228600" algn="l" defTabSz="914400" rtl="0" eaLnBrk="1" latinLnBrk="0" hangingPunct="1">
+              <a:lnSpc>
+                <a:spcPct val="90000"/>
+              </a:lnSpc>
+              <a:spcBef>
+                <a:spcPts val="500"/>
+              </a:spcBef>
+              <a:buFont typeface="Arial" panose="020B0604020202020204" pitchFamily="34" charset="0"/>
+              <a:buChar char="•"/>
+              <a:defRPr sz="1800" kern="1200">
+                <a:solidFill>
+                  <a:schemeClr val="tx1"/>
+                </a:solidFill>
+                <a:latin typeface="+mn-lt"/>
+                <a:ea typeface="+mn-ea"/>
+                <a:cs typeface="+mn-cs"/>
+              </a:defRPr>
+            </a:lvl4pPr>
+            <a:lvl5pPr marL="2057400" indent="-228600" algn="l" defTabSz="914400" rtl="0" eaLnBrk="1" latinLnBrk="0" hangingPunct="1">
+              <a:lnSpc>
+                <a:spcPct val="90000"/>
+              </a:lnSpc>
+              <a:spcBef>
+                <a:spcPts val="500"/>
+              </a:spcBef>
+              <a:buFont typeface="Arial" panose="020B0604020202020204" pitchFamily="34" charset="0"/>
+              <a:buChar char="•"/>
+              <a:defRPr sz="1800" kern="1200">
+                <a:solidFill>
+                  <a:schemeClr val="tx1"/>
+                </a:solidFill>
+                <a:latin typeface="+mn-lt"/>
+                <a:ea typeface="+mn-ea"/>
+                <a:cs typeface="+mn-cs"/>
+              </a:defRPr>
+            </a:lvl5pPr>
+            <a:lvl6pPr marL="2514600" indent="-228600" algn="l" defTabSz="914400" rtl="0" eaLnBrk="1" latinLnBrk="0" hangingPunct="1">
+              <a:lnSpc>
+                <a:spcPct val="90000"/>
+              </a:lnSpc>
+              <a:spcBef>
+                <a:spcPts val="500"/>
+              </a:spcBef>
+              <a:buFont typeface="Arial" panose="020B0604020202020204" pitchFamily="34" charset="0"/>
+              <a:buChar char="•"/>
+              <a:defRPr sz="1800" kern="1200">
+                <a:solidFill>
+                  <a:schemeClr val="tx1"/>
+                </a:solidFill>
+                <a:latin typeface="+mn-lt"/>
+                <a:ea typeface="+mn-ea"/>
+                <a:cs typeface="+mn-cs"/>
+              </a:defRPr>
+            </a:lvl6pPr>
+            <a:lvl7pPr marL="2971800" indent="-228600" algn="l" defTabSz="914400" rtl="0" eaLnBrk="1" latinLnBrk="0" hangingPunct="1">
+              <a:lnSpc>
+                <a:spcPct val="90000"/>
+              </a:lnSpc>
+              <a:spcBef>
+                <a:spcPts val="500"/>
+              </a:spcBef>
+              <a:buFont typeface="Arial" panose="020B0604020202020204" pitchFamily="34" charset="0"/>
+              <a:buChar char="•"/>
+              <a:defRPr sz="1800" kern="1200">
+                <a:solidFill>
+                  <a:schemeClr val="tx1"/>
+                </a:solidFill>
+                <a:latin typeface="+mn-lt"/>
+                <a:ea typeface="+mn-ea"/>
+                <a:cs typeface="+mn-cs"/>
+              </a:defRPr>
+            </a:lvl7pPr>
+            <a:lvl8pPr marL="3429000" indent="-228600" algn="l" defTabSz="914400" rtl="0" eaLnBrk="1" latinLnBrk="0" hangingPunct="1">
+              <a:lnSpc>
+                <a:spcPct val="90000"/>
+              </a:lnSpc>
+              <a:spcBef>
+                <a:spcPts val="500"/>
+              </a:spcBef>
+              <a:buFont typeface="Arial" panose="020B0604020202020204" pitchFamily="34" charset="0"/>
+              <a:buChar char="•"/>
+              <a:defRPr sz="1800" kern="1200">
+                <a:solidFill>
+                  <a:schemeClr val="tx1"/>
+                </a:solidFill>
+                <a:latin typeface="+mn-lt"/>
+                <a:ea typeface="+mn-ea"/>
+                <a:cs typeface="+mn-cs"/>
+              </a:defRPr>
+            </a:lvl8pPr>
+            <a:lvl9pPr marL="3886200" indent="-228600" algn="l" defTabSz="914400" rtl="0" eaLnBrk="1" latinLnBrk="0" hangingPunct="1">
+              <a:lnSpc>
+                <a:spcPct val="90000"/>
+              </a:lnSpc>
+              <a:spcBef>
+                <a:spcPts val="500"/>
+              </a:spcBef>
+              <a:buFont typeface="Arial" panose="020B0604020202020204" pitchFamily="34" charset="0"/>
+              <a:buChar char="•"/>
+              <a:defRPr sz="1800" kern="1200">
+                <a:solidFill>
+                  <a:schemeClr val="tx1"/>
+                </a:solidFill>
+                <a:latin typeface="+mn-lt"/>
+                <a:ea typeface="+mn-ea"/>
+                <a:cs typeface="+mn-cs"/>
+              </a:defRPr>
+            </a:lvl9pPr>
+          </a:lstStyle>
+          <a:p>
+            <a:pPr marL="0" indent="0" defTabSz="932688">
+              <a:spcBef>
+                <a:spcPts val="1020"/>
+              </a:spcBef>
+              <a:buNone/>
+            </a:pPr>
+            <a:r>
+              <a:rPr lang="en-HK" sz="2448" kern="1200">
+                <a:solidFill>
+                  <a:schemeClr val="tx1"/>
+                </a:solidFill>
+                <a:highlight>
+                  <a:srgbClr val="FFFFFF"/>
+                </a:highlight>
+                <a:latin typeface="75,Italic"/>
+                <a:ea typeface="+mn-ea"/>
+                <a:cs typeface="+mn-cs"/>
+              </a:rPr>
+              <a:t>The movie is a </a:t>
+            </a:r>
+            <a:r>
+              <a:rPr lang="en-HK" sz="2448" kern="1200">
+                <a:solidFill>
+                  <a:schemeClr val="tx1"/>
+                </a:solidFill>
+                <a:highlight>
+                  <a:srgbClr val="FFFF00"/>
+                </a:highlight>
+                <a:latin typeface="75,Italic"/>
+                <a:ea typeface="+mn-ea"/>
+                <a:cs typeface="+mn-cs"/>
+              </a:rPr>
+              <a:t>visually</a:t>
+            </a:r>
+            <a:r>
+              <a:rPr lang="en-HK" sz="2448" kern="1200">
+                <a:solidFill>
+                  <a:schemeClr val="tx1"/>
+                </a:solidFill>
+                <a:highlight>
+                  <a:srgbClr val="FFFFFF"/>
+                </a:highlight>
+                <a:latin typeface="75,Italic"/>
+                <a:ea typeface="+mn-ea"/>
+                <a:cs typeface="+mn-cs"/>
+              </a:rPr>
+              <a:t> </a:t>
+            </a:r>
+            <a:r>
+              <a:rPr lang="en-HK" sz="2448" kern="1200">
+                <a:solidFill>
+                  <a:schemeClr val="tx1"/>
+                </a:solidFill>
+                <a:highlight>
+                  <a:srgbClr val="FFFF00"/>
+                </a:highlight>
+                <a:latin typeface="75,Italic"/>
+                <a:ea typeface="+mn-ea"/>
+                <a:cs typeface="+mn-cs"/>
+              </a:rPr>
+              <a:t>stunning</a:t>
+            </a:r>
+            <a:r>
+              <a:rPr lang="en-HK" sz="2448" kern="1200">
+                <a:solidFill>
+                  <a:schemeClr val="tx1"/>
+                </a:solidFill>
+                <a:highlight>
+                  <a:srgbClr val="FFFFFF"/>
+                </a:highlight>
+                <a:latin typeface="75,Italic"/>
+                <a:ea typeface="+mn-ea"/>
+                <a:cs typeface="+mn-cs"/>
+              </a:rPr>
+              <a:t>, action-packed, and </a:t>
+            </a:r>
+            <a:r>
+              <a:rPr lang="en-HK" sz="2448" kern="1200">
+                <a:solidFill>
+                  <a:schemeClr val="tx1"/>
+                </a:solidFill>
+                <a:highlight>
+                  <a:srgbClr val="FFFF00"/>
+                </a:highlight>
+                <a:latin typeface="75,Italic"/>
+                <a:ea typeface="+mn-ea"/>
+                <a:cs typeface="+mn-cs"/>
+              </a:rPr>
+              <a:t>emotionally</a:t>
+            </a:r>
+            <a:r>
+              <a:rPr lang="en-HK" sz="2448" kern="1200">
+                <a:solidFill>
+                  <a:schemeClr val="tx1"/>
+                </a:solidFill>
+                <a:highlight>
+                  <a:srgbClr val="FFFFFF"/>
+                </a:highlight>
+                <a:latin typeface="75,Italic"/>
+                <a:ea typeface="+mn-ea"/>
+                <a:cs typeface="+mn-cs"/>
+              </a:rPr>
+              <a:t> resonant </a:t>
+            </a:r>
+            <a:r>
+              <a:rPr lang="en-HK" sz="2448" kern="1200">
+                <a:solidFill>
+                  <a:schemeClr val="tx1"/>
+                </a:solidFill>
+                <a:highlight>
+                  <a:srgbClr val="FFFF00"/>
+                </a:highlight>
+                <a:latin typeface="75,Italic"/>
+                <a:ea typeface="+mn-ea"/>
+                <a:cs typeface="+mn-cs"/>
+              </a:rPr>
+              <a:t>thrill ride </a:t>
+            </a:r>
+            <a:r>
+              <a:rPr lang="en-HK" sz="2448" kern="1200">
+                <a:solidFill>
+                  <a:schemeClr val="tx1"/>
+                </a:solidFill>
+                <a:highlight>
+                  <a:srgbClr val="FFFFFF"/>
+                </a:highlight>
+                <a:latin typeface="75,Italic"/>
+                <a:ea typeface="+mn-ea"/>
+                <a:cs typeface="+mn-cs"/>
+              </a:rPr>
+              <a:t>that will leave you on the </a:t>
+            </a:r>
+            <a:r>
+              <a:rPr lang="en-HK" sz="2448" kern="1200">
+                <a:solidFill>
+                  <a:schemeClr val="tx1"/>
+                </a:solidFill>
+                <a:highlight>
+                  <a:srgbClr val="FFFF00"/>
+                </a:highlight>
+                <a:latin typeface="75,Italic"/>
+                <a:ea typeface="+mn-ea"/>
+                <a:cs typeface="+mn-cs"/>
+              </a:rPr>
+              <a:t>edge of your seat </a:t>
+            </a:r>
+            <a:r>
+              <a:rPr lang="en-HK" sz="2448" kern="1200">
+                <a:solidFill>
+                  <a:schemeClr val="tx1"/>
+                </a:solidFill>
+                <a:highlight>
+                  <a:srgbClr val="FFFFFF"/>
+                </a:highlight>
+                <a:latin typeface="75,Italic"/>
+                <a:ea typeface="+mn-ea"/>
+                <a:cs typeface="+mn-cs"/>
+              </a:rPr>
+              <a:t>from beginning to end. Overall, the experience was magical.</a:t>
+            </a:r>
+            <a:endParaRPr lang="en-HK" sz="2400">
+              <a:highlight>
+                <a:srgbClr val="FFFFFF"/>
+              </a:highlight>
+            </a:endParaRPr>
+          </a:p>
+        </p:txBody>
+      </p:sp>
+      <p:graphicFrame>
+        <p:nvGraphicFramePr>
+          <p:cNvPr id="7" name="Table 6">
+            <a:extLst>
+              <a:ext uri="{FF2B5EF4-FFF2-40B4-BE49-F238E27FC236}">
+                <a16:creationId xmlns:a16="http://schemas.microsoft.com/office/drawing/2014/main" id="{8F3498E3-BC59-0F1A-B562-95BD4AA5C3AC}"/>
+              </a:ext>
+            </a:extLst>
+          </p:cNvPr>
+          <p:cNvGraphicFramePr>
+            <a:graphicFrameLocks noGrp="1"/>
+          </p:cNvGraphicFramePr>
+          <p:nvPr>
+            <p:extLst>
+              <p:ext uri="{D42A27DB-BD31-4B8C-83A1-F6EECF244321}">
+                <p14:modId xmlns:p14="http://schemas.microsoft.com/office/powerpoint/2010/main" val="2129875657"/>
+              </p:ext>
+            </p:extLst>
+          </p:nvPr>
+        </p:nvGraphicFramePr>
+        <p:xfrm>
+          <a:off x="8513907" y="3514698"/>
+          <a:ext cx="2987748" cy="2682240"/>
+        </p:xfrm>
+        <a:graphic>
+          <a:graphicData uri="http://schemas.openxmlformats.org/drawingml/2006/table">
+            <a:tbl>
+              <a:tblPr firstRow="1" bandRow="1">
+                <a:tableStyleId>{2D5ABB26-0587-4C30-8999-92F81FD0307C}</a:tableStyleId>
+              </a:tblPr>
+              <a:tblGrid>
+                <a:gridCol w="1493874">
+                  <a:extLst>
+                    <a:ext uri="{9D8B030D-6E8A-4147-A177-3AD203B41FA5}">
+                      <a16:colId xmlns:a16="http://schemas.microsoft.com/office/drawing/2014/main" val="1416294304"/>
+                    </a:ext>
+                  </a:extLst>
+                </a:gridCol>
+                <a:gridCol w="1493874">
+                  <a:extLst>
+                    <a:ext uri="{9D8B030D-6E8A-4147-A177-3AD203B41FA5}">
+                      <a16:colId xmlns:a16="http://schemas.microsoft.com/office/drawing/2014/main" val="1070209701"/>
+                    </a:ext>
+                  </a:extLst>
+                </a:gridCol>
+              </a:tblGrid>
+              <a:tr h="370840">
+                <a:tc>
+                  <a:txBody>
+                    <a:bodyPr/>
+                    <a:lstStyle/>
+                    <a:p>
+                      <a:pPr algn="ctr"/>
+                      <a:r>
+                        <a:rPr lang="en-US" sz="1600" b="1" dirty="0"/>
+                        <a:t>Vocabulary</a:t>
+                      </a:r>
+                    </a:p>
+                  </a:txBody>
+                  <a:tcPr/>
+                </a:tc>
+                <a:tc>
+                  <a:txBody>
+                    <a:bodyPr/>
+                    <a:lstStyle/>
+                    <a:p>
+                      <a:endParaRPr lang="en-US" dirty="0"/>
+                    </a:p>
+                  </a:txBody>
+                  <a:tcPr/>
+                </a:tc>
+                <a:extLst>
+                  <a:ext uri="{0D108BD9-81ED-4DB2-BD59-A6C34878D82A}">
+                    <a16:rowId xmlns:a16="http://schemas.microsoft.com/office/drawing/2014/main" val="3690308509"/>
+                  </a:ext>
+                </a:extLst>
+              </a:tr>
+              <a:tr h="370840">
+                <a:tc>
+                  <a:txBody>
+                    <a:bodyPr/>
+                    <a:lstStyle/>
+                    <a:p>
+                      <a:pPr algn="ctr"/>
+                      <a:r>
+                        <a:rPr lang="en-US" dirty="0">
+                          <a:highlight>
+                            <a:srgbClr val="00FFFF"/>
+                          </a:highlight>
+                        </a:rPr>
+                        <a:t>positive</a:t>
+                      </a:r>
+                    </a:p>
+                  </a:txBody>
+                  <a:tcPr/>
+                </a:tc>
+                <a:tc>
+                  <a:txBody>
+                    <a:bodyPr/>
+                    <a:lstStyle/>
+                    <a:p>
+                      <a:r>
+                        <a:rPr lang="en-US" dirty="0"/>
+                        <a:t>p = .03</a:t>
+                      </a:r>
+                    </a:p>
+                  </a:txBody>
+                  <a:tcPr/>
+                </a:tc>
+                <a:extLst>
+                  <a:ext uri="{0D108BD9-81ED-4DB2-BD59-A6C34878D82A}">
+                    <a16:rowId xmlns:a16="http://schemas.microsoft.com/office/drawing/2014/main" val="4241478950"/>
+                  </a:ext>
+                </a:extLst>
+              </a:tr>
+              <a:tr h="370840">
+                <a:tc>
+                  <a:txBody>
+                    <a:bodyPr/>
+                    <a:lstStyle/>
+                    <a:p>
+                      <a:pPr algn="ctr"/>
+                      <a:r>
+                        <a:rPr lang="en-US" sz="1800" kern="1200" dirty="0">
+                          <a:solidFill>
+                            <a:schemeClr val="dk1"/>
+                          </a:solidFill>
+                          <a:highlight>
+                            <a:srgbClr val="FF00FF"/>
+                          </a:highlight>
+                        </a:rPr>
+                        <a:t>negative</a:t>
+                      </a:r>
+                      <a:endParaRPr lang="en-US" sz="1800" kern="1200" dirty="0">
+                        <a:solidFill>
+                          <a:schemeClr val="dk1"/>
+                        </a:solidFill>
+                        <a:highlight>
+                          <a:srgbClr val="FF00FF"/>
+                        </a:highlight>
+                        <a:latin typeface="+mn-lt"/>
+                        <a:ea typeface="+mn-ea"/>
+                        <a:cs typeface="+mn-cs"/>
+                      </a:endParaRPr>
+                    </a:p>
+                  </a:txBody>
+                  <a:tcPr/>
+                </a:tc>
+                <a:tc>
+                  <a:txBody>
+                    <a:bodyPr/>
+                    <a:lstStyle/>
+                    <a:p>
+                      <a:r>
+                        <a:rPr lang="en-US" dirty="0"/>
+                        <a:t>p = .00001</a:t>
+                      </a:r>
+                    </a:p>
+                  </a:txBody>
+                  <a:tcPr/>
+                </a:tc>
+                <a:extLst>
+                  <a:ext uri="{0D108BD9-81ED-4DB2-BD59-A6C34878D82A}">
+                    <a16:rowId xmlns:a16="http://schemas.microsoft.com/office/drawing/2014/main" val="3687603311"/>
+                  </a:ext>
+                </a:extLst>
+              </a:tr>
+              <a:tr h="370840">
+                <a:tc>
+                  <a:txBody>
+                    <a:bodyPr/>
+                    <a:lstStyle/>
+                    <a:p>
+                      <a:pPr algn="ctr"/>
+                      <a:endParaRPr lang="en-US" dirty="0"/>
+                    </a:p>
+                  </a:txBody>
+                  <a:tcPr/>
+                </a:tc>
+                <a:tc>
+                  <a:txBody>
+                    <a:bodyPr/>
+                    <a:lstStyle/>
+                    <a:p>
+                      <a:endParaRPr lang="en-US" dirty="0"/>
+                    </a:p>
+                  </a:txBody>
+                  <a:tcPr/>
+                </a:tc>
+                <a:extLst>
+                  <a:ext uri="{0D108BD9-81ED-4DB2-BD59-A6C34878D82A}">
+                    <a16:rowId xmlns:a16="http://schemas.microsoft.com/office/drawing/2014/main" val="1675224907"/>
+                  </a:ext>
+                </a:extLst>
+              </a:tr>
+              <a:tr h="370840">
+                <a:tc>
+                  <a:txBody>
+                    <a:bodyPr/>
+                    <a:lstStyle/>
+                    <a:p>
+                      <a:pPr algn="ctr"/>
+                      <a:r>
+                        <a:rPr lang="en-US" sz="2400" b="1" dirty="0"/>
+                        <a:t>…</a:t>
+                      </a:r>
+                    </a:p>
+                  </a:txBody>
+                  <a:tcPr/>
+                </a:tc>
+                <a:tc>
+                  <a:txBody>
+                    <a:bodyPr/>
+                    <a:lstStyle/>
+                    <a:p>
+                      <a:endParaRPr lang="en-US" dirty="0"/>
+                    </a:p>
+                  </a:txBody>
+                  <a:tcPr/>
+                </a:tc>
+                <a:extLst>
+                  <a:ext uri="{0D108BD9-81ED-4DB2-BD59-A6C34878D82A}">
+                    <a16:rowId xmlns:a16="http://schemas.microsoft.com/office/drawing/2014/main" val="3046032757"/>
+                  </a:ext>
+                </a:extLst>
+              </a:tr>
+              <a:tr h="370840">
+                <a:tc>
+                  <a:txBody>
+                    <a:bodyPr/>
+                    <a:lstStyle/>
+                    <a:p>
+                      <a:pPr algn="ctr"/>
+                      <a:endParaRPr lang="en-US" dirty="0"/>
+                    </a:p>
+                  </a:txBody>
+                  <a:tcPr/>
+                </a:tc>
+                <a:tc>
+                  <a:txBody>
+                    <a:bodyPr/>
+                    <a:lstStyle/>
+                    <a:p>
+                      <a:endParaRPr lang="en-US" dirty="0"/>
+                    </a:p>
+                  </a:txBody>
+                  <a:tcPr/>
+                </a:tc>
+                <a:extLst>
+                  <a:ext uri="{0D108BD9-81ED-4DB2-BD59-A6C34878D82A}">
+                    <a16:rowId xmlns:a16="http://schemas.microsoft.com/office/drawing/2014/main" val="304901379"/>
+                  </a:ext>
+                </a:extLst>
+              </a:tr>
+              <a:tr h="370840">
+                <a:tc>
+                  <a:txBody>
+                    <a:bodyPr/>
+                    <a:lstStyle/>
+                    <a:p>
+                      <a:pPr algn="ctr"/>
+                      <a:r>
+                        <a:rPr lang="en-US" dirty="0">
+                          <a:highlight>
+                            <a:srgbClr val="00FF00"/>
+                          </a:highlight>
+                        </a:rPr>
+                        <a:t>magical</a:t>
+                      </a:r>
+                    </a:p>
+                  </a:txBody>
+                  <a:tcPr/>
+                </a:tc>
+                <a:tc>
+                  <a:txBody>
+                    <a:bodyPr/>
+                    <a:lstStyle/>
+                    <a:p>
+                      <a:r>
+                        <a:rPr lang="en-US" dirty="0"/>
+                        <a:t>p = .83</a:t>
+                      </a:r>
+                    </a:p>
+                  </a:txBody>
+                  <a:tcPr/>
+                </a:tc>
+                <a:extLst>
+                  <a:ext uri="{0D108BD9-81ED-4DB2-BD59-A6C34878D82A}">
+                    <a16:rowId xmlns:a16="http://schemas.microsoft.com/office/drawing/2014/main" val="3080986445"/>
+                  </a:ext>
+                </a:extLst>
+              </a:tr>
+            </a:tbl>
+          </a:graphicData>
+        </a:graphic>
+      </p:graphicFrame>
+      <p:sp>
+        <p:nvSpPr>
+          <p:cNvPr id="4" name="Rectangle 3">
+            <a:extLst>
+              <a:ext uri="{FF2B5EF4-FFF2-40B4-BE49-F238E27FC236}">
+                <a16:creationId xmlns:a16="http://schemas.microsoft.com/office/drawing/2014/main" id="{E4E85C6D-AF33-B3CA-C0B4-4B23062A13A0}"/>
+              </a:ext>
+            </a:extLst>
+          </p:cNvPr>
+          <p:cNvSpPr/>
+          <p:nvPr/>
+        </p:nvSpPr>
+        <p:spPr>
+          <a:xfrm>
+            <a:off x="4440327" y="5227779"/>
+            <a:ext cx="1585118" cy="376089"/>
+          </a:xfrm>
+          <a:prstGeom prst="rect">
+            <a:avLst/>
+          </a:prstGeom>
+          <a:ln/>
+        </p:spPr>
+        <p:style>
+          <a:lnRef idx="1">
+            <a:schemeClr val="accent1"/>
+          </a:lnRef>
+          <a:fillRef idx="2">
+            <a:schemeClr val="accent1"/>
+          </a:fillRef>
+          <a:effectRef idx="1">
+            <a:schemeClr val="accent1"/>
+          </a:effectRef>
+          <a:fontRef idx="minor">
+            <a:schemeClr val="dk1"/>
+          </a:fontRef>
+        </p:style>
+        <p:txBody>
+          <a:bodyPr rtlCol="0" anchor="ctr"/>
+          <a:lstStyle/>
+          <a:p>
+            <a:pPr algn="ctr"/>
+            <a:endParaRPr lang="en-US"/>
+          </a:p>
+        </p:txBody>
+      </p:sp>
+      <p:cxnSp>
+        <p:nvCxnSpPr>
+          <p:cNvPr id="8" name="Straight Arrow Connector 7">
+            <a:extLst>
+              <a:ext uri="{FF2B5EF4-FFF2-40B4-BE49-F238E27FC236}">
+                <a16:creationId xmlns:a16="http://schemas.microsoft.com/office/drawing/2014/main" id="{507CB81A-6CA7-C2CC-DFBA-1DBB71543989}"/>
+              </a:ext>
+            </a:extLst>
+          </p:cNvPr>
+          <p:cNvCxnSpPr>
+            <a:cxnSpLocks/>
+            <a:stCxn id="4" idx="3"/>
+          </p:cNvCxnSpPr>
+          <p:nvPr/>
+        </p:nvCxnSpPr>
+        <p:spPr>
+          <a:xfrm>
+            <a:off x="6025445" y="5415824"/>
+            <a:ext cx="2866702" cy="583435"/>
+          </a:xfrm>
+          <a:prstGeom prst="straightConnector1">
+            <a:avLst/>
+          </a:prstGeom>
+          <a:ln w="38100">
+            <a:headEnd type="triangle"/>
+            <a:tailEnd type="triangle"/>
+          </a:ln>
+        </p:spPr>
+        <p:style>
+          <a:lnRef idx="2">
+            <a:schemeClr val="accent1"/>
+          </a:lnRef>
+          <a:fillRef idx="0">
+            <a:schemeClr val="accent1"/>
+          </a:fillRef>
+          <a:effectRef idx="1">
+            <a:schemeClr val="accent1"/>
+          </a:effectRef>
+          <a:fontRef idx="minor">
+            <a:schemeClr val="tx1"/>
+          </a:fontRef>
+        </p:style>
+      </p:cxnSp>
+      <p:sp>
+        <p:nvSpPr>
+          <p:cNvPr id="9" name="TextBox 8">
+            <a:extLst>
+              <a:ext uri="{FF2B5EF4-FFF2-40B4-BE49-F238E27FC236}">
+                <a16:creationId xmlns:a16="http://schemas.microsoft.com/office/drawing/2014/main" id="{83B98B89-FBD7-9704-267D-CBC3F0694795}"/>
+              </a:ext>
+            </a:extLst>
+          </p:cNvPr>
+          <p:cNvSpPr txBox="1"/>
+          <p:nvPr/>
+        </p:nvSpPr>
+        <p:spPr>
+          <a:xfrm>
+            <a:off x="6862248" y="5496290"/>
+            <a:ext cx="884602" cy="378013"/>
+          </a:xfrm>
+          <a:prstGeom prst="rect">
+            <a:avLst/>
+          </a:prstGeom>
+          <a:noFill/>
+        </p:spPr>
+        <p:txBody>
+          <a:bodyPr wrap="square" rtlCol="0">
+            <a:spAutoFit/>
+          </a:bodyPr>
+          <a:lstStyle/>
+          <a:p>
+            <a:pPr defTabSz="932688">
+              <a:spcAft>
+                <a:spcPts val="600"/>
+              </a:spcAft>
+            </a:pPr>
+            <a:r>
+              <a:rPr lang="en-US" sz="1836" kern="1200">
+                <a:solidFill>
+                  <a:schemeClr val="tx1"/>
+                </a:solidFill>
+                <a:highlight>
+                  <a:srgbClr val="C0C0C0"/>
+                </a:highlight>
+                <a:latin typeface="+mn-lt"/>
+                <a:ea typeface="+mn-ea"/>
+                <a:cs typeface="+mn-cs"/>
+              </a:rPr>
+              <a:t>match</a:t>
+            </a:r>
+            <a:endParaRPr lang="en-US">
+              <a:highlight>
+                <a:srgbClr val="C0C0C0"/>
+              </a:highlight>
+            </a:endParaRPr>
+          </a:p>
+        </p:txBody>
+      </p:sp>
+    </p:spTree>
+    <p:extLst>
+      <p:ext uri="{BB962C8B-B14F-4D97-AF65-F5344CB8AC3E}">
+        <p14:creationId xmlns:p14="http://schemas.microsoft.com/office/powerpoint/2010/main" val="525633183"/>
+      </p:ext>
+    </p:extLst>
+  </p:cSld>
+  <p:clrMapOvr>
+    <a:masterClrMapping/>
+  </p:clrMapOvr>
+</p:sld>
+</file>
+
+<file path=ppt/slides/slide6.xml><?xml version="1.0" encoding="utf-8"?>
+<p:sld xmlns:a="http://schemas.openxmlformats.org/drawingml/2006/main" xmlns:r="http://schemas.openxmlformats.org/officeDocument/2006/relationships" xmlns:p="http://schemas.openxmlformats.org/presentationml/2006/main">
+  <p:cSld>
+    <p:bg>
+      <p:bgPr>
+        <a:solidFill>
+          <a:schemeClr val="bg1"/>
+        </a:solidFill>
+        <a:effectLst/>
+      </p:bgPr>
+    </p:bg>
+    <p:spTree>
+      <p:nvGrpSpPr>
+        <p:cNvPr id="1" name=""/>
+        <p:cNvGrpSpPr/>
+        <p:nvPr/>
+      </p:nvGrpSpPr>
+      <p:grpSpPr>
+        <a:xfrm>
+          <a:off x="0" y="0"/>
+          <a:ext cx="0" cy="0"/>
+          <a:chOff x="0" y="0"/>
+          <a:chExt cx="0" cy="0"/>
+        </a:xfrm>
+      </p:grpSpPr>
+      <p:sp useBgFill="1">
+        <p:nvSpPr>
+          <p:cNvPr id="46" name="Rectangle 45">
+            <a:extLst>
+              <a:ext uri="{FF2B5EF4-FFF2-40B4-BE49-F238E27FC236}">
+                <a16:creationId xmlns:a16="http://schemas.microsoft.com/office/drawing/2014/main" id="{BACC6370-2D7E-4714-9D71-7542949D7D5D}"/>
+              </a:ext>
+              <a:ext uri="{C183D7F6-B498-43B3-948B-1728B52AA6E4}">
+                <adec:decorative xmlns:adec="http://schemas.microsoft.com/office/drawing/2017/decorative" val="1"/>
+              </a:ext>
+            </a:extLst>
+          </p:cNvPr>
+          <p:cNvSpPr>
+            <a:spLocks noGrp="1" noRot="1" noChangeAspect="1" noMove="1" noResize="1" noEditPoints="1" noAdjustHandles="1" noChangeArrowheads="1" noChangeShapeType="1" noTextEdit="1"/>
+          </p:cNvSpPr>
+          <p:nvPr>
+            <p:extLst>
+              <p:ext uri="{386F3935-93C4-4BCD-93E2-E3B085C9AB24}">
+                <p16:designElem xmlns:p16="http://schemas.microsoft.com/office/powerpoint/2015/main" val="1"/>
+              </p:ext>
+            </p:extLst>
+          </p:nvPr>
+        </p:nvSpPr>
+        <p:spPr>
+          <a:xfrm>
+            <a:off x="0" y="0"/>
+            <a:ext cx="12192000" cy="6858000"/>
+          </a:xfrm>
+          <a:prstGeom prst="rect">
+            <a:avLst/>
+          </a:prstGeom>
+          <a:ln w="12700" cap="flat" cmpd="sng" algn="ctr">
+            <a:noFill/>
+            <a:prstDash val="solid"/>
+            <a:miter lim="800000"/>
+          </a:ln>
+          <a:effectLst/>
+          <a:extLst>
+            <a:ext uri="{91240B29-F687-4F45-9708-019B960494DF}">
+              <a14:hiddenLine xmlns:a14="http://schemas.microsoft.com/office/drawing/2010/main" w="12700" cap="flat" cmpd="sng" algn="ctr">
+                <a:solidFill>
+                  <a:schemeClr val="accent1">
+                    <a:shade val="50000"/>
+                  </a:schemeClr>
+                </a:solidFill>
+                <a:prstDash val="solid"/>
+                <a:miter lim="800000"/>
+              </a14:hiddenLine>
+            </a:ext>
+          </a:extLst>
+        </p:spPr>
+        <p:style>
+          <a:lnRef idx="2">
+            <a:schemeClr val="accent1">
+              <a:shade val="50000"/>
+            </a:schemeClr>
+          </a:lnRef>
+          <a:fillRef idx="1">
+            <a:schemeClr val="accent1"/>
+          </a:fillRef>
+          <a:effectRef idx="0">
+            <a:schemeClr val="accent1"/>
+          </a:effectRef>
+          <a:fontRef idx="minor">
+            <a:schemeClr val="lt1"/>
+          </a:fontRef>
+        </p:style>
+        <p:txBody>
+          <a:bodyPr rtlCol="0" anchor="ctr"/>
+          <a:lstStyle/>
+          <a:p>
+            <a:pPr algn="ctr"/>
+            <a:endParaRPr lang="en-US"/>
+          </a:p>
+        </p:txBody>
+      </p:sp>
+      <p:sp>
+        <p:nvSpPr>
+          <p:cNvPr id="48" name="Rectangle 47">
+            <a:extLst>
+              <a:ext uri="{FF2B5EF4-FFF2-40B4-BE49-F238E27FC236}">
+                <a16:creationId xmlns:a16="http://schemas.microsoft.com/office/drawing/2014/main" id="{F68B3F68-107C-434F-AA38-110D5EA91B85}"/>
+              </a:ext>
+              <a:ext uri="{C183D7F6-B498-43B3-948B-1728B52AA6E4}">
+                <adec:decorative xmlns:adec="http://schemas.microsoft.com/office/drawing/2017/decorative" val="1"/>
+              </a:ext>
+            </a:extLst>
+          </p:cNvPr>
+          <p:cNvSpPr>
+            <a:spLocks noGrp="1" noRot="1" noChangeAspect="1" noMove="1" noResize="1" noEditPoints="1" noAdjustHandles="1" noChangeArrowheads="1" noChangeShapeType="1" noTextEdit="1"/>
+          </p:cNvSpPr>
+          <p:nvPr>
+            <p:extLst>
+              <p:ext uri="{386F3935-93C4-4BCD-93E2-E3B085C9AB24}">
+                <p16:designElem xmlns:p16="http://schemas.microsoft.com/office/powerpoint/2015/main" val="1"/>
+              </p:ext>
+            </p:extLst>
+          </p:nvPr>
+        </p:nvSpPr>
+        <p:spPr>
+          <a:xfrm flipH="1">
+            <a:off x="2" y="0"/>
+            <a:ext cx="12191998" cy="2170031"/>
+          </a:xfrm>
+          <a:prstGeom prst="rect">
+            <a:avLst/>
+          </a:prstGeom>
+          <a:gradFill>
+            <a:gsLst>
+              <a:gs pos="0">
+                <a:srgbClr val="000000">
+                  <a:alpha val="96000"/>
+                </a:srgbClr>
+              </a:gs>
+              <a:gs pos="100000">
+                <a:schemeClr val="accent1">
+                  <a:lumMod val="75000"/>
+                </a:schemeClr>
+              </a:gs>
+            </a:gsLst>
+            <a:lin ang="19800000" scaled="0"/>
+          </a:gradFill>
+          <a:ln>
+            <a:noFill/>
+          </a:ln>
+        </p:spPr>
+        <p:style>
+          <a:lnRef idx="2">
+            <a:schemeClr val="accent1">
+              <a:shade val="50000"/>
+            </a:schemeClr>
+          </a:lnRef>
+          <a:fillRef idx="1">
+            <a:schemeClr val="accent1"/>
+          </a:fillRef>
+          <a:effectRef idx="0">
+            <a:schemeClr val="accent1"/>
+          </a:effectRef>
+          <a:fontRef idx="minor">
+            <a:schemeClr val="lt1"/>
+          </a:fontRef>
+        </p:style>
+        <p:txBody>
+          <a:bodyPr rtlCol="0" anchor="ctr"/>
+          <a:lstStyle/>
+          <a:p>
+            <a:pPr algn="ctr"/>
+            <a:endParaRPr lang="en-US"/>
+          </a:p>
+        </p:txBody>
+      </p:sp>
+      <p:sp>
+        <p:nvSpPr>
+          <p:cNvPr id="50" name="Rectangle 49">
+            <a:extLst>
+              <a:ext uri="{FF2B5EF4-FFF2-40B4-BE49-F238E27FC236}">
+                <a16:creationId xmlns:a16="http://schemas.microsoft.com/office/drawing/2014/main" id="{AAD0DBB9-1A4B-4391-81D4-CB19F9AB918A}"/>
+              </a:ext>
+              <a:ext uri="{C183D7F6-B498-43B3-948B-1728B52AA6E4}">
+                <adec:decorative xmlns:adec="http://schemas.microsoft.com/office/drawing/2017/decorative" val="1"/>
+              </a:ext>
+            </a:extLst>
+          </p:cNvPr>
+          <p:cNvSpPr>
+            <a:spLocks noGrp="1" noRot="1" noChangeAspect="1" noMove="1" noResize="1" noEditPoints="1" noAdjustHandles="1" noChangeArrowheads="1" noChangeShapeType="1" noTextEdit="1"/>
+          </p:cNvSpPr>
+          <p:nvPr>
+            <p:extLst>
+              <p:ext uri="{386F3935-93C4-4BCD-93E2-E3B085C9AB24}">
+                <p16:designElem xmlns:p16="http://schemas.microsoft.com/office/powerpoint/2015/main" val="1"/>
+              </p:ext>
+            </p:extLst>
+          </p:nvPr>
+        </p:nvSpPr>
+        <p:spPr>
+          <a:xfrm flipH="1">
+            <a:off x="8082819" y="0"/>
+            <a:ext cx="4097211" cy="2170661"/>
+          </a:xfrm>
+          <a:prstGeom prst="rect">
+            <a:avLst/>
+          </a:prstGeom>
+          <a:gradFill>
+            <a:gsLst>
+              <a:gs pos="19000">
+                <a:schemeClr val="accent1">
+                  <a:lumMod val="50000"/>
+                  <a:alpha val="68000"/>
+                </a:schemeClr>
+              </a:gs>
+              <a:gs pos="100000">
+                <a:schemeClr val="accent1">
+                  <a:alpha val="48000"/>
+                </a:schemeClr>
+              </a:gs>
+            </a:gsLst>
+            <a:lin ang="19200000" scaled="0"/>
+          </a:gradFill>
+          <a:ln>
+            <a:noFill/>
+          </a:ln>
+        </p:spPr>
+        <p:style>
+          <a:lnRef idx="2">
+            <a:schemeClr val="accent1">
+              <a:shade val="50000"/>
+            </a:schemeClr>
+          </a:lnRef>
+          <a:fillRef idx="1">
+            <a:schemeClr val="accent1"/>
+          </a:fillRef>
+          <a:effectRef idx="0">
+            <a:schemeClr val="accent1"/>
+          </a:effectRef>
+          <a:fontRef idx="minor">
+            <a:schemeClr val="lt1"/>
+          </a:fontRef>
+        </p:style>
+        <p:txBody>
+          <a:bodyPr rtlCol="0" anchor="ctr"/>
+          <a:lstStyle/>
+          <a:p>
+            <a:pPr algn="ctr"/>
+            <a:endParaRPr lang="en-US"/>
+          </a:p>
+        </p:txBody>
+      </p:sp>
+      <p:sp>
+        <p:nvSpPr>
+          <p:cNvPr id="52" name="Rectangle 51">
+            <a:extLst>
+              <a:ext uri="{FF2B5EF4-FFF2-40B4-BE49-F238E27FC236}">
+                <a16:creationId xmlns:a16="http://schemas.microsoft.com/office/drawing/2014/main" id="{063BBA22-50EA-4C4D-BE05-F1CE4E63AA56}"/>
+              </a:ext>
+              <a:ext uri="{C183D7F6-B498-43B3-948B-1728B52AA6E4}">
+                <adec:decorative xmlns:adec="http://schemas.microsoft.com/office/drawing/2017/decorative" val="1"/>
+              </a:ext>
+            </a:extLst>
+          </p:cNvPr>
+          <p:cNvSpPr>
+            <a:spLocks noGrp="1" noRot="1" noChangeAspect="1" noMove="1" noResize="1" noEditPoints="1" noAdjustHandles="1" noChangeArrowheads="1" noChangeShapeType="1" noTextEdit="1"/>
+          </p:cNvSpPr>
+          <p:nvPr>
+            <p:extLst>
+              <p:ext uri="{386F3935-93C4-4BCD-93E2-E3B085C9AB24}">
+                <p16:designElem xmlns:p16="http://schemas.microsoft.com/office/powerpoint/2015/main" val="1"/>
+              </p:ext>
+            </p:extLst>
+          </p:nvPr>
+        </p:nvSpPr>
+        <p:spPr>
+          <a:xfrm rot="16200000" flipH="1">
+            <a:off x="5010646" y="-5010043"/>
+            <a:ext cx="2170709" cy="12192000"/>
+          </a:xfrm>
+          <a:prstGeom prst="rect">
+            <a:avLst/>
+          </a:prstGeom>
+          <a:gradFill>
+            <a:gsLst>
+              <a:gs pos="23000">
+                <a:schemeClr val="accent1">
+                  <a:lumMod val="75000"/>
+                  <a:alpha val="16000"/>
+                </a:schemeClr>
+              </a:gs>
+              <a:gs pos="99000">
+                <a:srgbClr val="000000">
+                  <a:alpha val="45000"/>
+                </a:srgbClr>
+              </a:gs>
+            </a:gsLst>
+            <a:lin ang="21000000" scaled="0"/>
+          </a:gradFill>
+          <a:ln>
+            <a:noFill/>
+          </a:ln>
+        </p:spPr>
+        <p:style>
+          <a:lnRef idx="2">
+            <a:schemeClr val="accent1">
+              <a:shade val="50000"/>
+            </a:schemeClr>
+          </a:lnRef>
+          <a:fillRef idx="1">
+            <a:schemeClr val="accent1"/>
+          </a:fillRef>
+          <a:effectRef idx="0">
+            <a:schemeClr val="accent1"/>
+          </a:effectRef>
+          <a:fontRef idx="minor">
+            <a:schemeClr val="lt1"/>
+          </a:fontRef>
+        </p:style>
+        <p:txBody>
+          <a:bodyPr rtlCol="0" anchor="ctr"/>
+          <a:lstStyle/>
+          <a:p>
+            <a:pPr algn="ctr"/>
+            <a:endParaRPr lang="en-US" dirty="0"/>
+          </a:p>
+        </p:txBody>
+      </p:sp>
+      <p:sp>
+        <p:nvSpPr>
+          <p:cNvPr id="4" name="Title 1">
+            <a:extLst>
+              <a:ext uri="{FF2B5EF4-FFF2-40B4-BE49-F238E27FC236}">
+                <a16:creationId xmlns:a16="http://schemas.microsoft.com/office/drawing/2014/main" id="{5DF33BB5-6067-4EE4-83BA-5D56B8F7690B}"/>
+              </a:ext>
+            </a:extLst>
+          </p:cNvPr>
+          <p:cNvSpPr>
+            <a:spLocks noGrp="1"/>
+          </p:cNvSpPr>
+          <p:nvPr>
+            <p:ph type="title"/>
+          </p:nvPr>
+        </p:nvSpPr>
+        <p:spPr>
+          <a:xfrm>
+            <a:off x="1383564" y="348865"/>
+            <a:ext cx="9718111" cy="1576446"/>
+          </a:xfrm>
+        </p:spPr>
+        <p:txBody>
+          <a:bodyPr anchor="ctr">
+            <a:normAutofit/>
+          </a:bodyPr>
+          <a:lstStyle/>
+          <a:p>
+            <a:r>
+              <a:rPr lang="en-US" sz="4000" dirty="0">
+                <a:solidFill>
+                  <a:srgbClr val="FFFFFF"/>
+                </a:solidFill>
+                <a:latin typeface=""/>
+                <a:cs typeface="Arial" panose="020B0604020202020204" pitchFamily="34" charset="0"/>
+              </a:rPr>
+              <a:t>Large Language Models (LLMs)</a:t>
+            </a:r>
+          </a:p>
+        </p:txBody>
+      </p:sp>
+      <p:sp>
+        <p:nvSpPr>
+          <p:cNvPr id="6" name="TextBox 5">
+            <a:extLst>
+              <a:ext uri="{FF2B5EF4-FFF2-40B4-BE49-F238E27FC236}">
+                <a16:creationId xmlns:a16="http://schemas.microsoft.com/office/drawing/2014/main" id="{26AEDC79-C758-77DE-3829-C0D44B2BBA14}"/>
+              </a:ext>
+            </a:extLst>
+          </p:cNvPr>
+          <p:cNvSpPr txBox="1"/>
+          <p:nvPr/>
+        </p:nvSpPr>
+        <p:spPr>
+          <a:xfrm>
+            <a:off x="1341421" y="2273574"/>
+            <a:ext cx="6652500" cy="1640577"/>
+          </a:xfrm>
+          <a:prstGeom prst="rect">
+            <a:avLst/>
+          </a:prstGeom>
+          <a:noFill/>
+        </p:spPr>
+        <p:txBody>
+          <a:bodyPr wrap="square">
+            <a:spAutoFit/>
+          </a:bodyPr>
+          <a:lstStyle/>
+          <a:p>
+            <a:pPr defTabSz="576072">
+              <a:spcAft>
+                <a:spcPts val="600"/>
+              </a:spcAft>
+            </a:pPr>
+            <a:r>
+              <a:rPr lang="en-HK" sz="1512" kern="1200" dirty="0">
+                <a:solidFill>
+                  <a:schemeClr val="tx1"/>
+                </a:solidFill>
+                <a:highlight>
+                  <a:srgbClr val="FFFFFF"/>
+                </a:highlight>
+                <a:latin typeface=""/>
+                <a:ea typeface="+mn-ea"/>
+                <a:cs typeface="Arial" panose="020B0604020202020204" pitchFamily="34" charset="0"/>
+              </a:rPr>
+              <a:t>During inference, the LLM predicts the next word in the input sequence.</a:t>
+            </a:r>
+          </a:p>
+          <a:p>
+            <a:pPr defTabSz="576072">
+              <a:spcAft>
+                <a:spcPts val="600"/>
+              </a:spcAft>
+            </a:pPr>
+            <a:endParaRPr lang="en-HK" sz="1512" kern="1200" dirty="0">
+              <a:solidFill>
+                <a:schemeClr val="tx1"/>
+              </a:solidFill>
+              <a:highlight>
+                <a:srgbClr val="FFFFFF"/>
+              </a:highlight>
+              <a:latin typeface=""/>
+              <a:ea typeface="+mn-ea"/>
+              <a:cs typeface="Arial" panose="020B0604020202020204" pitchFamily="34" charset="0"/>
+            </a:endParaRPr>
+          </a:p>
+          <a:p>
+            <a:pPr defTabSz="576072">
+              <a:spcAft>
+                <a:spcPts val="600"/>
+              </a:spcAft>
+            </a:pPr>
+            <a:r>
+              <a:rPr lang="en-HK" sz="1134" kern="1200" dirty="0">
+                <a:solidFill>
+                  <a:srgbClr val="005E6C"/>
+                </a:solidFill>
+                <a:highlight>
+                  <a:srgbClr val="FFFFFF"/>
+                </a:highlight>
+                <a:latin typeface=""/>
+                <a:ea typeface="+mn-ea"/>
+                <a:cs typeface="Arial" panose="020B0604020202020204" pitchFamily="34" charset="0"/>
+              </a:rPr>
+              <a:t>Input word = prompt </a:t>
+            </a:r>
+            <a:endParaRPr lang="en-HK" sz="1134" kern="1200" dirty="0">
+              <a:solidFill>
+                <a:schemeClr val="tx1"/>
+              </a:solidFill>
+              <a:highlight>
+                <a:srgbClr val="FFFFFF"/>
+              </a:highlight>
+              <a:latin typeface=""/>
+              <a:ea typeface="+mn-ea"/>
+              <a:cs typeface="Arial" panose="020B0604020202020204" pitchFamily="34" charset="0"/>
+            </a:endParaRPr>
+          </a:p>
+          <a:p>
+            <a:pPr defTabSz="576072">
+              <a:spcAft>
+                <a:spcPts val="600"/>
+              </a:spcAft>
+            </a:pPr>
+            <a:r>
+              <a:rPr lang="en-HK" sz="1134" kern="1200" dirty="0">
+                <a:solidFill>
+                  <a:schemeClr val="tx1"/>
+                </a:solidFill>
+                <a:highlight>
+                  <a:srgbClr val="FFFFFF"/>
+                </a:highlight>
+                <a:latin typeface=""/>
+                <a:ea typeface="+mn-ea"/>
+                <a:cs typeface="Arial" panose="020B0604020202020204" pitchFamily="34" charset="0"/>
+              </a:rPr>
+              <a:t>The </a:t>
+            </a:r>
+          </a:p>
+          <a:p>
+            <a:pPr defTabSz="576072">
+              <a:spcAft>
+                <a:spcPts val="600"/>
+              </a:spcAft>
+            </a:pPr>
+            <a:endParaRPr lang="en-HK" sz="1134" kern="1200" dirty="0">
+              <a:solidFill>
+                <a:schemeClr val="tx1"/>
+              </a:solidFill>
+              <a:highlight>
+                <a:srgbClr val="FFFFFF"/>
+              </a:highlight>
+              <a:latin typeface=""/>
+              <a:ea typeface="+mn-ea"/>
+              <a:cs typeface="Arial" panose="020B0604020202020204" pitchFamily="34" charset="0"/>
+            </a:endParaRPr>
+          </a:p>
+          <a:p>
+            <a:pPr defTabSz="576072">
+              <a:spcAft>
+                <a:spcPts val="600"/>
+              </a:spcAft>
+            </a:pPr>
+            <a:r>
+              <a:rPr lang="en-HK" sz="1134" kern="1200" dirty="0">
+                <a:solidFill>
+                  <a:srgbClr val="005E6C"/>
+                </a:solidFill>
+                <a:highlight>
+                  <a:srgbClr val="FFFFFF"/>
+                </a:highlight>
+                <a:latin typeface=""/>
+                <a:ea typeface="+mn-ea"/>
+                <a:cs typeface="Arial" panose="020B0604020202020204" pitchFamily="34" charset="0"/>
+              </a:rPr>
+              <a:t>Output, word-by-word </a:t>
+            </a:r>
+            <a:r>
+              <a:rPr lang="en-HK" sz="1134" kern="1200" dirty="0">
+                <a:solidFill>
+                  <a:srgbClr val="555555"/>
+                </a:solidFill>
+                <a:highlight>
+                  <a:srgbClr val="FFFFFF"/>
+                </a:highlight>
+                <a:latin typeface=""/>
+                <a:ea typeface="+mn-ea"/>
+                <a:cs typeface="Arial" panose="020B0604020202020204" pitchFamily="34" charset="0"/>
+              </a:rPr>
+              <a:t>awesome. Overall, the experience was positive. </a:t>
+            </a:r>
+            <a:endParaRPr lang="en-HK" dirty="0">
+              <a:effectLst/>
+              <a:highlight>
+                <a:srgbClr val="FFFFFF"/>
+              </a:highlight>
+              <a:latin typeface=""/>
+              <a:cs typeface="Arial" panose="020B0604020202020204" pitchFamily="34" charset="0"/>
+            </a:endParaRPr>
+          </a:p>
+        </p:txBody>
+      </p:sp>
+      <p:sp>
+        <p:nvSpPr>
+          <p:cNvPr id="10" name="TextBox 9">
+            <a:extLst>
+              <a:ext uri="{FF2B5EF4-FFF2-40B4-BE49-F238E27FC236}">
+                <a16:creationId xmlns:a16="http://schemas.microsoft.com/office/drawing/2014/main" id="{A1CB83CC-91F3-CAC3-CEFC-6F3D66DEB329}"/>
+              </a:ext>
+            </a:extLst>
+          </p:cNvPr>
+          <p:cNvSpPr txBox="1"/>
+          <p:nvPr/>
+        </p:nvSpPr>
+        <p:spPr>
+          <a:xfrm>
+            <a:off x="1361904" y="5576850"/>
+            <a:ext cx="3852566" cy="266868"/>
+          </a:xfrm>
+          <a:prstGeom prst="rect">
+            <a:avLst/>
+          </a:prstGeom>
+          <a:noFill/>
+        </p:spPr>
+        <p:txBody>
+          <a:bodyPr wrap="square">
+            <a:spAutoFit/>
+          </a:bodyPr>
+          <a:lstStyle/>
+          <a:p>
+            <a:pPr defTabSz="576072">
+              <a:spcAft>
+                <a:spcPts val="600"/>
+              </a:spcAft>
+            </a:pPr>
+            <a:r>
+              <a:rPr lang="en-HK" sz="1134" kern="1200">
+                <a:solidFill>
+                  <a:schemeClr val="tx1"/>
+                </a:solidFill>
+                <a:highlight>
+                  <a:srgbClr val="FFFFFF"/>
+                </a:highlight>
+                <a:latin typeface=""/>
+                <a:ea typeface="+mn-ea"/>
+                <a:cs typeface="Arial" panose="020B0604020202020204" pitchFamily="34" charset="0"/>
+              </a:rPr>
+              <a:t>The movie was awesome. Overall, the </a:t>
+            </a:r>
+            <a:endParaRPr lang="en-HK">
+              <a:effectLst/>
+              <a:highlight>
+                <a:srgbClr val="FFFFFF"/>
+              </a:highlight>
+              <a:latin typeface=""/>
+              <a:cs typeface="Arial" panose="020B0604020202020204" pitchFamily="34" charset="0"/>
+            </a:endParaRPr>
+          </a:p>
+        </p:txBody>
+      </p:sp>
+      <p:sp>
+        <p:nvSpPr>
+          <p:cNvPr id="12" name="TextBox 11">
+            <a:extLst>
+              <a:ext uri="{FF2B5EF4-FFF2-40B4-BE49-F238E27FC236}">
+                <a16:creationId xmlns:a16="http://schemas.microsoft.com/office/drawing/2014/main" id="{A120E025-6535-2213-A1DC-73B5CBE8B4BA}"/>
+              </a:ext>
+            </a:extLst>
+          </p:cNvPr>
+          <p:cNvSpPr txBox="1"/>
+          <p:nvPr/>
+        </p:nvSpPr>
+        <p:spPr>
+          <a:xfrm>
+            <a:off x="1347362" y="5256836"/>
+            <a:ext cx="3852566" cy="266868"/>
+          </a:xfrm>
+          <a:prstGeom prst="rect">
+            <a:avLst/>
+          </a:prstGeom>
+          <a:noFill/>
+        </p:spPr>
+        <p:txBody>
+          <a:bodyPr wrap="square">
+            <a:spAutoFit/>
+          </a:bodyPr>
+          <a:lstStyle/>
+          <a:p>
+            <a:pPr defTabSz="576072">
+              <a:spcAft>
+                <a:spcPts val="600"/>
+              </a:spcAft>
+            </a:pPr>
+            <a:r>
+              <a:rPr lang="en-HK" sz="1134" kern="1200">
+                <a:solidFill>
+                  <a:schemeClr val="tx1"/>
+                </a:solidFill>
+                <a:highlight>
+                  <a:srgbClr val="FFFFFF"/>
+                </a:highlight>
+                <a:latin typeface=""/>
+                <a:ea typeface="+mn-ea"/>
+                <a:cs typeface="Arial" panose="020B0604020202020204" pitchFamily="34" charset="0"/>
+              </a:rPr>
+              <a:t>The movie was awesome. Overall, </a:t>
+            </a:r>
+            <a:endParaRPr lang="en-HK">
+              <a:effectLst/>
+              <a:highlight>
+                <a:srgbClr val="FFFFFF"/>
+              </a:highlight>
+              <a:latin typeface=""/>
+              <a:cs typeface="Arial" panose="020B0604020202020204" pitchFamily="34" charset="0"/>
+            </a:endParaRPr>
+          </a:p>
+        </p:txBody>
+      </p:sp>
+      <p:sp>
+        <p:nvSpPr>
+          <p:cNvPr id="14" name="TextBox 13">
+            <a:extLst>
+              <a:ext uri="{FF2B5EF4-FFF2-40B4-BE49-F238E27FC236}">
+                <a16:creationId xmlns:a16="http://schemas.microsoft.com/office/drawing/2014/main" id="{3DEEB817-B72E-7D66-D9BA-D7F388640BA2}"/>
+              </a:ext>
+            </a:extLst>
+          </p:cNvPr>
+          <p:cNvSpPr txBox="1"/>
+          <p:nvPr/>
+        </p:nvSpPr>
+        <p:spPr>
+          <a:xfrm>
+            <a:off x="1361904" y="4936293"/>
+            <a:ext cx="3852566" cy="266868"/>
+          </a:xfrm>
+          <a:prstGeom prst="rect">
+            <a:avLst/>
+          </a:prstGeom>
+          <a:noFill/>
+        </p:spPr>
+        <p:txBody>
+          <a:bodyPr wrap="square">
+            <a:spAutoFit/>
+          </a:bodyPr>
+          <a:lstStyle/>
+          <a:p>
+            <a:pPr defTabSz="576072">
+              <a:spcAft>
+                <a:spcPts val="600"/>
+              </a:spcAft>
+            </a:pPr>
+            <a:r>
+              <a:rPr lang="en-HK" sz="1134" kern="1200">
+                <a:solidFill>
+                  <a:schemeClr val="tx1"/>
+                </a:solidFill>
+                <a:highlight>
+                  <a:srgbClr val="FFFFFF"/>
+                </a:highlight>
+                <a:latin typeface=""/>
+                <a:ea typeface="+mn-ea"/>
+                <a:cs typeface="Arial" panose="020B0604020202020204" pitchFamily="34" charset="0"/>
+              </a:rPr>
+              <a:t>The movie was awesome. </a:t>
+            </a:r>
+            <a:endParaRPr lang="en-HK">
+              <a:effectLst/>
+              <a:highlight>
+                <a:srgbClr val="FFFFFF"/>
+              </a:highlight>
+              <a:latin typeface=""/>
+              <a:cs typeface="Arial" panose="020B0604020202020204" pitchFamily="34" charset="0"/>
+            </a:endParaRPr>
+          </a:p>
+        </p:txBody>
+      </p:sp>
+      <p:sp>
+        <p:nvSpPr>
+          <p:cNvPr id="16" name="TextBox 15">
+            <a:extLst>
+              <a:ext uri="{FF2B5EF4-FFF2-40B4-BE49-F238E27FC236}">
+                <a16:creationId xmlns:a16="http://schemas.microsoft.com/office/drawing/2014/main" id="{25DA826B-8DCF-AA45-7BF1-36A593E6FAD4}"/>
+              </a:ext>
+            </a:extLst>
+          </p:cNvPr>
+          <p:cNvSpPr txBox="1"/>
+          <p:nvPr/>
+        </p:nvSpPr>
+        <p:spPr>
+          <a:xfrm>
+            <a:off x="1361904" y="4615750"/>
+            <a:ext cx="3852566" cy="266868"/>
+          </a:xfrm>
+          <a:prstGeom prst="rect">
+            <a:avLst/>
+          </a:prstGeom>
+          <a:noFill/>
+        </p:spPr>
+        <p:txBody>
+          <a:bodyPr wrap="square">
+            <a:spAutoFit/>
+          </a:bodyPr>
+          <a:lstStyle/>
+          <a:p>
+            <a:pPr defTabSz="576072">
+              <a:spcAft>
+                <a:spcPts val="600"/>
+              </a:spcAft>
+            </a:pPr>
+            <a:r>
+              <a:rPr lang="en-HK" sz="1134" kern="1200">
+                <a:solidFill>
+                  <a:schemeClr val="tx1"/>
+                </a:solidFill>
+                <a:highlight>
+                  <a:srgbClr val="FFFFFF"/>
+                </a:highlight>
+                <a:latin typeface=""/>
+                <a:ea typeface="+mn-ea"/>
+                <a:cs typeface="Arial" panose="020B0604020202020204" pitchFamily="34" charset="0"/>
+              </a:rPr>
+              <a:t>The movie was</a:t>
+            </a:r>
+            <a:endParaRPr lang="en-HK">
+              <a:effectLst/>
+              <a:highlight>
+                <a:srgbClr val="FFFFFF"/>
+              </a:highlight>
+              <a:latin typeface=""/>
+              <a:cs typeface="Arial" panose="020B0604020202020204" pitchFamily="34" charset="0"/>
+            </a:endParaRPr>
+          </a:p>
+        </p:txBody>
+      </p:sp>
+      <p:sp>
+        <p:nvSpPr>
+          <p:cNvPr id="18" name="TextBox 17">
+            <a:extLst>
+              <a:ext uri="{FF2B5EF4-FFF2-40B4-BE49-F238E27FC236}">
+                <a16:creationId xmlns:a16="http://schemas.microsoft.com/office/drawing/2014/main" id="{35A48374-0798-D578-4AD9-CA5F4FA3AD55}"/>
+              </a:ext>
+            </a:extLst>
+          </p:cNvPr>
+          <p:cNvSpPr txBox="1"/>
+          <p:nvPr/>
+        </p:nvSpPr>
+        <p:spPr>
+          <a:xfrm>
+            <a:off x="1361904" y="4247059"/>
+            <a:ext cx="3852566" cy="266868"/>
+          </a:xfrm>
+          <a:prstGeom prst="rect">
+            <a:avLst/>
+          </a:prstGeom>
+          <a:noFill/>
+        </p:spPr>
+        <p:txBody>
+          <a:bodyPr wrap="square">
+            <a:spAutoFit/>
+          </a:bodyPr>
+          <a:lstStyle/>
+          <a:p>
+            <a:pPr defTabSz="576072">
+              <a:spcAft>
+                <a:spcPts val="600"/>
+              </a:spcAft>
+            </a:pPr>
+            <a:r>
+              <a:rPr lang="en-HK" sz="1134" kern="1200">
+                <a:solidFill>
+                  <a:schemeClr val="tx1"/>
+                </a:solidFill>
+                <a:highlight>
+                  <a:srgbClr val="FFFFFF"/>
+                </a:highlight>
+                <a:latin typeface=""/>
+                <a:ea typeface="+mn-ea"/>
+                <a:cs typeface="Arial" panose="020B0604020202020204" pitchFamily="34" charset="0"/>
+              </a:rPr>
+              <a:t>The movie</a:t>
+            </a:r>
+            <a:endParaRPr lang="en-HK">
+              <a:effectLst/>
+              <a:highlight>
+                <a:srgbClr val="FFFFFF"/>
+              </a:highlight>
+              <a:latin typeface=""/>
+              <a:cs typeface="Arial" panose="020B0604020202020204" pitchFamily="34" charset="0"/>
+            </a:endParaRPr>
+          </a:p>
+        </p:txBody>
+      </p:sp>
+      <p:sp>
+        <p:nvSpPr>
+          <p:cNvPr id="20" name="TextBox 19">
+            <a:extLst>
+              <a:ext uri="{FF2B5EF4-FFF2-40B4-BE49-F238E27FC236}">
+                <a16:creationId xmlns:a16="http://schemas.microsoft.com/office/drawing/2014/main" id="{C3C6976F-447A-F3D9-E81D-C5BF50C4186F}"/>
+              </a:ext>
+            </a:extLst>
+          </p:cNvPr>
+          <p:cNvSpPr txBox="1"/>
+          <p:nvPr/>
+        </p:nvSpPr>
+        <p:spPr>
+          <a:xfrm>
+            <a:off x="1361904" y="3878003"/>
+            <a:ext cx="3852566" cy="266868"/>
+          </a:xfrm>
+          <a:prstGeom prst="rect">
+            <a:avLst/>
+          </a:prstGeom>
+          <a:noFill/>
+        </p:spPr>
+        <p:txBody>
+          <a:bodyPr wrap="square">
+            <a:spAutoFit/>
+          </a:bodyPr>
+          <a:lstStyle/>
+          <a:p>
+            <a:pPr defTabSz="576072">
+              <a:spcAft>
+                <a:spcPts val="600"/>
+              </a:spcAft>
+            </a:pPr>
+            <a:r>
+              <a:rPr lang="en-HK" sz="1134" kern="1200" dirty="0">
+                <a:solidFill>
+                  <a:schemeClr val="tx1"/>
+                </a:solidFill>
+                <a:highlight>
+                  <a:srgbClr val="FFFFFF"/>
+                </a:highlight>
+                <a:latin typeface=""/>
+                <a:ea typeface="+mn-ea"/>
+                <a:cs typeface="Arial" panose="020B0604020202020204" pitchFamily="34" charset="0"/>
+              </a:rPr>
+              <a:t>The</a:t>
+            </a:r>
+            <a:endParaRPr lang="en-HK" dirty="0">
+              <a:effectLst/>
+              <a:highlight>
+                <a:srgbClr val="FFFFFF"/>
+              </a:highlight>
+              <a:latin typeface=""/>
+              <a:cs typeface="Arial" panose="020B0604020202020204" pitchFamily="34" charset="0"/>
+            </a:endParaRPr>
+          </a:p>
+        </p:txBody>
+      </p:sp>
+      <p:sp>
+        <p:nvSpPr>
+          <p:cNvPr id="21" name="Rectangle 20">
+            <a:extLst>
+              <a:ext uri="{FF2B5EF4-FFF2-40B4-BE49-F238E27FC236}">
+                <a16:creationId xmlns:a16="http://schemas.microsoft.com/office/drawing/2014/main" id="{DEBD23B8-FB1F-086C-A631-E3795205D0F2}"/>
+              </a:ext>
+            </a:extLst>
+          </p:cNvPr>
+          <p:cNvSpPr/>
+          <p:nvPr/>
+        </p:nvSpPr>
+        <p:spPr>
+          <a:xfrm>
+            <a:off x="1740575" y="3905103"/>
+            <a:ext cx="469825" cy="180199"/>
+          </a:xfrm>
+          <a:prstGeom prst="rect">
+            <a:avLst/>
+          </a:prstGeom>
+          <a:solidFill>
+            <a:schemeClr val="bg1">
+              <a:lumMod val="85000"/>
+            </a:schemeClr>
+          </a:solidFill>
+        </p:spPr>
+        <p:style>
+          <a:lnRef idx="1">
+            <a:schemeClr val="dk1"/>
+          </a:lnRef>
+          <a:fillRef idx="2">
+            <a:schemeClr val="dk1"/>
+          </a:fillRef>
+          <a:effectRef idx="1">
+            <a:schemeClr val="dk1"/>
+          </a:effectRef>
+          <a:fontRef idx="minor">
+            <a:schemeClr val="dk1"/>
+          </a:fontRef>
+        </p:style>
+        <p:txBody>
+          <a:bodyPr rtlCol="0" anchor="ctr"/>
+          <a:lstStyle/>
+          <a:p>
+            <a:pPr algn="ctr"/>
+            <a:endParaRPr lang="en-US" dirty="0">
+              <a:latin typeface=""/>
+              <a:cs typeface="Arial" panose="020B0604020202020204" pitchFamily="34" charset="0"/>
+            </a:endParaRPr>
+          </a:p>
+        </p:txBody>
+      </p:sp>
+      <p:sp>
+        <p:nvSpPr>
+          <p:cNvPr id="22" name="Rectangle 21">
+            <a:extLst>
+              <a:ext uri="{FF2B5EF4-FFF2-40B4-BE49-F238E27FC236}">
+                <a16:creationId xmlns:a16="http://schemas.microsoft.com/office/drawing/2014/main" id="{1B0B9D48-7CC3-C5E9-4FB2-8AB15CAF7477}"/>
+              </a:ext>
+            </a:extLst>
+          </p:cNvPr>
+          <p:cNvSpPr/>
+          <p:nvPr/>
+        </p:nvSpPr>
+        <p:spPr>
+          <a:xfrm>
+            <a:off x="2158941" y="4269776"/>
+            <a:ext cx="469825" cy="180199"/>
+          </a:xfrm>
+          <a:prstGeom prst="rect">
+            <a:avLst/>
+          </a:prstGeom>
+          <a:solidFill>
+            <a:schemeClr val="bg1">
+              <a:lumMod val="85000"/>
+            </a:schemeClr>
+          </a:solidFill>
+        </p:spPr>
+        <p:style>
+          <a:lnRef idx="1">
+            <a:schemeClr val="dk1"/>
+          </a:lnRef>
+          <a:fillRef idx="2">
+            <a:schemeClr val="dk1"/>
+          </a:fillRef>
+          <a:effectRef idx="1">
+            <a:schemeClr val="dk1"/>
+          </a:effectRef>
+          <a:fontRef idx="minor">
+            <a:schemeClr val="dk1"/>
+          </a:fontRef>
+        </p:style>
+        <p:txBody>
+          <a:bodyPr rtlCol="0" anchor="ctr"/>
+          <a:lstStyle/>
+          <a:p>
+            <a:pPr algn="ctr"/>
+            <a:endParaRPr lang="en-US">
+              <a:latin typeface=""/>
+              <a:cs typeface="Arial" panose="020B0604020202020204" pitchFamily="34" charset="0"/>
+            </a:endParaRPr>
+          </a:p>
+        </p:txBody>
+      </p:sp>
+      <p:sp>
+        <p:nvSpPr>
+          <p:cNvPr id="23" name="Rectangle 22">
+            <a:extLst>
+              <a:ext uri="{FF2B5EF4-FFF2-40B4-BE49-F238E27FC236}">
+                <a16:creationId xmlns:a16="http://schemas.microsoft.com/office/drawing/2014/main" id="{82161C9D-5853-5E4A-7140-3F1E9C8125D3}"/>
+              </a:ext>
+            </a:extLst>
+          </p:cNvPr>
+          <p:cNvSpPr/>
+          <p:nvPr/>
+        </p:nvSpPr>
+        <p:spPr>
+          <a:xfrm>
+            <a:off x="2464054" y="4642221"/>
+            <a:ext cx="469825" cy="180199"/>
+          </a:xfrm>
+          <a:prstGeom prst="rect">
+            <a:avLst/>
+          </a:prstGeom>
+          <a:solidFill>
+            <a:schemeClr val="bg1">
+              <a:lumMod val="85000"/>
+            </a:schemeClr>
+          </a:solidFill>
+        </p:spPr>
+        <p:style>
+          <a:lnRef idx="1">
+            <a:schemeClr val="dk1"/>
+          </a:lnRef>
+          <a:fillRef idx="2">
+            <a:schemeClr val="dk1"/>
+          </a:fillRef>
+          <a:effectRef idx="1">
+            <a:schemeClr val="dk1"/>
+          </a:effectRef>
+          <a:fontRef idx="minor">
+            <a:schemeClr val="dk1"/>
+          </a:fontRef>
+        </p:style>
+        <p:txBody>
+          <a:bodyPr rtlCol="0" anchor="ctr"/>
+          <a:lstStyle/>
+          <a:p>
+            <a:pPr algn="ctr"/>
+            <a:endParaRPr lang="en-US" b="1" dirty="0">
+              <a:latin typeface=""/>
+              <a:cs typeface="Arial" panose="020B0604020202020204" pitchFamily="34" charset="0"/>
+            </a:endParaRPr>
+          </a:p>
+        </p:txBody>
+      </p:sp>
+      <p:sp>
+        <p:nvSpPr>
+          <p:cNvPr id="24" name="Rectangle 23">
+            <a:extLst>
+              <a:ext uri="{FF2B5EF4-FFF2-40B4-BE49-F238E27FC236}">
+                <a16:creationId xmlns:a16="http://schemas.microsoft.com/office/drawing/2014/main" id="{B032721F-F873-A440-7941-A525F2F5387F}"/>
+              </a:ext>
+            </a:extLst>
+          </p:cNvPr>
+          <p:cNvSpPr/>
+          <p:nvPr/>
+        </p:nvSpPr>
+        <p:spPr>
+          <a:xfrm>
+            <a:off x="3128522" y="4942572"/>
+            <a:ext cx="469825" cy="180199"/>
+          </a:xfrm>
+          <a:prstGeom prst="rect">
+            <a:avLst/>
+          </a:prstGeom>
+          <a:solidFill>
+            <a:schemeClr val="bg1">
+              <a:lumMod val="85000"/>
+            </a:schemeClr>
+          </a:solidFill>
+        </p:spPr>
+        <p:style>
+          <a:lnRef idx="1">
+            <a:schemeClr val="dk1"/>
+          </a:lnRef>
+          <a:fillRef idx="2">
+            <a:schemeClr val="dk1"/>
+          </a:fillRef>
+          <a:effectRef idx="1">
+            <a:schemeClr val="dk1"/>
+          </a:effectRef>
+          <a:fontRef idx="minor">
+            <a:schemeClr val="dk1"/>
+          </a:fontRef>
+        </p:style>
+        <p:txBody>
+          <a:bodyPr rtlCol="0" anchor="ctr"/>
+          <a:lstStyle/>
+          <a:p>
+            <a:pPr algn="ctr"/>
+            <a:endParaRPr lang="en-US" b="1" dirty="0">
+              <a:latin typeface=""/>
+              <a:cs typeface="Arial" panose="020B0604020202020204" pitchFamily="34" charset="0"/>
+            </a:endParaRPr>
+          </a:p>
+        </p:txBody>
+      </p:sp>
+      <p:sp>
+        <p:nvSpPr>
+          <p:cNvPr id="25" name="Rectangle 24">
+            <a:extLst>
+              <a:ext uri="{FF2B5EF4-FFF2-40B4-BE49-F238E27FC236}">
+                <a16:creationId xmlns:a16="http://schemas.microsoft.com/office/drawing/2014/main" id="{578D5087-AAA3-4E77-9A11-2F83AA638DB1}"/>
+              </a:ext>
+            </a:extLst>
+          </p:cNvPr>
+          <p:cNvSpPr/>
+          <p:nvPr/>
+        </p:nvSpPr>
+        <p:spPr>
+          <a:xfrm>
+            <a:off x="3680278" y="5266370"/>
+            <a:ext cx="469825" cy="180199"/>
+          </a:xfrm>
+          <a:prstGeom prst="rect">
+            <a:avLst/>
+          </a:prstGeom>
+          <a:solidFill>
+            <a:schemeClr val="bg1">
+              <a:lumMod val="85000"/>
+            </a:schemeClr>
+          </a:solidFill>
+        </p:spPr>
+        <p:style>
+          <a:lnRef idx="1">
+            <a:schemeClr val="dk1"/>
+          </a:lnRef>
+          <a:fillRef idx="2">
+            <a:schemeClr val="dk1"/>
+          </a:fillRef>
+          <a:effectRef idx="1">
+            <a:schemeClr val="dk1"/>
+          </a:effectRef>
+          <a:fontRef idx="minor">
+            <a:schemeClr val="dk1"/>
+          </a:fontRef>
+        </p:style>
+        <p:txBody>
+          <a:bodyPr rtlCol="0" anchor="ctr"/>
+          <a:lstStyle/>
+          <a:p>
+            <a:pPr algn="ctr"/>
+            <a:endParaRPr lang="en-US" b="1" dirty="0">
+              <a:latin typeface=""/>
+              <a:cs typeface="Arial" panose="020B0604020202020204" pitchFamily="34" charset="0"/>
+            </a:endParaRPr>
+          </a:p>
+        </p:txBody>
+      </p:sp>
+      <p:sp>
+        <p:nvSpPr>
+          <p:cNvPr id="26" name="Rectangle 25">
+            <a:extLst>
+              <a:ext uri="{FF2B5EF4-FFF2-40B4-BE49-F238E27FC236}">
+                <a16:creationId xmlns:a16="http://schemas.microsoft.com/office/drawing/2014/main" id="{073917DB-61FD-313A-9A8B-2C5B4C113A76}"/>
+              </a:ext>
+            </a:extLst>
+          </p:cNvPr>
+          <p:cNvSpPr/>
+          <p:nvPr/>
+        </p:nvSpPr>
+        <p:spPr>
+          <a:xfrm>
+            <a:off x="3935607" y="5601711"/>
+            <a:ext cx="469825" cy="180199"/>
+          </a:xfrm>
+          <a:prstGeom prst="rect">
+            <a:avLst/>
+          </a:prstGeom>
+          <a:solidFill>
+            <a:schemeClr val="bg1">
+              <a:lumMod val="85000"/>
+            </a:schemeClr>
+          </a:solidFill>
+        </p:spPr>
+        <p:style>
+          <a:lnRef idx="1">
+            <a:schemeClr val="dk1"/>
+          </a:lnRef>
+          <a:fillRef idx="2">
+            <a:schemeClr val="dk1"/>
+          </a:fillRef>
+          <a:effectRef idx="1">
+            <a:schemeClr val="dk1"/>
+          </a:effectRef>
+          <a:fontRef idx="minor">
+            <a:schemeClr val="dk1"/>
+          </a:fontRef>
+        </p:style>
+        <p:txBody>
+          <a:bodyPr rtlCol="0" anchor="ctr"/>
+          <a:lstStyle/>
+          <a:p>
+            <a:pPr algn="ctr"/>
+            <a:endParaRPr lang="en-US" b="1" dirty="0">
+              <a:latin typeface=""/>
+              <a:cs typeface="Arial" panose="020B0604020202020204" pitchFamily="34" charset="0"/>
+            </a:endParaRPr>
+          </a:p>
+        </p:txBody>
+      </p:sp>
+      <p:sp>
+        <p:nvSpPr>
+          <p:cNvPr id="27" name="Oval 26">
+            <a:extLst>
+              <a:ext uri="{FF2B5EF4-FFF2-40B4-BE49-F238E27FC236}">
+                <a16:creationId xmlns:a16="http://schemas.microsoft.com/office/drawing/2014/main" id="{D97CA314-D558-CE45-FCFA-3238CCBEA484}"/>
+              </a:ext>
+            </a:extLst>
+          </p:cNvPr>
+          <p:cNvSpPr/>
+          <p:nvPr/>
+        </p:nvSpPr>
+        <p:spPr>
+          <a:xfrm>
+            <a:off x="7315531" y="3532068"/>
+            <a:ext cx="2242857" cy="2016336"/>
+          </a:xfrm>
+          <a:prstGeom prst="ellipse">
+            <a:avLst/>
+          </a:prstGeom>
+          <a:ln>
+            <a:solidFill>
+              <a:schemeClr val="tx1"/>
+            </a:solidFill>
+            <a:prstDash val="lgDash"/>
+          </a:ln>
+        </p:spPr>
+        <p:style>
+          <a:lnRef idx="2">
+            <a:schemeClr val="accent6"/>
+          </a:lnRef>
+          <a:fillRef idx="1">
+            <a:schemeClr val="lt1"/>
+          </a:fillRef>
+          <a:effectRef idx="0">
+            <a:schemeClr val="accent6"/>
+          </a:effectRef>
+          <a:fontRef idx="minor">
+            <a:schemeClr val="dk1"/>
+          </a:fontRef>
+        </p:style>
+        <p:txBody>
+          <a:bodyPr rtlCol="0" anchor="ctr"/>
+          <a:lstStyle/>
+          <a:p>
+            <a:pPr algn="ctr"/>
+            <a:endParaRPr lang="en-US" dirty="0">
+              <a:latin typeface=""/>
+              <a:cs typeface="Arial" panose="020B0604020202020204" pitchFamily="34" charset="0"/>
+            </a:endParaRPr>
+          </a:p>
+        </p:txBody>
+      </p:sp>
+      <p:sp>
+        <p:nvSpPr>
+          <p:cNvPr id="29" name="TextBox 28">
+            <a:extLst>
+              <a:ext uri="{FF2B5EF4-FFF2-40B4-BE49-F238E27FC236}">
+                <a16:creationId xmlns:a16="http://schemas.microsoft.com/office/drawing/2014/main" id="{FBF7A473-F917-55D6-5183-37815D1487A6}"/>
+              </a:ext>
+            </a:extLst>
+          </p:cNvPr>
+          <p:cNvSpPr txBox="1"/>
+          <p:nvPr/>
+        </p:nvSpPr>
+        <p:spPr>
+          <a:xfrm>
+            <a:off x="8325105" y="3697521"/>
+            <a:ext cx="796472" cy="286232"/>
+          </a:xfrm>
+          <a:prstGeom prst="rect">
+            <a:avLst/>
+          </a:prstGeom>
+          <a:noFill/>
+        </p:spPr>
+        <p:txBody>
+          <a:bodyPr wrap="square">
+            <a:spAutoFit/>
+          </a:bodyPr>
+          <a:lstStyle/>
+          <a:p>
+            <a:pPr defTabSz="576072">
+              <a:spcAft>
+                <a:spcPts val="600"/>
+              </a:spcAft>
+            </a:pPr>
+            <a:r>
+              <a:rPr lang="en-HK" sz="1260" kern="1200" dirty="0">
+                <a:solidFill>
+                  <a:schemeClr val="tx1"/>
+                </a:solidFill>
+                <a:highlight>
+                  <a:srgbClr val="FFFFFF"/>
+                </a:highlight>
+                <a:latin typeface=""/>
+                <a:ea typeface="+mn-ea"/>
+                <a:cs typeface="Arial" panose="020B0604020202020204" pitchFamily="34" charset="0"/>
+              </a:rPr>
+              <a:t>positive</a:t>
+            </a:r>
+            <a:r>
+              <a:rPr lang="en-HK" sz="1134" kern="1200" dirty="0">
+                <a:solidFill>
+                  <a:schemeClr val="tx1"/>
+                </a:solidFill>
+                <a:highlight>
+                  <a:srgbClr val="FFFFFF"/>
+                </a:highlight>
+                <a:latin typeface=""/>
+                <a:ea typeface="+mn-ea"/>
+                <a:cs typeface="Arial" panose="020B0604020202020204" pitchFamily="34" charset="0"/>
+              </a:rPr>
+              <a:t> </a:t>
+            </a:r>
+            <a:endParaRPr lang="en-HK" dirty="0">
+              <a:effectLst/>
+              <a:highlight>
+                <a:srgbClr val="FFFFFF"/>
+              </a:highlight>
+              <a:latin typeface=""/>
+              <a:cs typeface="Arial" panose="020B0604020202020204" pitchFamily="34" charset="0"/>
+            </a:endParaRPr>
+          </a:p>
+        </p:txBody>
+      </p:sp>
+      <p:sp>
+        <p:nvSpPr>
+          <p:cNvPr id="31" name="TextBox 30">
+            <a:extLst>
+              <a:ext uri="{FF2B5EF4-FFF2-40B4-BE49-F238E27FC236}">
+                <a16:creationId xmlns:a16="http://schemas.microsoft.com/office/drawing/2014/main" id="{AACCF7E4-61FF-5D2F-E9BF-927B9E8EEADD}"/>
+              </a:ext>
+            </a:extLst>
+          </p:cNvPr>
+          <p:cNvSpPr txBox="1"/>
+          <p:nvPr/>
+        </p:nvSpPr>
+        <p:spPr>
+          <a:xfrm>
+            <a:off x="7528633" y="4178503"/>
+            <a:ext cx="796472" cy="286232"/>
+          </a:xfrm>
+          <a:prstGeom prst="rect">
+            <a:avLst/>
+          </a:prstGeom>
+          <a:noFill/>
+        </p:spPr>
+        <p:txBody>
+          <a:bodyPr wrap="square">
+            <a:spAutoFit/>
+          </a:bodyPr>
+          <a:lstStyle/>
+          <a:p>
+            <a:pPr defTabSz="576072">
+              <a:spcAft>
+                <a:spcPts val="600"/>
+              </a:spcAft>
+            </a:pPr>
+            <a:r>
+              <a:rPr lang="en-HK" sz="1260" kern="1200">
+                <a:solidFill>
+                  <a:schemeClr val="tx1"/>
+                </a:solidFill>
+                <a:highlight>
+                  <a:srgbClr val="FFFFFF"/>
+                </a:highlight>
+                <a:latin typeface=""/>
+                <a:ea typeface="+mn-ea"/>
+                <a:cs typeface="Arial" panose="020B0604020202020204" pitchFamily="34" charset="0"/>
+              </a:rPr>
+              <a:t>negative</a:t>
+            </a:r>
+            <a:r>
+              <a:rPr lang="en-HK" sz="1134" kern="1200">
+                <a:solidFill>
+                  <a:schemeClr val="tx1"/>
+                </a:solidFill>
+                <a:highlight>
+                  <a:srgbClr val="FFFFFF"/>
+                </a:highlight>
+                <a:latin typeface=""/>
+                <a:ea typeface="+mn-ea"/>
+                <a:cs typeface="Arial" panose="020B0604020202020204" pitchFamily="34" charset="0"/>
+              </a:rPr>
+              <a:t> </a:t>
+            </a:r>
+            <a:endParaRPr lang="en-HK">
+              <a:effectLst/>
+              <a:highlight>
+                <a:srgbClr val="FFFFFF"/>
+              </a:highlight>
+              <a:latin typeface=""/>
+              <a:cs typeface="Arial" panose="020B0604020202020204" pitchFamily="34" charset="0"/>
+            </a:endParaRPr>
+          </a:p>
+        </p:txBody>
+      </p:sp>
+      <p:sp>
+        <p:nvSpPr>
+          <p:cNvPr id="33" name="TextBox 32">
+            <a:extLst>
+              <a:ext uri="{FF2B5EF4-FFF2-40B4-BE49-F238E27FC236}">
+                <a16:creationId xmlns:a16="http://schemas.microsoft.com/office/drawing/2014/main" id="{AF2A7EB4-E767-25B8-8D13-2A31275A2F74}"/>
+              </a:ext>
+            </a:extLst>
+          </p:cNvPr>
+          <p:cNvSpPr txBox="1"/>
+          <p:nvPr/>
+        </p:nvSpPr>
+        <p:spPr>
+          <a:xfrm>
+            <a:off x="8708791" y="4231445"/>
+            <a:ext cx="457518" cy="363818"/>
+          </a:xfrm>
+          <a:prstGeom prst="rect">
+            <a:avLst/>
+          </a:prstGeom>
+          <a:noFill/>
+        </p:spPr>
+        <p:txBody>
+          <a:bodyPr wrap="square">
+            <a:spAutoFit/>
+          </a:bodyPr>
+          <a:lstStyle/>
+          <a:p>
+            <a:pPr algn="ctr" defTabSz="576072">
+              <a:spcAft>
+                <a:spcPts val="600"/>
+              </a:spcAft>
+            </a:pPr>
+            <a:r>
+              <a:rPr lang="en-HK" sz="1764" b="1" kern="1200">
+                <a:solidFill>
+                  <a:schemeClr val="tx1"/>
+                </a:solidFill>
+                <a:highlight>
+                  <a:srgbClr val="FFFFFF"/>
+                </a:highlight>
+                <a:latin typeface=""/>
+                <a:ea typeface="+mn-ea"/>
+                <a:cs typeface="Arial" panose="020B0604020202020204" pitchFamily="34" charset="0"/>
+              </a:rPr>
+              <a:t>...</a:t>
+            </a:r>
+            <a:r>
+              <a:rPr lang="en-HK" sz="1134" kern="1200">
+                <a:solidFill>
+                  <a:schemeClr val="tx1"/>
+                </a:solidFill>
+                <a:highlight>
+                  <a:srgbClr val="FFFFFF"/>
+                </a:highlight>
+                <a:latin typeface=""/>
+                <a:ea typeface="+mn-ea"/>
+                <a:cs typeface="Arial" panose="020B0604020202020204" pitchFamily="34" charset="0"/>
+              </a:rPr>
+              <a:t> </a:t>
+            </a:r>
+            <a:endParaRPr lang="en-HK">
+              <a:effectLst/>
+              <a:highlight>
+                <a:srgbClr val="FFFFFF"/>
+              </a:highlight>
+              <a:latin typeface=""/>
+              <a:cs typeface="Arial" panose="020B0604020202020204" pitchFamily="34" charset="0"/>
+            </a:endParaRPr>
+          </a:p>
+        </p:txBody>
+      </p:sp>
+      <p:sp>
+        <p:nvSpPr>
+          <p:cNvPr id="35" name="TextBox 34">
+            <a:extLst>
+              <a:ext uri="{FF2B5EF4-FFF2-40B4-BE49-F238E27FC236}">
+                <a16:creationId xmlns:a16="http://schemas.microsoft.com/office/drawing/2014/main" id="{52871773-7927-8862-EC17-7A2362DC6DC8}"/>
+              </a:ext>
+            </a:extLst>
+          </p:cNvPr>
+          <p:cNvSpPr txBox="1"/>
+          <p:nvPr/>
+        </p:nvSpPr>
+        <p:spPr>
+          <a:xfrm>
+            <a:off x="8655652" y="4726511"/>
+            <a:ext cx="897140" cy="286232"/>
+          </a:xfrm>
+          <a:prstGeom prst="rect">
+            <a:avLst/>
+          </a:prstGeom>
+          <a:noFill/>
+        </p:spPr>
+        <p:txBody>
+          <a:bodyPr wrap="square">
+            <a:spAutoFit/>
+          </a:bodyPr>
+          <a:lstStyle/>
+          <a:p>
+            <a:pPr defTabSz="576072">
+              <a:spcAft>
+                <a:spcPts val="600"/>
+              </a:spcAft>
+            </a:pPr>
+            <a:r>
+              <a:rPr lang="en-HK" sz="1260" kern="1200">
+                <a:solidFill>
+                  <a:schemeClr val="tx1"/>
+                </a:solidFill>
+                <a:highlight>
+                  <a:srgbClr val="FFFFFF"/>
+                </a:highlight>
+                <a:latin typeface="73"/>
+                <a:ea typeface="+mn-ea"/>
+                <a:cs typeface="+mn-cs"/>
+              </a:rPr>
+              <a:t>movie</a:t>
+            </a:r>
+            <a:r>
+              <a:rPr lang="en-HK" sz="1134" kern="1200">
+                <a:solidFill>
+                  <a:schemeClr val="tx1"/>
+                </a:solidFill>
+                <a:highlight>
+                  <a:srgbClr val="FFFFFF"/>
+                </a:highlight>
+                <a:latin typeface="73"/>
+                <a:ea typeface="+mn-ea"/>
+                <a:cs typeface="+mn-cs"/>
+              </a:rPr>
+              <a:t> </a:t>
+            </a:r>
+            <a:endParaRPr lang="en-HK">
+              <a:effectLst/>
+              <a:highlight>
+                <a:srgbClr val="FFFFFF"/>
+              </a:highlight>
+            </a:endParaRPr>
+          </a:p>
+        </p:txBody>
+      </p:sp>
+      <p:sp>
+        <p:nvSpPr>
+          <p:cNvPr id="37" name="TextBox 36">
+            <a:extLst>
+              <a:ext uri="{FF2B5EF4-FFF2-40B4-BE49-F238E27FC236}">
+                <a16:creationId xmlns:a16="http://schemas.microsoft.com/office/drawing/2014/main" id="{E9F5F207-5C40-C01C-6104-E2832CB00FEA}"/>
+              </a:ext>
+            </a:extLst>
+          </p:cNvPr>
+          <p:cNvSpPr txBox="1"/>
+          <p:nvPr/>
+        </p:nvSpPr>
+        <p:spPr>
+          <a:xfrm>
+            <a:off x="8057752" y="5250520"/>
+            <a:ext cx="682362" cy="286232"/>
+          </a:xfrm>
+          <a:prstGeom prst="rect">
+            <a:avLst/>
+          </a:prstGeom>
+          <a:noFill/>
+        </p:spPr>
+        <p:txBody>
+          <a:bodyPr wrap="square">
+            <a:spAutoFit/>
+          </a:bodyPr>
+          <a:lstStyle/>
+          <a:p>
+            <a:pPr defTabSz="576072">
+              <a:spcAft>
+                <a:spcPts val="600"/>
+              </a:spcAft>
+            </a:pPr>
+            <a:r>
+              <a:rPr lang="en-HK" sz="1260" kern="1200" dirty="0">
+                <a:solidFill>
+                  <a:schemeClr val="tx1"/>
+                </a:solidFill>
+                <a:highlight>
+                  <a:srgbClr val="FFFFFF"/>
+                </a:highlight>
+                <a:latin typeface="73"/>
+                <a:ea typeface="+mn-ea"/>
+                <a:cs typeface="+mn-cs"/>
+              </a:rPr>
+              <a:t>magical</a:t>
+            </a:r>
+            <a:r>
+              <a:rPr lang="en-HK" sz="1134" kern="1200" dirty="0">
+                <a:solidFill>
+                  <a:schemeClr val="tx1"/>
+                </a:solidFill>
+                <a:highlight>
+                  <a:srgbClr val="FFFFFF"/>
+                </a:highlight>
+                <a:latin typeface="73"/>
+                <a:ea typeface="+mn-ea"/>
+                <a:cs typeface="+mn-cs"/>
+              </a:rPr>
+              <a:t> </a:t>
+            </a:r>
+            <a:endParaRPr lang="en-HK" dirty="0">
+              <a:effectLst/>
+              <a:highlight>
+                <a:srgbClr val="FFFFFF"/>
+              </a:highlight>
+            </a:endParaRPr>
+          </a:p>
+        </p:txBody>
+      </p:sp>
+      <p:sp>
+        <p:nvSpPr>
+          <p:cNvPr id="39" name="TextBox 38">
+            <a:extLst>
+              <a:ext uri="{FF2B5EF4-FFF2-40B4-BE49-F238E27FC236}">
+                <a16:creationId xmlns:a16="http://schemas.microsoft.com/office/drawing/2014/main" id="{27CB3163-3618-BC2C-4C7F-BC73C96451C7}"/>
+              </a:ext>
+            </a:extLst>
+          </p:cNvPr>
+          <p:cNvSpPr txBox="1"/>
+          <p:nvPr/>
+        </p:nvSpPr>
+        <p:spPr>
+          <a:xfrm>
+            <a:off x="8057752" y="5655089"/>
+            <a:ext cx="1252301" cy="325025"/>
+          </a:xfrm>
+          <a:prstGeom prst="rect">
+            <a:avLst/>
+          </a:prstGeom>
+          <a:noFill/>
+        </p:spPr>
+        <p:txBody>
+          <a:bodyPr wrap="square">
+            <a:spAutoFit/>
+          </a:bodyPr>
+          <a:lstStyle/>
+          <a:p>
+            <a:pPr defTabSz="576072">
+              <a:spcAft>
+                <a:spcPts val="600"/>
+              </a:spcAft>
+            </a:pPr>
+            <a:r>
+              <a:rPr lang="en-HK" sz="1512" b="1" kern="1200" dirty="0">
+                <a:solidFill>
+                  <a:schemeClr val="tx1"/>
+                </a:solidFill>
+                <a:highlight>
+                  <a:srgbClr val="FFFFFF"/>
+                </a:highlight>
+                <a:latin typeface=""/>
+                <a:ea typeface="+mn-ea"/>
+                <a:cs typeface="+mn-cs"/>
+              </a:rPr>
+              <a:t>Vocabulary </a:t>
+            </a:r>
+            <a:endParaRPr lang="en-HK" sz="2400" b="1" dirty="0">
+              <a:effectLst/>
+              <a:highlight>
+                <a:srgbClr val="FFFFFF"/>
+              </a:highlight>
+              <a:latin typeface=""/>
+            </a:endParaRPr>
+          </a:p>
+        </p:txBody>
+      </p:sp>
+      <p:sp>
+        <p:nvSpPr>
+          <p:cNvPr id="41" name="TextBox 40">
+            <a:extLst>
+              <a:ext uri="{FF2B5EF4-FFF2-40B4-BE49-F238E27FC236}">
+                <a16:creationId xmlns:a16="http://schemas.microsoft.com/office/drawing/2014/main" id="{3189333E-7257-533C-FA73-40642E2D6792}"/>
+              </a:ext>
+            </a:extLst>
+          </p:cNvPr>
+          <p:cNvSpPr txBox="1"/>
+          <p:nvPr/>
+        </p:nvSpPr>
+        <p:spPr>
+          <a:xfrm>
+            <a:off x="1531936" y="5896863"/>
+            <a:ext cx="369149" cy="480131"/>
+          </a:xfrm>
+          <a:prstGeom prst="rect">
+            <a:avLst/>
+          </a:prstGeom>
+          <a:noFill/>
+        </p:spPr>
+        <p:txBody>
+          <a:bodyPr wrap="square">
+            <a:spAutoFit/>
+          </a:bodyPr>
+          <a:lstStyle/>
+          <a:p>
+            <a:pPr algn="ctr" defTabSz="576072">
+              <a:spcAft>
+                <a:spcPts val="600"/>
+              </a:spcAft>
+            </a:pPr>
+            <a:r>
+              <a:rPr lang="en-HK" sz="2520" kern="1200">
+                <a:solidFill>
+                  <a:schemeClr val="tx1"/>
+                </a:solidFill>
+                <a:highlight>
+                  <a:srgbClr val="FFFFFF"/>
+                </a:highlight>
+                <a:latin typeface="Times New Roman" panose="02020603050405020304" pitchFamily="18" charset="0"/>
+                <a:ea typeface="+mn-ea"/>
+                <a:cs typeface="+mn-cs"/>
+              </a:rPr>
+              <a:t>⁞ </a:t>
+            </a:r>
+            <a:endParaRPr lang="en-HK" sz="4000">
+              <a:effectLst/>
+              <a:highlight>
+                <a:srgbClr val="FFFFFF"/>
+              </a:highlight>
+            </a:endParaRPr>
+          </a:p>
+        </p:txBody>
+      </p:sp>
+      <p:cxnSp>
+        <p:nvCxnSpPr>
+          <p:cNvPr id="43" name="Curved Connector 42">
+            <a:extLst>
+              <a:ext uri="{FF2B5EF4-FFF2-40B4-BE49-F238E27FC236}">
+                <a16:creationId xmlns:a16="http://schemas.microsoft.com/office/drawing/2014/main" id="{B939BC24-5E89-CE2F-5C42-42DCFFAACF8E}"/>
+              </a:ext>
+            </a:extLst>
+          </p:cNvPr>
+          <p:cNvCxnSpPr>
+            <a:stCxn id="27" idx="2"/>
+            <a:endCxn id="21" idx="3"/>
+          </p:cNvCxnSpPr>
+          <p:nvPr/>
+        </p:nvCxnSpPr>
+        <p:spPr>
+          <a:xfrm rot="10800000">
+            <a:off x="2210401" y="3995204"/>
+            <a:ext cx="5105131" cy="545033"/>
+          </a:xfrm>
+          <a:prstGeom prst="curvedConnector3">
+            <a:avLst/>
+          </a:prstGeom>
+          <a:ln w="25400">
+            <a:tailEnd type="triangle"/>
+          </a:ln>
+        </p:spPr>
+        <p:style>
+          <a:lnRef idx="2">
+            <a:schemeClr val="accent1"/>
+          </a:lnRef>
+          <a:fillRef idx="0">
+            <a:schemeClr val="accent1"/>
+          </a:fillRef>
+          <a:effectRef idx="1">
+            <a:schemeClr val="accent1"/>
+          </a:effectRef>
+          <a:fontRef idx="minor">
+            <a:schemeClr val="tx1"/>
+          </a:fontRef>
+        </p:style>
+      </p:cxnSp>
+      <p:cxnSp>
+        <p:nvCxnSpPr>
+          <p:cNvPr id="44" name="Curved Connector 43">
+            <a:extLst>
+              <a:ext uri="{FF2B5EF4-FFF2-40B4-BE49-F238E27FC236}">
+                <a16:creationId xmlns:a16="http://schemas.microsoft.com/office/drawing/2014/main" id="{0B010857-18B2-1042-4332-9A7E9F71B5E5}"/>
+              </a:ext>
+            </a:extLst>
+          </p:cNvPr>
+          <p:cNvCxnSpPr>
+            <a:cxnSpLocks/>
+            <a:stCxn id="27" idx="2"/>
+            <a:endCxn id="22" idx="3"/>
+          </p:cNvCxnSpPr>
+          <p:nvPr/>
+        </p:nvCxnSpPr>
+        <p:spPr>
+          <a:xfrm rot="10800000">
+            <a:off x="2628767" y="4359876"/>
+            <a:ext cx="4686765" cy="180360"/>
+          </a:xfrm>
+          <a:prstGeom prst="curvedConnector3">
+            <a:avLst/>
+          </a:prstGeom>
+          <a:ln w="25400">
+            <a:tailEnd type="triangle"/>
+          </a:ln>
+        </p:spPr>
+        <p:style>
+          <a:lnRef idx="2">
+            <a:schemeClr val="accent1"/>
+          </a:lnRef>
+          <a:fillRef idx="0">
+            <a:schemeClr val="accent1"/>
+          </a:fillRef>
+          <a:effectRef idx="1">
+            <a:schemeClr val="accent1"/>
+          </a:effectRef>
+          <a:fontRef idx="minor">
+            <a:schemeClr val="tx1"/>
+          </a:fontRef>
+        </p:style>
+      </p:cxnSp>
+      <p:cxnSp>
+        <p:nvCxnSpPr>
+          <p:cNvPr id="51" name="Curved Connector 50">
+            <a:extLst>
+              <a:ext uri="{FF2B5EF4-FFF2-40B4-BE49-F238E27FC236}">
+                <a16:creationId xmlns:a16="http://schemas.microsoft.com/office/drawing/2014/main" id="{F0DC4DB9-75A9-8D16-16B8-912FEB89F26D}"/>
+              </a:ext>
+            </a:extLst>
+          </p:cNvPr>
+          <p:cNvCxnSpPr>
+            <a:cxnSpLocks/>
+            <a:stCxn id="27" idx="2"/>
+            <a:endCxn id="23" idx="3"/>
+          </p:cNvCxnSpPr>
+          <p:nvPr/>
+        </p:nvCxnSpPr>
+        <p:spPr>
+          <a:xfrm rot="10800000" flipV="1">
+            <a:off x="2933879" y="4540235"/>
+            <a:ext cx="4381652" cy="192085"/>
+          </a:xfrm>
+          <a:prstGeom prst="curvedConnector3">
+            <a:avLst/>
+          </a:prstGeom>
+          <a:ln w="25400">
+            <a:tailEnd type="triangle"/>
+          </a:ln>
+        </p:spPr>
+        <p:style>
+          <a:lnRef idx="2">
+            <a:schemeClr val="accent1"/>
+          </a:lnRef>
+          <a:fillRef idx="0">
+            <a:schemeClr val="accent1"/>
+          </a:fillRef>
+          <a:effectRef idx="1">
+            <a:schemeClr val="accent1"/>
+          </a:effectRef>
+          <a:fontRef idx="minor">
+            <a:schemeClr val="tx1"/>
+          </a:fontRef>
+        </p:style>
+      </p:cxnSp>
+      <p:cxnSp>
+        <p:nvCxnSpPr>
+          <p:cNvPr id="61" name="Curved Connector 60">
+            <a:extLst>
+              <a:ext uri="{FF2B5EF4-FFF2-40B4-BE49-F238E27FC236}">
+                <a16:creationId xmlns:a16="http://schemas.microsoft.com/office/drawing/2014/main" id="{E0101C3D-A166-2CB4-56CD-D1567860FABC}"/>
+              </a:ext>
+            </a:extLst>
+          </p:cNvPr>
+          <p:cNvCxnSpPr>
+            <a:cxnSpLocks/>
+            <a:stCxn id="27" idx="2"/>
+            <a:endCxn id="24" idx="3"/>
+          </p:cNvCxnSpPr>
+          <p:nvPr/>
+        </p:nvCxnSpPr>
+        <p:spPr>
+          <a:xfrm rot="10800000" flipV="1">
+            <a:off x="3598347" y="4540236"/>
+            <a:ext cx="3717184" cy="492436"/>
+          </a:xfrm>
+          <a:prstGeom prst="curvedConnector3">
+            <a:avLst/>
+          </a:prstGeom>
+          <a:ln w="25400">
+            <a:tailEnd type="triangle"/>
+          </a:ln>
+        </p:spPr>
+        <p:style>
+          <a:lnRef idx="2">
+            <a:schemeClr val="accent1"/>
+          </a:lnRef>
+          <a:fillRef idx="0">
+            <a:schemeClr val="accent1"/>
+          </a:fillRef>
+          <a:effectRef idx="1">
+            <a:schemeClr val="accent1"/>
+          </a:effectRef>
+          <a:fontRef idx="minor">
+            <a:schemeClr val="tx1"/>
+          </a:fontRef>
+        </p:style>
+      </p:cxnSp>
+      <p:cxnSp>
+        <p:nvCxnSpPr>
+          <p:cNvPr id="67" name="Curved Connector 66">
+            <a:extLst>
+              <a:ext uri="{FF2B5EF4-FFF2-40B4-BE49-F238E27FC236}">
+                <a16:creationId xmlns:a16="http://schemas.microsoft.com/office/drawing/2014/main" id="{1D08997A-CF30-2E13-424E-9F6101B1FB8F}"/>
+              </a:ext>
+            </a:extLst>
+          </p:cNvPr>
+          <p:cNvCxnSpPr>
+            <a:cxnSpLocks/>
+            <a:stCxn id="27" idx="2"/>
+            <a:endCxn id="25" idx="3"/>
+          </p:cNvCxnSpPr>
+          <p:nvPr/>
+        </p:nvCxnSpPr>
+        <p:spPr>
+          <a:xfrm rot="10800000" flipV="1">
+            <a:off x="4150103" y="4540236"/>
+            <a:ext cx="3165428" cy="816234"/>
+          </a:xfrm>
+          <a:prstGeom prst="curvedConnector3">
+            <a:avLst/>
+          </a:prstGeom>
+          <a:ln w="25400">
+            <a:tailEnd type="triangle"/>
+          </a:ln>
+        </p:spPr>
+        <p:style>
+          <a:lnRef idx="2">
+            <a:schemeClr val="accent1"/>
+          </a:lnRef>
+          <a:fillRef idx="0">
+            <a:schemeClr val="accent1"/>
+          </a:fillRef>
+          <a:effectRef idx="1">
+            <a:schemeClr val="accent1"/>
+          </a:effectRef>
+          <a:fontRef idx="minor">
+            <a:schemeClr val="tx1"/>
+          </a:fontRef>
+        </p:style>
+      </p:cxnSp>
+      <p:cxnSp>
+        <p:nvCxnSpPr>
+          <p:cNvPr id="70" name="Curved Connector 69">
+            <a:extLst>
+              <a:ext uri="{FF2B5EF4-FFF2-40B4-BE49-F238E27FC236}">
+                <a16:creationId xmlns:a16="http://schemas.microsoft.com/office/drawing/2014/main" id="{7A9FB7D1-85E7-A554-3CFD-BE141FCF1596}"/>
+              </a:ext>
+            </a:extLst>
+          </p:cNvPr>
+          <p:cNvCxnSpPr>
+            <a:cxnSpLocks/>
+            <a:stCxn id="27" idx="2"/>
+            <a:endCxn id="26" idx="3"/>
+          </p:cNvCxnSpPr>
+          <p:nvPr/>
+        </p:nvCxnSpPr>
+        <p:spPr>
+          <a:xfrm rot="10800000" flipV="1">
+            <a:off x="4405433" y="4540235"/>
+            <a:ext cx="2910099" cy="1151575"/>
+          </a:xfrm>
+          <a:prstGeom prst="curvedConnector3">
+            <a:avLst/>
+          </a:prstGeom>
+          <a:ln w="25400">
+            <a:tailEnd type="triangle"/>
+          </a:ln>
+        </p:spPr>
+        <p:style>
+          <a:lnRef idx="2">
+            <a:schemeClr val="accent1"/>
+          </a:lnRef>
+          <a:fillRef idx="0">
+            <a:schemeClr val="accent1"/>
+          </a:fillRef>
+          <a:effectRef idx="1">
+            <a:schemeClr val="accent1"/>
+          </a:effectRef>
+          <a:fontRef idx="minor">
+            <a:schemeClr val="tx1"/>
+          </a:fontRef>
+        </p:style>
+      </p:cxnSp>
+      <p:cxnSp>
+        <p:nvCxnSpPr>
+          <p:cNvPr id="86" name="Curved Connector 85">
+            <a:extLst>
+              <a:ext uri="{FF2B5EF4-FFF2-40B4-BE49-F238E27FC236}">
+                <a16:creationId xmlns:a16="http://schemas.microsoft.com/office/drawing/2014/main" id="{7D8B093A-1246-601A-5517-12111AEA91EC}"/>
+              </a:ext>
+            </a:extLst>
+          </p:cNvPr>
+          <p:cNvCxnSpPr>
+            <a:stCxn id="20" idx="1"/>
+            <a:endCxn id="18" idx="1"/>
+          </p:cNvCxnSpPr>
+          <p:nvPr/>
+        </p:nvCxnSpPr>
+        <p:spPr>
+          <a:xfrm rot="10800000" flipV="1">
+            <a:off x="1361904" y="4011437"/>
+            <a:ext cx="12700" cy="369056"/>
+          </a:xfrm>
+          <a:prstGeom prst="curvedConnector3">
+            <a:avLst>
+              <a:gd name="adj1" fmla="val 1800000"/>
+            </a:avLst>
+          </a:prstGeom>
+          <a:ln>
+            <a:solidFill>
+              <a:schemeClr val="tx1"/>
+            </a:solidFill>
+            <a:prstDash val="dash"/>
+            <a:tailEnd type="triangle"/>
+          </a:ln>
+        </p:spPr>
+        <p:style>
+          <a:lnRef idx="2">
+            <a:schemeClr val="accent1"/>
+          </a:lnRef>
+          <a:fillRef idx="0">
+            <a:schemeClr val="accent1"/>
+          </a:fillRef>
+          <a:effectRef idx="1">
+            <a:schemeClr val="accent1"/>
+          </a:effectRef>
+          <a:fontRef idx="minor">
+            <a:schemeClr val="tx1"/>
+          </a:fontRef>
+        </p:style>
+      </p:cxnSp>
+      <p:cxnSp>
+        <p:nvCxnSpPr>
+          <p:cNvPr id="87" name="Curved Connector 86">
+            <a:extLst>
+              <a:ext uri="{FF2B5EF4-FFF2-40B4-BE49-F238E27FC236}">
+                <a16:creationId xmlns:a16="http://schemas.microsoft.com/office/drawing/2014/main" id="{302789CB-351A-F3D4-DF08-D192944FAC1C}"/>
+              </a:ext>
+            </a:extLst>
+          </p:cNvPr>
+          <p:cNvCxnSpPr>
+            <a:cxnSpLocks/>
+            <a:stCxn id="18" idx="1"/>
+            <a:endCxn id="16" idx="1"/>
+          </p:cNvCxnSpPr>
+          <p:nvPr/>
+        </p:nvCxnSpPr>
+        <p:spPr>
+          <a:xfrm rot="10800000" flipV="1">
+            <a:off x="1361904" y="4380492"/>
+            <a:ext cx="12700" cy="368691"/>
+          </a:xfrm>
+          <a:prstGeom prst="curvedConnector3">
+            <a:avLst>
+              <a:gd name="adj1" fmla="val 1800000"/>
+            </a:avLst>
+          </a:prstGeom>
+          <a:ln>
+            <a:solidFill>
+              <a:schemeClr val="tx1"/>
+            </a:solidFill>
+            <a:prstDash val="dash"/>
+            <a:tailEnd type="triangle"/>
+          </a:ln>
+        </p:spPr>
+        <p:style>
+          <a:lnRef idx="2">
+            <a:schemeClr val="accent1"/>
+          </a:lnRef>
+          <a:fillRef idx="0">
+            <a:schemeClr val="accent1"/>
+          </a:fillRef>
+          <a:effectRef idx="1">
+            <a:schemeClr val="accent1"/>
+          </a:effectRef>
+          <a:fontRef idx="minor">
+            <a:schemeClr val="tx1"/>
+          </a:fontRef>
+        </p:style>
+      </p:cxnSp>
+      <p:cxnSp>
+        <p:nvCxnSpPr>
+          <p:cNvPr id="90" name="Curved Connector 89">
+            <a:extLst>
+              <a:ext uri="{FF2B5EF4-FFF2-40B4-BE49-F238E27FC236}">
+                <a16:creationId xmlns:a16="http://schemas.microsoft.com/office/drawing/2014/main" id="{E409AA3A-97B9-190E-AC3B-4EC228A71F80}"/>
+              </a:ext>
+            </a:extLst>
+          </p:cNvPr>
+          <p:cNvCxnSpPr>
+            <a:cxnSpLocks/>
+            <a:stCxn id="16" idx="1"/>
+            <a:endCxn id="14" idx="1"/>
+          </p:cNvCxnSpPr>
+          <p:nvPr/>
+        </p:nvCxnSpPr>
+        <p:spPr>
+          <a:xfrm rot="10800000" flipV="1">
+            <a:off x="1361904" y="4749183"/>
+            <a:ext cx="12700" cy="320543"/>
+          </a:xfrm>
+          <a:prstGeom prst="curvedConnector3">
+            <a:avLst>
+              <a:gd name="adj1" fmla="val 1800000"/>
+            </a:avLst>
+          </a:prstGeom>
+          <a:ln>
+            <a:solidFill>
+              <a:schemeClr val="tx1"/>
+            </a:solidFill>
+            <a:prstDash val="dash"/>
+            <a:tailEnd type="triangle"/>
+          </a:ln>
+        </p:spPr>
+        <p:style>
+          <a:lnRef idx="2">
+            <a:schemeClr val="accent1"/>
+          </a:lnRef>
+          <a:fillRef idx="0">
+            <a:schemeClr val="accent1"/>
+          </a:fillRef>
+          <a:effectRef idx="1">
+            <a:schemeClr val="accent1"/>
+          </a:effectRef>
+          <a:fontRef idx="minor">
+            <a:schemeClr val="tx1"/>
+          </a:fontRef>
+        </p:style>
+      </p:cxnSp>
+      <p:cxnSp>
+        <p:nvCxnSpPr>
+          <p:cNvPr id="93" name="Curved Connector 92">
+            <a:extLst>
+              <a:ext uri="{FF2B5EF4-FFF2-40B4-BE49-F238E27FC236}">
+                <a16:creationId xmlns:a16="http://schemas.microsoft.com/office/drawing/2014/main" id="{58885377-A260-2379-22BF-04ADD030B6FC}"/>
+              </a:ext>
+            </a:extLst>
+          </p:cNvPr>
+          <p:cNvCxnSpPr>
+            <a:cxnSpLocks/>
+            <a:stCxn id="14" idx="1"/>
+            <a:endCxn id="12" idx="1"/>
+          </p:cNvCxnSpPr>
+          <p:nvPr/>
+        </p:nvCxnSpPr>
+        <p:spPr>
+          <a:xfrm rot="10800000" flipV="1">
+            <a:off x="1347362" y="5069726"/>
+            <a:ext cx="14542" cy="320543"/>
+          </a:xfrm>
+          <a:prstGeom prst="curvedConnector3">
+            <a:avLst>
+              <a:gd name="adj1" fmla="val 1671998"/>
+            </a:avLst>
+          </a:prstGeom>
+          <a:ln>
+            <a:solidFill>
+              <a:schemeClr val="tx1"/>
+            </a:solidFill>
+            <a:prstDash val="dash"/>
+            <a:tailEnd type="triangle"/>
+          </a:ln>
+        </p:spPr>
+        <p:style>
+          <a:lnRef idx="2">
+            <a:schemeClr val="accent1"/>
+          </a:lnRef>
+          <a:fillRef idx="0">
+            <a:schemeClr val="accent1"/>
+          </a:fillRef>
+          <a:effectRef idx="1">
+            <a:schemeClr val="accent1"/>
+          </a:effectRef>
+          <a:fontRef idx="minor">
+            <a:schemeClr val="tx1"/>
+          </a:fontRef>
+        </p:style>
+      </p:cxnSp>
+      <p:cxnSp>
+        <p:nvCxnSpPr>
+          <p:cNvPr id="96" name="Curved Connector 95">
+            <a:extLst>
+              <a:ext uri="{FF2B5EF4-FFF2-40B4-BE49-F238E27FC236}">
+                <a16:creationId xmlns:a16="http://schemas.microsoft.com/office/drawing/2014/main" id="{1A3E73B4-DE3C-A722-7A1F-BE936BE35FA5}"/>
+              </a:ext>
+            </a:extLst>
+          </p:cNvPr>
+          <p:cNvCxnSpPr>
+            <a:cxnSpLocks/>
+            <a:stCxn id="12" idx="1"/>
+            <a:endCxn id="10" idx="1"/>
+          </p:cNvCxnSpPr>
+          <p:nvPr/>
+        </p:nvCxnSpPr>
+        <p:spPr>
+          <a:xfrm rot="10800000" flipH="1" flipV="1">
+            <a:off x="1347362" y="5390270"/>
+            <a:ext cx="14542" cy="320014"/>
+          </a:xfrm>
+          <a:prstGeom prst="curvedConnector3">
+            <a:avLst>
+              <a:gd name="adj1" fmla="val -1571998"/>
+            </a:avLst>
+          </a:prstGeom>
+          <a:ln>
+            <a:solidFill>
+              <a:schemeClr val="tx1"/>
+            </a:solidFill>
+            <a:prstDash val="dash"/>
+            <a:tailEnd type="triangle"/>
+          </a:ln>
+        </p:spPr>
+        <p:style>
+          <a:lnRef idx="2">
+            <a:schemeClr val="accent1"/>
+          </a:lnRef>
+          <a:fillRef idx="0">
+            <a:schemeClr val="accent1"/>
+          </a:fillRef>
+          <a:effectRef idx="1">
+            <a:schemeClr val="accent1"/>
+          </a:effectRef>
+          <a:fontRef idx="minor">
+            <a:schemeClr val="tx1"/>
+          </a:fontRef>
+        </p:style>
+      </p:cxnSp>
+    </p:spTree>
+    <p:extLst>
+      <p:ext uri="{BB962C8B-B14F-4D97-AF65-F5344CB8AC3E}">
+        <p14:creationId xmlns:p14="http://schemas.microsoft.com/office/powerpoint/2010/main" val="1504954530"/>
+      </p:ext>
+    </p:extLst>
+  </p:cSld>
+  <p:clrMapOvr>
+    <a:masterClrMapping/>
+  </p:clrMapOvr>
+</p:sld>
+</file>
+
+<file path=ppt/slides/slide7.xml><?xml version="1.0" encoding="utf-8"?>
 <p:sld xmlns:a="http://schemas.openxmlformats.org/drawingml/2006/main" xmlns:r="http://schemas.openxmlformats.org/officeDocument/2006/relationships" xmlns:p="http://schemas.openxmlformats.org/presentationml/2006/main">
   <p:cSld>
     <p:spTree>
@@ -4672,59 +11100,12 @@
           <a:chExt cx="0" cy="0"/>
         </a:xfrm>
       </p:grpSpPr>
-      <p:pic>
-        <p:nvPicPr>
-          <p:cNvPr id="5" name="Video 4">
-            <a:extLst>
-              <a:ext uri="{FF2B5EF4-FFF2-40B4-BE49-F238E27FC236}">
-                <a16:creationId xmlns:a16="http://schemas.microsoft.com/office/drawing/2014/main" id="{7E7C57CF-71B6-055D-01DC-E849397CC5EA}"/>
-              </a:ext>
-            </a:extLst>
-          </p:cNvPr>
-          <p:cNvPicPr>
-            <a:extLst>
-              <a:ext uri="{51228E76-BA90-4043-B771-695A4F85340A}">
-                <alf:liveFeedProps xmlns:alf="http://schemas.microsoft.com/office/drawing/2021/livefeed"/>
-              </a:ext>
-            </a:extLst>
-          </p:cNvPicPr>
-          <p:nvPr/>
-        </p:nvPicPr>
-        <p:blipFill>
-          <a:blip r:embed="rId3">
-            <a:extLst>
-              <a:ext uri="{96DAC541-7B7A-43D3-8B79-37D633B846F1}">
-                <asvg:svgBlip xmlns:asvg="http://schemas.microsoft.com/office/drawing/2016/SVG/main" r:embed="rId4"/>
-              </a:ext>
-            </a:extLst>
-          </a:blip>
-          <a:srcRect/>
-          <a:stretch>
-            <a:fillRect/>
-          </a:stretch>
-        </p:blipFill>
-        <p:spPr>
-          <a:xfrm>
-            <a:off x="0" y="0"/>
-            <a:ext cx="12192000" cy="6858000"/>
-          </a:xfrm>
-          <a:prstGeom prst="rect">
-            <a:avLst/>
-          </a:prstGeom>
-          <a:ln w="19050" cap="rnd">
-            <a:solidFill>
-              <a:srgbClr val="404040"/>
-            </a:solidFill>
-          </a:ln>
-          <a:effectLst/>
-        </p:spPr>
-      </p:pic>
-      <p:sp>
-        <p:nvSpPr>
-          <p:cNvPr id="3" name="Content Placeholder 2">
-            <a:extLst>
-              <a:ext uri="{FF2B5EF4-FFF2-40B4-BE49-F238E27FC236}">
-                <a16:creationId xmlns:a16="http://schemas.microsoft.com/office/drawing/2014/main" id="{FDACF4F8-5135-1EE9-3519-94EDC2E110EE}"/>
+      <p:sp>
+        <p:nvSpPr>
+          <p:cNvPr id="2" name="Title 1">
+            <a:extLst>
+              <a:ext uri="{FF2B5EF4-FFF2-40B4-BE49-F238E27FC236}">
+                <a16:creationId xmlns:a16="http://schemas.microsoft.com/office/drawing/2014/main" id="{F3C31F88-EE82-23FF-D334-8ED27EE461A4}"/>
               </a:ext>
             </a:extLst>
           </p:cNvPr>
@@ -4732,35 +11113,1337 @@
             <a:spLocks noGrp="1"/>
           </p:cNvSpPr>
           <p:nvPr>
-            <p:ph idx="1"/>
+            <p:ph type="title"/>
           </p:nvPr>
         </p:nvSpPr>
         <p:spPr>
           <a:xfrm>
-            <a:off x="538369" y="238539"/>
-            <a:ext cx="11115261" cy="755374"/>
-          </a:xfrm>
-        </p:spPr>
-        <p:txBody>
-          <a:bodyPr>
-            <a:normAutofit/>
+            <a:off x="838200" y="41960"/>
+            <a:ext cx="10515600" cy="841068"/>
+          </a:xfrm>
+        </p:spPr>
+        <p:txBody>
+          <a:bodyPr/>
+          <a:lstStyle/>
+          <a:p>
+            <a:r>
+              <a:rPr lang="en-US" sz="4400" dirty="0">
+                <a:latin typeface=""/>
+                <a:cs typeface="Arial" panose="020B0604020202020204" pitchFamily="34" charset="0"/>
+              </a:rPr>
+              <a:t>Large Language Models (LLMs)</a:t>
+            </a:r>
+            <a:endParaRPr lang="en-US" dirty="0"/>
+          </a:p>
+        </p:txBody>
+      </p:sp>
+      <p:sp>
+        <p:nvSpPr>
+          <p:cNvPr id="7" name="TextBox 6">
+            <a:extLst>
+              <a:ext uri="{FF2B5EF4-FFF2-40B4-BE49-F238E27FC236}">
+                <a16:creationId xmlns:a16="http://schemas.microsoft.com/office/drawing/2014/main" id="{63968F5C-53EA-1E96-B689-BD50AF14A53B}"/>
+              </a:ext>
+            </a:extLst>
+          </p:cNvPr>
+          <p:cNvSpPr txBox="1"/>
+          <p:nvPr/>
+        </p:nvSpPr>
+        <p:spPr>
+          <a:xfrm>
+            <a:off x="1693329" y="1587714"/>
+            <a:ext cx="9592733" cy="646331"/>
+          </a:xfrm>
+          <a:prstGeom prst="rect">
+            <a:avLst/>
+          </a:prstGeom>
+        </p:spPr>
+        <p:style>
+          <a:lnRef idx="2">
+            <a:schemeClr val="accent1"/>
+          </a:lnRef>
+          <a:fillRef idx="1">
+            <a:schemeClr val="lt1"/>
+          </a:fillRef>
+          <a:effectRef idx="0">
+            <a:schemeClr val="accent1"/>
+          </a:effectRef>
+          <a:fontRef idx="minor">
+            <a:schemeClr val="dk1"/>
+          </a:fontRef>
+        </p:style>
+        <p:txBody>
+          <a:bodyPr wrap="square">
+            <a:spAutoFit/>
           </a:bodyPr>
           <a:lstStyle/>
           <a:p>
-            <a:pPr marL="0" indent="0" algn="ctr">
-              <a:buNone/>
-            </a:pPr>
-            <a:r>
-              <a:rPr lang="en-US" sz="3600" dirty="0"/>
-              <a:t>Deepa Narang</a:t>
-            </a:r>
+            <a:r>
+              <a:rPr lang="en-HK" sz="1800" dirty="0">
+                <a:ln w="0"/>
+                <a:solidFill>
+                  <a:schemeClr val="tx1"/>
+                </a:solidFill>
+                <a:effectLst>
+                  <a:outerShdw blurRad="38100" dist="25400" dir="5400000" algn="ctr" rotWithShape="0">
+                    <a:srgbClr val="6E747A">
+                      <a:alpha val="43000"/>
+                    </a:srgbClr>
+                  </a:outerShdw>
+                </a:effectLst>
+                <a:latin typeface="74,Bold"/>
+              </a:rPr>
+              <a:t>GPT (117M parameters): </a:t>
+            </a:r>
+            <a:r>
+              <a:rPr lang="en-HK" sz="1800" dirty="0">
+                <a:ln w="0"/>
+                <a:solidFill>
+                  <a:schemeClr val="tx1"/>
+                </a:solidFill>
+                <a:effectLst>
+                  <a:outerShdw blurRad="38100" dist="25400" dir="5400000" algn="ctr" rotWithShape="0">
+                    <a:srgbClr val="6E747A">
+                      <a:alpha val="43000"/>
+                    </a:srgbClr>
+                  </a:outerShdw>
+                </a:effectLst>
+                <a:latin typeface="73"/>
+              </a:rPr>
+              <a:t>The first model is to be trained in a “generative” mode by masking portions of input text from left to right</a:t>
+            </a:r>
+            <a:endParaRPr lang="en-HK" dirty="0">
+              <a:ln w="0"/>
+              <a:solidFill>
+                <a:schemeClr val="tx1"/>
+              </a:solidFill>
+              <a:effectLst>
+                <a:outerShdw blurRad="38100" dist="25400" dir="5400000" algn="ctr" rotWithShape="0">
+                  <a:srgbClr val="6E747A">
+                    <a:alpha val="43000"/>
+                  </a:srgbClr>
+                </a:outerShdw>
+              </a:effectLst>
+            </a:endParaRPr>
+          </a:p>
+        </p:txBody>
+      </p:sp>
+      <p:sp>
+        <p:nvSpPr>
+          <p:cNvPr id="9" name="TextBox 8">
+            <a:extLst>
+              <a:ext uri="{FF2B5EF4-FFF2-40B4-BE49-F238E27FC236}">
+                <a16:creationId xmlns:a16="http://schemas.microsoft.com/office/drawing/2014/main" id="{30CC20A5-30B0-B80E-8307-5D622D23CAE6}"/>
+              </a:ext>
+            </a:extLst>
+          </p:cNvPr>
+          <p:cNvSpPr txBox="1"/>
+          <p:nvPr/>
+        </p:nvSpPr>
+        <p:spPr>
+          <a:xfrm>
+            <a:off x="1693328" y="3921860"/>
+            <a:ext cx="9592733" cy="646331"/>
+          </a:xfrm>
+          <a:prstGeom prst="rect">
+            <a:avLst/>
+          </a:prstGeom>
+        </p:spPr>
+        <p:style>
+          <a:lnRef idx="2">
+            <a:schemeClr val="accent1"/>
+          </a:lnRef>
+          <a:fillRef idx="1">
+            <a:schemeClr val="lt1"/>
+          </a:fillRef>
+          <a:effectRef idx="0">
+            <a:schemeClr val="accent1"/>
+          </a:effectRef>
+          <a:fontRef idx="minor">
+            <a:schemeClr val="dk1"/>
+          </a:fontRef>
+        </p:style>
+        <p:txBody>
+          <a:bodyPr wrap="square">
+            <a:spAutoFit/>
+          </a:bodyPr>
+          <a:lstStyle>
+            <a:defPPr>
+              <a:defRPr lang="en-US"/>
+            </a:defPPr>
+            <a:lvl1pPr>
+              <a:defRPr>
+                <a:ln w="0"/>
+                <a:effectLst>
+                  <a:outerShdw blurRad="38100" dist="25400" dir="5400000" algn="ctr" rotWithShape="0">
+                    <a:srgbClr val="6E747A">
+                      <a:alpha val="43000"/>
+                    </a:srgbClr>
+                  </a:outerShdw>
+                </a:effectLst>
+                <a:latin typeface="74,Bold"/>
+              </a:defRPr>
+            </a:lvl1pPr>
+            <a:lvl2pPr>
+              <a:defRPr>
+                <a:solidFill>
+                  <a:schemeClr val="dk1"/>
+                </a:solidFill>
+              </a:defRPr>
+            </a:lvl2pPr>
+            <a:lvl3pPr>
+              <a:defRPr>
+                <a:solidFill>
+                  <a:schemeClr val="dk1"/>
+                </a:solidFill>
+              </a:defRPr>
+            </a:lvl3pPr>
+            <a:lvl4pPr>
+              <a:defRPr>
+                <a:solidFill>
+                  <a:schemeClr val="dk1"/>
+                </a:solidFill>
+              </a:defRPr>
+            </a:lvl4pPr>
+            <a:lvl5pPr>
+              <a:defRPr>
+                <a:solidFill>
+                  <a:schemeClr val="dk1"/>
+                </a:solidFill>
+              </a:defRPr>
+            </a:lvl5pPr>
+            <a:lvl6pPr>
+              <a:defRPr>
+                <a:solidFill>
+                  <a:schemeClr val="dk1"/>
+                </a:solidFill>
+              </a:defRPr>
+            </a:lvl6pPr>
+            <a:lvl7pPr>
+              <a:defRPr>
+                <a:solidFill>
+                  <a:schemeClr val="dk1"/>
+                </a:solidFill>
+              </a:defRPr>
+            </a:lvl7pPr>
+            <a:lvl8pPr>
+              <a:defRPr>
+                <a:solidFill>
+                  <a:schemeClr val="dk1"/>
+                </a:solidFill>
+              </a:defRPr>
+            </a:lvl8pPr>
+            <a:lvl9pPr>
+              <a:defRPr>
+                <a:solidFill>
+                  <a:schemeClr val="dk1"/>
+                </a:solidFill>
+              </a:defRPr>
+            </a:lvl9pPr>
+          </a:lstStyle>
+          <a:p>
+            <a:r>
+              <a:rPr lang="en-HK" dirty="0" err="1"/>
+              <a:t>InstructGPT</a:t>
+            </a:r>
+            <a:r>
+              <a:rPr lang="en-HK" dirty="0"/>
+              <a:t>: Instruction-tuned models understand human inputs as instructions; the path to ChatGPT is paved</a:t>
+            </a:r>
+            <a:endParaRPr lang="en-US" dirty="0"/>
+          </a:p>
+        </p:txBody>
+      </p:sp>
+      <p:sp>
+        <p:nvSpPr>
+          <p:cNvPr id="10" name="Rounded Rectangle 9">
+            <a:extLst>
+              <a:ext uri="{FF2B5EF4-FFF2-40B4-BE49-F238E27FC236}">
+                <a16:creationId xmlns:a16="http://schemas.microsoft.com/office/drawing/2014/main" id="{CBB52F82-CD00-CC5D-18F3-92A5AEAF78FA}"/>
+              </a:ext>
+            </a:extLst>
+          </p:cNvPr>
+          <p:cNvSpPr/>
+          <p:nvPr/>
+        </p:nvSpPr>
+        <p:spPr>
+          <a:xfrm>
+            <a:off x="838196" y="1547984"/>
+            <a:ext cx="787400" cy="701630"/>
+          </a:xfrm>
+          <a:prstGeom prst="roundRect">
+            <a:avLst/>
+          </a:prstGeom>
+          <a:noFill/>
+        </p:spPr>
+        <p:style>
+          <a:lnRef idx="2">
+            <a:schemeClr val="accent1">
+              <a:shade val="15000"/>
+            </a:schemeClr>
+          </a:lnRef>
+          <a:fillRef idx="1">
+            <a:schemeClr val="accent1"/>
+          </a:fillRef>
+          <a:effectRef idx="0">
+            <a:schemeClr val="accent1"/>
+          </a:effectRef>
+          <a:fontRef idx="minor">
+            <a:schemeClr val="lt1"/>
+          </a:fontRef>
+        </p:style>
+        <p:txBody>
+          <a:bodyPr rtlCol="0" anchor="ctr"/>
+          <a:lstStyle/>
+          <a:p>
+            <a:pPr algn="ctr"/>
+            <a:r>
+              <a:rPr lang="en-US" dirty="0">
+                <a:solidFill>
+                  <a:schemeClr val="tx1"/>
+                </a:solidFill>
+              </a:rPr>
+              <a:t>2018</a:t>
+            </a:r>
+          </a:p>
+        </p:txBody>
+      </p:sp>
+      <p:sp>
+        <p:nvSpPr>
+          <p:cNvPr id="11" name="Rounded Rectangle 10">
+            <a:extLst>
+              <a:ext uri="{FF2B5EF4-FFF2-40B4-BE49-F238E27FC236}">
+                <a16:creationId xmlns:a16="http://schemas.microsoft.com/office/drawing/2014/main" id="{E2464077-9C6E-A98F-59C5-7DC11D44F690}"/>
+              </a:ext>
+            </a:extLst>
+          </p:cNvPr>
+          <p:cNvSpPr/>
+          <p:nvPr/>
+        </p:nvSpPr>
+        <p:spPr>
+          <a:xfrm>
+            <a:off x="838196" y="2320620"/>
+            <a:ext cx="787400" cy="701630"/>
+          </a:xfrm>
+          <a:prstGeom prst="roundRect">
+            <a:avLst/>
+          </a:prstGeom>
+          <a:noFill/>
+        </p:spPr>
+        <p:style>
+          <a:lnRef idx="2">
+            <a:schemeClr val="accent1">
+              <a:shade val="15000"/>
+            </a:schemeClr>
+          </a:lnRef>
+          <a:fillRef idx="1">
+            <a:schemeClr val="accent1"/>
+          </a:fillRef>
+          <a:effectRef idx="0">
+            <a:schemeClr val="accent1"/>
+          </a:effectRef>
+          <a:fontRef idx="minor">
+            <a:schemeClr val="lt1"/>
+          </a:fontRef>
+        </p:style>
+        <p:txBody>
+          <a:bodyPr rtlCol="0" anchor="ctr"/>
+          <a:lstStyle/>
+          <a:p>
+            <a:pPr algn="ctr"/>
+            <a:r>
+              <a:rPr lang="en-US" dirty="0">
+                <a:solidFill>
+                  <a:schemeClr val="tx1"/>
+                </a:solidFill>
+              </a:rPr>
+              <a:t>2019</a:t>
+            </a:r>
+          </a:p>
+        </p:txBody>
+      </p:sp>
+      <p:sp>
+        <p:nvSpPr>
+          <p:cNvPr id="12" name="Rounded Rectangle 11">
+            <a:extLst>
+              <a:ext uri="{FF2B5EF4-FFF2-40B4-BE49-F238E27FC236}">
+                <a16:creationId xmlns:a16="http://schemas.microsoft.com/office/drawing/2014/main" id="{B1B9E5BC-5216-68DA-5030-C2FA508CE260}"/>
+              </a:ext>
+            </a:extLst>
+          </p:cNvPr>
+          <p:cNvSpPr/>
+          <p:nvPr/>
+        </p:nvSpPr>
+        <p:spPr>
+          <a:xfrm>
+            <a:off x="838196" y="3117199"/>
+            <a:ext cx="787400" cy="701630"/>
+          </a:xfrm>
+          <a:prstGeom prst="roundRect">
+            <a:avLst/>
+          </a:prstGeom>
+          <a:noFill/>
+        </p:spPr>
+        <p:style>
+          <a:lnRef idx="2">
+            <a:schemeClr val="accent1">
+              <a:shade val="15000"/>
+            </a:schemeClr>
+          </a:lnRef>
+          <a:fillRef idx="1">
+            <a:schemeClr val="accent1"/>
+          </a:fillRef>
+          <a:effectRef idx="0">
+            <a:schemeClr val="accent1"/>
+          </a:effectRef>
+          <a:fontRef idx="minor">
+            <a:schemeClr val="lt1"/>
+          </a:fontRef>
+        </p:style>
+        <p:txBody>
+          <a:bodyPr rtlCol="0" anchor="ctr"/>
+          <a:lstStyle/>
+          <a:p>
+            <a:pPr algn="ctr"/>
+            <a:r>
+              <a:rPr lang="en-US" dirty="0">
+                <a:solidFill>
+                  <a:schemeClr val="tx1"/>
+                </a:solidFill>
+              </a:rPr>
+              <a:t>2020</a:t>
+            </a:r>
+          </a:p>
+        </p:txBody>
+      </p:sp>
+      <p:sp>
+        <p:nvSpPr>
+          <p:cNvPr id="14" name="TextBox 13">
+            <a:extLst>
+              <a:ext uri="{FF2B5EF4-FFF2-40B4-BE49-F238E27FC236}">
+                <a16:creationId xmlns:a16="http://schemas.microsoft.com/office/drawing/2014/main" id="{FE547E7C-7453-0502-8184-21E5923F77AD}"/>
+              </a:ext>
+            </a:extLst>
+          </p:cNvPr>
+          <p:cNvSpPr txBox="1"/>
+          <p:nvPr/>
+        </p:nvSpPr>
+        <p:spPr>
+          <a:xfrm>
+            <a:off x="1693329" y="2363083"/>
+            <a:ext cx="9592733" cy="646331"/>
+          </a:xfrm>
+          <a:prstGeom prst="rect">
+            <a:avLst/>
+          </a:prstGeom>
+        </p:spPr>
+        <p:style>
+          <a:lnRef idx="2">
+            <a:schemeClr val="accent1"/>
+          </a:lnRef>
+          <a:fillRef idx="1">
+            <a:schemeClr val="lt1"/>
+          </a:fillRef>
+          <a:effectRef idx="0">
+            <a:schemeClr val="accent1"/>
+          </a:effectRef>
+          <a:fontRef idx="minor">
+            <a:schemeClr val="dk1"/>
+          </a:fontRef>
+        </p:style>
+        <p:txBody>
+          <a:bodyPr wrap="square">
+            <a:spAutoFit/>
+          </a:bodyPr>
+          <a:lstStyle>
+            <a:defPPr>
+              <a:defRPr lang="en-US"/>
+            </a:defPPr>
+            <a:lvl1pPr>
+              <a:defRPr>
+                <a:ln w="0"/>
+                <a:solidFill>
+                  <a:schemeClr val="dk1"/>
+                </a:solidFill>
+                <a:effectLst>
+                  <a:outerShdw blurRad="38100" dist="25400" dir="5400000" algn="ctr" rotWithShape="0">
+                    <a:srgbClr val="6E747A">
+                      <a:alpha val="43000"/>
+                    </a:srgbClr>
+                  </a:outerShdw>
+                </a:effectLst>
+                <a:latin typeface="74,Bold"/>
+              </a:defRPr>
+            </a:lvl1pPr>
+            <a:lvl2pPr>
+              <a:defRPr>
+                <a:solidFill>
+                  <a:schemeClr val="dk1"/>
+                </a:solidFill>
+              </a:defRPr>
+            </a:lvl2pPr>
+            <a:lvl3pPr>
+              <a:defRPr>
+                <a:solidFill>
+                  <a:schemeClr val="dk1"/>
+                </a:solidFill>
+              </a:defRPr>
+            </a:lvl3pPr>
+            <a:lvl4pPr>
+              <a:defRPr>
+                <a:solidFill>
+                  <a:schemeClr val="dk1"/>
+                </a:solidFill>
+              </a:defRPr>
+            </a:lvl4pPr>
+            <a:lvl5pPr>
+              <a:defRPr>
+                <a:solidFill>
+                  <a:schemeClr val="dk1"/>
+                </a:solidFill>
+              </a:defRPr>
+            </a:lvl5pPr>
+            <a:lvl6pPr>
+              <a:defRPr>
+                <a:solidFill>
+                  <a:schemeClr val="dk1"/>
+                </a:solidFill>
+              </a:defRPr>
+            </a:lvl6pPr>
+            <a:lvl7pPr>
+              <a:defRPr>
+                <a:solidFill>
+                  <a:schemeClr val="dk1"/>
+                </a:solidFill>
+              </a:defRPr>
+            </a:lvl7pPr>
+            <a:lvl8pPr>
+              <a:defRPr>
+                <a:solidFill>
+                  <a:schemeClr val="dk1"/>
+                </a:solidFill>
+              </a:defRPr>
+            </a:lvl8pPr>
+            <a:lvl9pPr>
+              <a:defRPr>
+                <a:solidFill>
+                  <a:schemeClr val="dk1"/>
+                </a:solidFill>
+              </a:defRPr>
+            </a:lvl9pPr>
+          </a:lstStyle>
+          <a:p>
+            <a:r>
+              <a:rPr lang="en-HK" dirty="0"/>
+              <a:t>GPT-2 (1.5B parameters): The era of prompting begins. Models are relatively small, open-source and fine-tuning is possible </a:t>
+            </a:r>
+          </a:p>
+        </p:txBody>
+      </p:sp>
+      <p:sp>
+        <p:nvSpPr>
+          <p:cNvPr id="15" name="Rounded Rectangle 14">
+            <a:extLst>
+              <a:ext uri="{FF2B5EF4-FFF2-40B4-BE49-F238E27FC236}">
+                <a16:creationId xmlns:a16="http://schemas.microsoft.com/office/drawing/2014/main" id="{EF744668-FAF3-B62E-2DB4-44CA44DF4CBD}"/>
+              </a:ext>
+            </a:extLst>
+          </p:cNvPr>
+          <p:cNvSpPr/>
+          <p:nvPr/>
+        </p:nvSpPr>
+        <p:spPr>
+          <a:xfrm>
+            <a:off x="833961" y="4667878"/>
+            <a:ext cx="787400" cy="701630"/>
+          </a:xfrm>
+          <a:prstGeom prst="roundRect">
+            <a:avLst/>
+          </a:prstGeom>
+          <a:noFill/>
+        </p:spPr>
+        <p:style>
+          <a:lnRef idx="2">
+            <a:schemeClr val="accent1">
+              <a:shade val="15000"/>
+            </a:schemeClr>
+          </a:lnRef>
+          <a:fillRef idx="1">
+            <a:schemeClr val="accent1"/>
+          </a:fillRef>
+          <a:effectRef idx="0">
+            <a:schemeClr val="accent1"/>
+          </a:effectRef>
+          <a:fontRef idx="minor">
+            <a:schemeClr val="lt1"/>
+          </a:fontRef>
+        </p:style>
+        <p:txBody>
+          <a:bodyPr rtlCol="0" anchor="ctr"/>
+          <a:lstStyle/>
+          <a:p>
+            <a:pPr algn="ctr"/>
+            <a:r>
+              <a:rPr lang="en-US" dirty="0">
+                <a:solidFill>
+                  <a:schemeClr val="tx1"/>
+                </a:solidFill>
+              </a:rPr>
+              <a:t>2023</a:t>
+            </a:r>
+          </a:p>
+        </p:txBody>
+      </p:sp>
+      <p:sp>
+        <p:nvSpPr>
+          <p:cNvPr id="17" name="TextBox 16">
+            <a:extLst>
+              <a:ext uri="{FF2B5EF4-FFF2-40B4-BE49-F238E27FC236}">
+                <a16:creationId xmlns:a16="http://schemas.microsoft.com/office/drawing/2014/main" id="{92CF0CBB-1ED9-7679-3580-555B3CFC37D4}"/>
+              </a:ext>
+            </a:extLst>
+          </p:cNvPr>
+          <p:cNvSpPr txBox="1"/>
+          <p:nvPr/>
+        </p:nvSpPr>
+        <p:spPr>
+          <a:xfrm>
+            <a:off x="1693329" y="3138453"/>
+            <a:ext cx="9592732" cy="646331"/>
+          </a:xfrm>
+          <a:prstGeom prst="rect">
+            <a:avLst/>
+          </a:prstGeom>
+        </p:spPr>
+        <p:style>
+          <a:lnRef idx="2">
+            <a:schemeClr val="accent1"/>
+          </a:lnRef>
+          <a:fillRef idx="1">
+            <a:schemeClr val="lt1"/>
+          </a:fillRef>
+          <a:effectRef idx="0">
+            <a:schemeClr val="accent1"/>
+          </a:effectRef>
+          <a:fontRef idx="minor">
+            <a:schemeClr val="dk1"/>
+          </a:fontRef>
+        </p:style>
+        <p:txBody>
+          <a:bodyPr wrap="square">
+            <a:spAutoFit/>
+          </a:bodyPr>
+          <a:lstStyle>
+            <a:defPPr>
+              <a:defRPr lang="en-US"/>
+            </a:defPPr>
+            <a:lvl1pPr>
+              <a:defRPr>
+                <a:ln w="0"/>
+                <a:solidFill>
+                  <a:schemeClr val="dk1"/>
+                </a:solidFill>
+                <a:effectLst>
+                  <a:outerShdw blurRad="38100" dist="25400" dir="5400000" algn="ctr" rotWithShape="0">
+                    <a:srgbClr val="6E747A">
+                      <a:alpha val="43000"/>
+                    </a:srgbClr>
+                  </a:outerShdw>
+                </a:effectLst>
+                <a:latin typeface="74,Bold"/>
+              </a:defRPr>
+            </a:lvl1pPr>
+            <a:lvl2pPr>
+              <a:defRPr>
+                <a:solidFill>
+                  <a:schemeClr val="dk1"/>
+                </a:solidFill>
+              </a:defRPr>
+            </a:lvl2pPr>
+            <a:lvl3pPr>
+              <a:defRPr>
+                <a:solidFill>
+                  <a:schemeClr val="dk1"/>
+                </a:solidFill>
+              </a:defRPr>
+            </a:lvl3pPr>
+            <a:lvl4pPr>
+              <a:defRPr>
+                <a:solidFill>
+                  <a:schemeClr val="dk1"/>
+                </a:solidFill>
+              </a:defRPr>
+            </a:lvl4pPr>
+            <a:lvl5pPr>
+              <a:defRPr>
+                <a:solidFill>
+                  <a:schemeClr val="dk1"/>
+                </a:solidFill>
+              </a:defRPr>
+            </a:lvl5pPr>
+            <a:lvl6pPr>
+              <a:defRPr>
+                <a:solidFill>
+                  <a:schemeClr val="dk1"/>
+                </a:solidFill>
+              </a:defRPr>
+            </a:lvl6pPr>
+            <a:lvl7pPr>
+              <a:defRPr>
+                <a:solidFill>
+                  <a:schemeClr val="dk1"/>
+                </a:solidFill>
+              </a:defRPr>
+            </a:lvl7pPr>
+            <a:lvl8pPr>
+              <a:defRPr>
+                <a:solidFill>
+                  <a:schemeClr val="dk1"/>
+                </a:solidFill>
+              </a:defRPr>
+            </a:lvl8pPr>
+            <a:lvl9pPr>
+              <a:defRPr>
+                <a:solidFill>
+                  <a:schemeClr val="dk1"/>
+                </a:solidFill>
+              </a:defRPr>
+            </a:lvl9pPr>
+          </a:lstStyle>
+          <a:p>
+            <a:r>
+              <a:rPr lang="en-HK" dirty="0"/>
+              <a:t>GPT-3 (175B parameters): Large-scale foundation models are born. Prompting is shown to induce robust performance on natural language tasks</a:t>
+            </a:r>
+          </a:p>
+        </p:txBody>
+      </p:sp>
+      <p:sp>
+        <p:nvSpPr>
+          <p:cNvPr id="18" name="Rounded Rectangle 17">
+            <a:extLst>
+              <a:ext uri="{FF2B5EF4-FFF2-40B4-BE49-F238E27FC236}">
+                <a16:creationId xmlns:a16="http://schemas.microsoft.com/office/drawing/2014/main" id="{402B890A-51E2-44DB-1485-C22020D2C539}"/>
+              </a:ext>
+            </a:extLst>
+          </p:cNvPr>
+          <p:cNvSpPr/>
+          <p:nvPr/>
+        </p:nvSpPr>
+        <p:spPr>
+          <a:xfrm>
+            <a:off x="833961" y="3895242"/>
+            <a:ext cx="787400" cy="701630"/>
+          </a:xfrm>
+          <a:prstGeom prst="roundRect">
+            <a:avLst/>
+          </a:prstGeom>
+          <a:noFill/>
+        </p:spPr>
+        <p:style>
+          <a:lnRef idx="2">
+            <a:schemeClr val="accent1">
+              <a:shade val="15000"/>
+            </a:schemeClr>
+          </a:lnRef>
+          <a:fillRef idx="1">
+            <a:schemeClr val="accent1"/>
+          </a:fillRef>
+          <a:effectRef idx="0">
+            <a:schemeClr val="accent1"/>
+          </a:effectRef>
+          <a:fontRef idx="minor">
+            <a:schemeClr val="lt1"/>
+          </a:fontRef>
+        </p:style>
+        <p:txBody>
+          <a:bodyPr rtlCol="0" anchor="ctr"/>
+          <a:lstStyle/>
+          <a:p>
+            <a:pPr algn="ctr"/>
+            <a:r>
+              <a:rPr lang="en-US" dirty="0">
+                <a:solidFill>
+                  <a:schemeClr val="tx1"/>
+                </a:solidFill>
+              </a:rPr>
+              <a:t>2022</a:t>
+            </a:r>
+          </a:p>
+        </p:txBody>
+      </p:sp>
+      <p:sp>
+        <p:nvSpPr>
+          <p:cNvPr id="20" name="TextBox 19">
+            <a:extLst>
+              <a:ext uri="{FF2B5EF4-FFF2-40B4-BE49-F238E27FC236}">
+                <a16:creationId xmlns:a16="http://schemas.microsoft.com/office/drawing/2014/main" id="{A68F7DB7-F643-C7CD-EA76-81829808BB22}"/>
+              </a:ext>
+            </a:extLst>
+          </p:cNvPr>
+          <p:cNvSpPr txBox="1"/>
+          <p:nvPr/>
+        </p:nvSpPr>
+        <p:spPr>
+          <a:xfrm>
+            <a:off x="1693327" y="4695527"/>
+            <a:ext cx="9592731" cy="646331"/>
+          </a:xfrm>
+          <a:prstGeom prst="rect">
+            <a:avLst/>
+          </a:prstGeom>
+        </p:spPr>
+        <p:style>
+          <a:lnRef idx="2">
+            <a:schemeClr val="accent1"/>
+          </a:lnRef>
+          <a:fillRef idx="1">
+            <a:schemeClr val="lt1"/>
+          </a:fillRef>
+          <a:effectRef idx="0">
+            <a:schemeClr val="accent1"/>
+          </a:effectRef>
+          <a:fontRef idx="minor">
+            <a:schemeClr val="dk1"/>
+          </a:fontRef>
+        </p:style>
+        <p:txBody>
+          <a:bodyPr wrap="square">
+            <a:spAutoFit/>
+          </a:bodyPr>
+          <a:lstStyle>
+            <a:defPPr>
+              <a:defRPr lang="en-US"/>
+            </a:defPPr>
+            <a:lvl1pPr>
+              <a:defRPr>
+                <a:ln w="0"/>
+                <a:solidFill>
+                  <a:schemeClr val="dk1"/>
+                </a:solidFill>
+                <a:effectLst>
+                  <a:outerShdw blurRad="38100" dist="25400" dir="5400000" algn="ctr" rotWithShape="0">
+                    <a:srgbClr val="6E747A">
+                      <a:alpha val="43000"/>
+                    </a:srgbClr>
+                  </a:outerShdw>
+                </a:effectLst>
+                <a:latin typeface="74,Bold"/>
+              </a:defRPr>
+            </a:lvl1pPr>
+            <a:lvl2pPr>
+              <a:defRPr>
+                <a:solidFill>
+                  <a:schemeClr val="dk1"/>
+                </a:solidFill>
+              </a:defRPr>
+            </a:lvl2pPr>
+            <a:lvl3pPr>
+              <a:defRPr>
+                <a:solidFill>
+                  <a:schemeClr val="dk1"/>
+                </a:solidFill>
+              </a:defRPr>
+            </a:lvl3pPr>
+            <a:lvl4pPr>
+              <a:defRPr>
+                <a:solidFill>
+                  <a:schemeClr val="dk1"/>
+                </a:solidFill>
+              </a:defRPr>
+            </a:lvl4pPr>
+            <a:lvl5pPr>
+              <a:defRPr>
+                <a:solidFill>
+                  <a:schemeClr val="dk1"/>
+                </a:solidFill>
+              </a:defRPr>
+            </a:lvl5pPr>
+            <a:lvl6pPr>
+              <a:defRPr>
+                <a:solidFill>
+                  <a:schemeClr val="dk1"/>
+                </a:solidFill>
+              </a:defRPr>
+            </a:lvl6pPr>
+            <a:lvl7pPr>
+              <a:defRPr>
+                <a:solidFill>
+                  <a:schemeClr val="dk1"/>
+                </a:solidFill>
+              </a:defRPr>
+            </a:lvl7pPr>
+            <a:lvl8pPr>
+              <a:defRPr>
+                <a:solidFill>
+                  <a:schemeClr val="dk1"/>
+                </a:solidFill>
+              </a:defRPr>
+            </a:lvl8pPr>
+            <a:lvl9pPr>
+              <a:defRPr>
+                <a:solidFill>
+                  <a:schemeClr val="dk1"/>
+                </a:solidFill>
+              </a:defRPr>
+            </a:lvl9pPr>
+          </a:lstStyle>
+          <a:p>
+            <a:r>
+              <a:rPr lang="en-HK" dirty="0"/>
+              <a:t>GPT-4 (1T parameters?): Era of completely closed models begins; API access only</a:t>
+            </a:r>
+          </a:p>
+          <a:p>
+            <a:endParaRPr lang="en-HK" dirty="0"/>
+          </a:p>
+        </p:txBody>
+      </p:sp>
+      <p:sp>
+        <p:nvSpPr>
+          <p:cNvPr id="22" name="TextBox 21">
+            <a:extLst>
+              <a:ext uri="{FF2B5EF4-FFF2-40B4-BE49-F238E27FC236}">
+                <a16:creationId xmlns:a16="http://schemas.microsoft.com/office/drawing/2014/main" id="{9E9C4474-251D-D429-8AB9-2F9E9FB3363D}"/>
+              </a:ext>
+            </a:extLst>
+          </p:cNvPr>
+          <p:cNvSpPr txBox="1"/>
+          <p:nvPr/>
+        </p:nvSpPr>
+        <p:spPr>
+          <a:xfrm>
+            <a:off x="833965" y="814837"/>
+            <a:ext cx="10452097" cy="646331"/>
+          </a:xfrm>
+          <a:prstGeom prst="rect">
+            <a:avLst/>
+          </a:prstGeom>
+          <a:noFill/>
+        </p:spPr>
+        <p:txBody>
+          <a:bodyPr wrap="square">
+            <a:spAutoFit/>
+          </a:bodyPr>
+          <a:lstStyle/>
+          <a:p>
+            <a:r>
+              <a:rPr lang="en-HK" dirty="0">
+                <a:highlight>
+                  <a:srgbClr val="FFFFFF"/>
+                </a:highlight>
+                <a:latin typeface="75,Italic"/>
+              </a:rPr>
+              <a:t>New Era of AI started in Nov 2022</a:t>
+            </a:r>
+            <a:r>
+              <a:rPr lang="en-HK" sz="1800" dirty="0">
+                <a:effectLst/>
+                <a:highlight>
+                  <a:srgbClr val="FFFFFF"/>
+                </a:highlight>
+                <a:latin typeface="75,Italic"/>
+              </a:rPr>
+              <a:t> with the Launch of Open AI GPT 3.5 since then AI has been evolving to be AI assistants </a:t>
+            </a:r>
+            <a:endParaRPr lang="en-HK" dirty="0">
+              <a:effectLst/>
+              <a:highlight>
+                <a:srgbClr val="FFFFFF"/>
+              </a:highlight>
+            </a:endParaRPr>
+          </a:p>
+        </p:txBody>
+      </p:sp>
+      <p:sp>
+        <p:nvSpPr>
+          <p:cNvPr id="23" name="Rounded Rectangle 22">
+            <a:extLst>
+              <a:ext uri="{FF2B5EF4-FFF2-40B4-BE49-F238E27FC236}">
+                <a16:creationId xmlns:a16="http://schemas.microsoft.com/office/drawing/2014/main" id="{6C8B0C30-E4CD-87C0-D383-0B1B24041657}"/>
+              </a:ext>
+            </a:extLst>
+          </p:cNvPr>
+          <p:cNvSpPr/>
+          <p:nvPr/>
+        </p:nvSpPr>
+        <p:spPr>
+          <a:xfrm>
+            <a:off x="833961" y="5440890"/>
+            <a:ext cx="787400" cy="950980"/>
+          </a:xfrm>
+          <a:prstGeom prst="roundRect">
+            <a:avLst/>
+          </a:prstGeom>
+          <a:noFill/>
+        </p:spPr>
+        <p:style>
+          <a:lnRef idx="2">
+            <a:schemeClr val="accent1">
+              <a:shade val="15000"/>
+            </a:schemeClr>
+          </a:lnRef>
+          <a:fillRef idx="1">
+            <a:schemeClr val="accent1"/>
+          </a:fillRef>
+          <a:effectRef idx="0">
+            <a:schemeClr val="accent1"/>
+          </a:effectRef>
+          <a:fontRef idx="minor">
+            <a:schemeClr val="lt1"/>
+          </a:fontRef>
+        </p:style>
+        <p:txBody>
+          <a:bodyPr rtlCol="0" anchor="ctr"/>
+          <a:lstStyle/>
+          <a:p>
+            <a:pPr algn="ctr"/>
+            <a:r>
+              <a:rPr lang="en-US" dirty="0">
+                <a:solidFill>
+                  <a:schemeClr val="tx1"/>
+                </a:solidFill>
+              </a:rPr>
+              <a:t>2024</a:t>
+            </a:r>
+          </a:p>
+        </p:txBody>
+      </p:sp>
+      <p:sp>
+        <p:nvSpPr>
+          <p:cNvPr id="24" name="TextBox 23">
+            <a:extLst>
+              <a:ext uri="{FF2B5EF4-FFF2-40B4-BE49-F238E27FC236}">
+                <a16:creationId xmlns:a16="http://schemas.microsoft.com/office/drawing/2014/main" id="{12E393E3-A8EA-48A3-1741-2BE5B826A553}"/>
+              </a:ext>
+            </a:extLst>
+          </p:cNvPr>
+          <p:cNvSpPr txBox="1"/>
+          <p:nvPr/>
+        </p:nvSpPr>
+        <p:spPr>
+          <a:xfrm>
+            <a:off x="1693327" y="5468540"/>
+            <a:ext cx="9592731" cy="923330"/>
+          </a:xfrm>
+          <a:prstGeom prst="rect">
+            <a:avLst/>
+          </a:prstGeom>
+        </p:spPr>
+        <p:style>
+          <a:lnRef idx="2">
+            <a:schemeClr val="accent1"/>
+          </a:lnRef>
+          <a:fillRef idx="1">
+            <a:schemeClr val="lt1"/>
+          </a:fillRef>
+          <a:effectRef idx="0">
+            <a:schemeClr val="accent1"/>
+          </a:effectRef>
+          <a:fontRef idx="minor">
+            <a:schemeClr val="dk1"/>
+          </a:fontRef>
+        </p:style>
+        <p:txBody>
+          <a:bodyPr wrap="square">
+            <a:spAutoFit/>
+          </a:bodyPr>
+          <a:lstStyle>
+            <a:defPPr>
+              <a:defRPr lang="en-US"/>
+            </a:defPPr>
+            <a:lvl1pPr>
+              <a:defRPr>
+                <a:ln w="0"/>
+                <a:solidFill>
+                  <a:schemeClr val="dk1"/>
+                </a:solidFill>
+                <a:effectLst>
+                  <a:outerShdw blurRad="38100" dist="25400" dir="5400000" algn="ctr" rotWithShape="0">
+                    <a:srgbClr val="6E747A">
+                      <a:alpha val="43000"/>
+                    </a:srgbClr>
+                  </a:outerShdw>
+                </a:effectLst>
+                <a:latin typeface="74,Bold"/>
+              </a:defRPr>
+            </a:lvl1pPr>
+            <a:lvl2pPr>
+              <a:defRPr>
+                <a:solidFill>
+                  <a:schemeClr val="dk1"/>
+                </a:solidFill>
+              </a:defRPr>
+            </a:lvl2pPr>
+            <a:lvl3pPr>
+              <a:defRPr>
+                <a:solidFill>
+                  <a:schemeClr val="dk1"/>
+                </a:solidFill>
+              </a:defRPr>
+            </a:lvl3pPr>
+            <a:lvl4pPr>
+              <a:defRPr>
+                <a:solidFill>
+                  <a:schemeClr val="dk1"/>
+                </a:solidFill>
+              </a:defRPr>
+            </a:lvl4pPr>
+            <a:lvl5pPr>
+              <a:defRPr>
+                <a:solidFill>
+                  <a:schemeClr val="dk1"/>
+                </a:solidFill>
+              </a:defRPr>
+            </a:lvl5pPr>
+            <a:lvl6pPr>
+              <a:defRPr>
+                <a:solidFill>
+                  <a:schemeClr val="dk1"/>
+                </a:solidFill>
+              </a:defRPr>
+            </a:lvl6pPr>
+            <a:lvl7pPr>
+              <a:defRPr>
+                <a:solidFill>
+                  <a:schemeClr val="dk1"/>
+                </a:solidFill>
+              </a:defRPr>
+            </a:lvl7pPr>
+            <a:lvl8pPr>
+              <a:defRPr>
+                <a:solidFill>
+                  <a:schemeClr val="dk1"/>
+                </a:solidFill>
+              </a:defRPr>
+            </a:lvl8pPr>
+            <a:lvl9pPr>
+              <a:defRPr>
+                <a:solidFill>
+                  <a:schemeClr val="dk1"/>
+                </a:solidFill>
+              </a:defRPr>
+            </a:lvl9pPr>
+          </a:lstStyle>
+          <a:p>
+            <a:r>
+              <a:rPr lang="en-HK" dirty="0"/>
+              <a:t>GPT-4O (SORA, GEMINI Pro 1.5): </a:t>
+            </a:r>
+            <a:r>
+              <a:rPr lang="en-US" dirty="0"/>
+              <a:t>(SORA, The era of multi-modal and highly </a:t>
+            </a:r>
+            <a:r>
+              <a:rPr lang="en-US" dirty="0" err="1"/>
+              <a:t>specialised</a:t>
+            </a:r>
+            <a:r>
+              <a:rPr lang="en-US" dirty="0"/>
+              <a:t> AI models. Enhanced integration with various data types (text, image, video, audio) and fine-tuned for specific applications and industries.</a:t>
+            </a:r>
+            <a:endParaRPr lang="en-HK" dirty="0"/>
           </a:p>
         </p:txBody>
       </p:sp>
     </p:spTree>
     <p:extLst>
       <p:ext uri="{BB962C8B-B14F-4D97-AF65-F5344CB8AC3E}">
-        <p14:creationId xmlns:p14="http://schemas.microsoft.com/office/powerpoint/2010/main" val="1369778642"/>
+        <p14:creationId xmlns:p14="http://schemas.microsoft.com/office/powerpoint/2010/main" val="3709707232"/>
+      </p:ext>
+    </p:extLst>
+  </p:cSld>
+  <p:clrMapOvr>
+    <a:masterClrMapping/>
+  </p:clrMapOvr>
+</p:sld>
+</file>
+
+<file path=ppt/slides/slide8.xml><?xml version="1.0" encoding="utf-8"?>
+<p:sld xmlns:a="http://schemas.openxmlformats.org/drawingml/2006/main" xmlns:r="http://schemas.openxmlformats.org/officeDocument/2006/relationships" xmlns:p="http://schemas.openxmlformats.org/presentationml/2006/main">
+  <p:cSld>
+    <p:spTree>
+      <p:nvGrpSpPr>
+        <p:cNvPr id="1" name=""/>
+        <p:cNvGrpSpPr/>
+        <p:nvPr/>
+      </p:nvGrpSpPr>
+      <p:grpSpPr>
+        <a:xfrm>
+          <a:off x="0" y="0"/>
+          <a:ext cx="0" cy="0"/>
+          <a:chOff x="0" y="0"/>
+          <a:chExt cx="0" cy="0"/>
+        </a:xfrm>
+      </p:grpSpPr>
+      <p:sp>
+        <p:nvSpPr>
+          <p:cNvPr id="5" name="TextBox 4">
+            <a:extLst>
+              <a:ext uri="{FF2B5EF4-FFF2-40B4-BE49-F238E27FC236}">
+                <a16:creationId xmlns:a16="http://schemas.microsoft.com/office/drawing/2014/main" id="{7B10CC6B-3D4D-26F2-D184-58A5B753FDE6}"/>
+              </a:ext>
+            </a:extLst>
+          </p:cNvPr>
+          <p:cNvSpPr txBox="1"/>
+          <p:nvPr/>
+        </p:nvSpPr>
+        <p:spPr>
+          <a:xfrm>
+            <a:off x="566467" y="1502688"/>
+            <a:ext cx="10023895" cy="5355312"/>
+          </a:xfrm>
+          <a:prstGeom prst="rect">
+            <a:avLst/>
+          </a:prstGeom>
+          <a:noFill/>
+        </p:spPr>
+        <p:txBody>
+          <a:bodyPr wrap="square">
+            <a:spAutoFit/>
+          </a:bodyPr>
+          <a:lstStyle/>
+          <a:p>
+            <a:r>
+              <a:rPr lang="en-US" dirty="0"/>
+              <a:t>GPT-1 (117M parameters): This model marks a significant milestone as the first to be trained in a 'generative' mode, a technique that involves masking portions of input text from left to right. This approach sets the foundation for the evolution of subsequent models.</a:t>
+            </a:r>
+          </a:p>
+          <a:p>
+            <a:endParaRPr lang="en-US" dirty="0"/>
+          </a:p>
+          <a:p>
+            <a:r>
+              <a:rPr lang="en-US" dirty="0"/>
+              <a:t>GPT-2 (1.5B parameters): Th is model marks a transition to 'prompting,' a technique that allows for more interactive and specific responses. With relatively small and open-source models, fine-tuning becomes possible, opening up new possibilities in the field.</a:t>
+            </a:r>
+          </a:p>
+          <a:p>
+            <a:endParaRPr lang="en-US" dirty="0"/>
+          </a:p>
+          <a:p>
+            <a:r>
+              <a:rPr lang="en-US" dirty="0"/>
+              <a:t>GPT-3 (175B parameters): Large-scale foundation models are born. Prompting is shown to induce robust performance on natural language tasks.</a:t>
+            </a:r>
+          </a:p>
+          <a:p>
+            <a:endParaRPr lang="en-US" dirty="0"/>
+          </a:p>
+          <a:p>
+            <a:r>
+              <a:rPr lang="en-US" dirty="0" err="1"/>
+              <a:t>InstructGPT</a:t>
+            </a:r>
+            <a:r>
+              <a:rPr lang="en-US" dirty="0"/>
+              <a:t>: Instruction-tuned models understand human inputs as instructions; the path to ChatGPT is paved.</a:t>
+            </a:r>
+          </a:p>
+          <a:p>
+            <a:endParaRPr lang="en-US" dirty="0"/>
+          </a:p>
+          <a:p>
+            <a:r>
+              <a:rPr lang="en-US" dirty="0"/>
+              <a:t>GPT-4 (1T parameters?): Era of completely closed models begins; API access only.</a:t>
+            </a:r>
+          </a:p>
+          <a:p>
+            <a:endParaRPr lang="en-US" dirty="0"/>
+          </a:p>
+          <a:p>
+            <a:r>
+              <a:rPr lang="en-US" dirty="0"/>
+              <a:t>GPT-4O (SORA, GEMINI Pro 1.5): The era of multi-modal and highly </a:t>
+            </a:r>
+            <a:r>
+              <a:rPr lang="en-US" dirty="0" err="1"/>
+              <a:t>specialised</a:t>
+            </a:r>
+            <a:r>
+              <a:rPr lang="en-US" dirty="0"/>
+              <a:t> AI models. Enhanced integration with various data types (text, image, video, audio) and fine-tuned for specific applications and industries.</a:t>
+            </a:r>
+          </a:p>
+        </p:txBody>
+      </p:sp>
+      <p:sp>
+        <p:nvSpPr>
+          <p:cNvPr id="6" name="Title 1">
+            <a:extLst>
+              <a:ext uri="{FF2B5EF4-FFF2-40B4-BE49-F238E27FC236}">
+                <a16:creationId xmlns:a16="http://schemas.microsoft.com/office/drawing/2014/main" id="{1593D0E4-9B30-6F0B-D2A5-B11084389CC0}"/>
+              </a:ext>
+            </a:extLst>
+          </p:cNvPr>
+          <p:cNvSpPr>
+            <a:spLocks noGrp="1"/>
+          </p:cNvSpPr>
+          <p:nvPr>
+            <p:ph type="title"/>
+          </p:nvPr>
+        </p:nvSpPr>
+        <p:spPr>
+          <a:xfrm>
+            <a:off x="566467" y="0"/>
+            <a:ext cx="10515600" cy="1142544"/>
+          </a:xfrm>
+        </p:spPr>
+        <p:txBody>
+          <a:bodyPr/>
+          <a:lstStyle/>
+          <a:p>
+            <a:r>
+              <a:rPr lang="en-US" sz="4400">
+                <a:latin typeface=""/>
+                <a:cs typeface="Arial" panose="020B0604020202020204" pitchFamily="34" charset="0"/>
+              </a:rPr>
+              <a:t>Large Language Models (LLMs)</a:t>
+            </a:r>
+            <a:endParaRPr lang="en-US" dirty="0"/>
+          </a:p>
+        </p:txBody>
+      </p:sp>
+      <p:sp>
+        <p:nvSpPr>
+          <p:cNvPr id="8" name="TextBox 7">
+            <a:extLst>
+              <a:ext uri="{FF2B5EF4-FFF2-40B4-BE49-F238E27FC236}">
+                <a16:creationId xmlns:a16="http://schemas.microsoft.com/office/drawing/2014/main" id="{F49FA722-1715-4D5F-9C06-88100D384D7F}"/>
+              </a:ext>
+            </a:extLst>
+          </p:cNvPr>
+          <p:cNvSpPr txBox="1"/>
+          <p:nvPr/>
+        </p:nvSpPr>
+        <p:spPr>
+          <a:xfrm>
+            <a:off x="566467" y="942489"/>
+            <a:ext cx="6098874" cy="400110"/>
+          </a:xfrm>
+          <a:prstGeom prst="rect">
+            <a:avLst/>
+          </a:prstGeom>
+          <a:noFill/>
+        </p:spPr>
+        <p:txBody>
+          <a:bodyPr wrap="square">
+            <a:spAutoFit/>
+          </a:bodyPr>
+          <a:lstStyle/>
+          <a:p>
+            <a:r>
+              <a:rPr lang="en-US" sz="2000" dirty="0"/>
+              <a:t>The Evolution of AI Assistants: From GPT-1 to GPT-4o</a:t>
+            </a:r>
+          </a:p>
+        </p:txBody>
+      </p:sp>
+    </p:spTree>
+    <p:extLst>
+      <p:ext uri="{BB962C8B-B14F-4D97-AF65-F5344CB8AC3E}">
+        <p14:creationId xmlns:p14="http://schemas.microsoft.com/office/powerpoint/2010/main" val="3528170906"/>
       </p:ext>
     </p:extLst>
   </p:cSld>
